--- a/outputs/NMDS_figure.pptx
+++ b/outputs/NMDS_figure.pptx
@@ -5,8 +5,7 @@
     <p:sldMasterId id="2147483648" r:id="rId1"/>
   </p:sldMasterIdLst>
   <p:sldIdLst>
-    <p:sldId id="258" r:id="rId2"/>
-    <p:sldId id="259" r:id="rId3"/>
+    <p:sldId id="259" r:id="rId2"/>
   </p:sldIdLst>
   <p:sldSz cx="12192000" cy="6858000"/>
   <p:notesSz cx="6858000" cy="9144000"/>
@@ -260,7 +259,7 @@
           <a:p>
             <a:fld id="{A40BE709-D9C8-E34C-9A0A-EE4CF8A46643}" type="datetimeFigureOut">
               <a:rPr lang="en-US" smtClean="0"/>
-              <a:t>10/23/25</a:t>
+              <a:t>10/24/25</a:t>
             </a:fld>
             <a:endParaRPr lang="en-US"/>
           </a:p>
@@ -458,7 +457,7 @@
           <a:p>
             <a:fld id="{A40BE709-D9C8-E34C-9A0A-EE4CF8A46643}" type="datetimeFigureOut">
               <a:rPr lang="en-US" smtClean="0"/>
-              <a:t>10/23/25</a:t>
+              <a:t>10/24/25</a:t>
             </a:fld>
             <a:endParaRPr lang="en-US"/>
           </a:p>
@@ -666,7 +665,7 @@
           <a:p>
             <a:fld id="{A40BE709-D9C8-E34C-9A0A-EE4CF8A46643}" type="datetimeFigureOut">
               <a:rPr lang="en-US" smtClean="0"/>
-              <a:t>10/23/25</a:t>
+              <a:t>10/24/25</a:t>
             </a:fld>
             <a:endParaRPr lang="en-US"/>
           </a:p>
@@ -864,7 +863,7 @@
           <a:p>
             <a:fld id="{A40BE709-D9C8-E34C-9A0A-EE4CF8A46643}" type="datetimeFigureOut">
               <a:rPr lang="en-US" smtClean="0"/>
-              <a:t>10/23/25</a:t>
+              <a:t>10/24/25</a:t>
             </a:fld>
             <a:endParaRPr lang="en-US"/>
           </a:p>
@@ -1139,7 +1138,7 @@
           <a:p>
             <a:fld id="{A40BE709-D9C8-E34C-9A0A-EE4CF8A46643}" type="datetimeFigureOut">
               <a:rPr lang="en-US" smtClean="0"/>
-              <a:t>10/23/25</a:t>
+              <a:t>10/24/25</a:t>
             </a:fld>
             <a:endParaRPr lang="en-US"/>
           </a:p>
@@ -1404,7 +1403,7 @@
           <a:p>
             <a:fld id="{A40BE709-D9C8-E34C-9A0A-EE4CF8A46643}" type="datetimeFigureOut">
               <a:rPr lang="en-US" smtClean="0"/>
-              <a:t>10/23/25</a:t>
+              <a:t>10/24/25</a:t>
             </a:fld>
             <a:endParaRPr lang="en-US"/>
           </a:p>
@@ -1816,7 +1815,7 @@
           <a:p>
             <a:fld id="{A40BE709-D9C8-E34C-9A0A-EE4CF8A46643}" type="datetimeFigureOut">
               <a:rPr lang="en-US" smtClean="0"/>
-              <a:t>10/23/25</a:t>
+              <a:t>10/24/25</a:t>
             </a:fld>
             <a:endParaRPr lang="en-US"/>
           </a:p>
@@ -1957,7 +1956,7 @@
           <a:p>
             <a:fld id="{A40BE709-D9C8-E34C-9A0A-EE4CF8A46643}" type="datetimeFigureOut">
               <a:rPr lang="en-US" smtClean="0"/>
-              <a:t>10/23/25</a:t>
+              <a:t>10/24/25</a:t>
             </a:fld>
             <a:endParaRPr lang="en-US"/>
           </a:p>
@@ -2070,7 +2069,7 @@
           <a:p>
             <a:fld id="{A40BE709-D9C8-E34C-9A0A-EE4CF8A46643}" type="datetimeFigureOut">
               <a:rPr lang="en-US" smtClean="0"/>
-              <a:t>10/23/25</a:t>
+              <a:t>10/24/25</a:t>
             </a:fld>
             <a:endParaRPr lang="en-US"/>
           </a:p>
@@ -2381,7 +2380,7 @@
           <a:p>
             <a:fld id="{A40BE709-D9C8-E34C-9A0A-EE4CF8A46643}" type="datetimeFigureOut">
               <a:rPr lang="en-US" smtClean="0"/>
-              <a:t>10/23/25</a:t>
+              <a:t>10/24/25</a:t>
             </a:fld>
             <a:endParaRPr lang="en-US"/>
           </a:p>
@@ -2669,7 +2668,7 @@
           <a:p>
             <a:fld id="{A40BE709-D9C8-E34C-9A0A-EE4CF8A46643}" type="datetimeFigureOut">
               <a:rPr lang="en-US" smtClean="0"/>
-              <a:t>10/23/25</a:t>
+              <a:t>10/24/25</a:t>
             </a:fld>
             <a:endParaRPr lang="en-US"/>
           </a:p>
@@ -2910,7 +2909,7 @@
           <a:p>
             <a:fld id="{A40BE709-D9C8-E34C-9A0A-EE4CF8A46643}" type="datetimeFigureOut">
               <a:rPr lang="en-US" smtClean="0"/>
-              <a:t>10/23/25</a:t>
+              <a:t>10/24/25</a:t>
             </a:fld>
             <a:endParaRPr lang="en-US"/>
           </a:p>
@@ -3311,1236 +3310,6 @@
 </file>
 
 <file path=ppt/slides/slide1.xml><?xml version="1.0" encoding="utf-8"?>
-<p:sld xmlns:a="http://schemas.openxmlformats.org/drawingml/2006/main" xmlns:r="http://schemas.openxmlformats.org/officeDocument/2006/relationships" xmlns:p="http://schemas.openxmlformats.org/presentationml/2006/main">
-  <p:cSld>
-    <p:spTree>
-      <p:nvGrpSpPr>
-        <p:cNvPr id="1" name="">
-          <a:extLst>
-            <a:ext uri="{FF2B5EF4-FFF2-40B4-BE49-F238E27FC236}">
-              <a16:creationId xmlns:a16="http://schemas.microsoft.com/office/drawing/2014/main" id="{F679F896-0F0C-A25F-64BB-7B68DCB5259C}"/>
-            </a:ext>
-          </a:extLst>
-        </p:cNvPr>
-        <p:cNvGrpSpPr/>
-        <p:nvPr/>
-      </p:nvGrpSpPr>
-      <p:grpSpPr>
-        <a:xfrm>
-          <a:off x="0" y="0"/>
-          <a:ext cx="0" cy="0"/>
-          <a:chOff x="0" y="0"/>
-          <a:chExt cx="0" cy="0"/>
-        </a:xfrm>
-      </p:grpSpPr>
-      <p:pic>
-        <p:nvPicPr>
-          <p:cNvPr id="2" name="Picture 1">
-            <a:extLst>
-              <a:ext uri="{FF2B5EF4-FFF2-40B4-BE49-F238E27FC236}">
-                <a16:creationId xmlns:a16="http://schemas.microsoft.com/office/drawing/2014/main" id="{D0DDE76D-EE0F-44FA-F2A5-4F557876589B}"/>
-              </a:ext>
-            </a:extLst>
-          </p:cNvPr>
-          <p:cNvPicPr>
-            <a:picLocks noChangeAspect="1"/>
-          </p:cNvPicPr>
-          <p:nvPr/>
-        </p:nvPicPr>
-        <p:blipFill>
-          <a:blip r:embed="rId2"/>
-          <a:stretch>
-            <a:fillRect/>
-          </a:stretch>
-        </p:blipFill>
-        <p:spPr>
-          <a:xfrm>
-            <a:off x="4895850" y="0"/>
-            <a:ext cx="2400300" cy="6858000"/>
-          </a:xfrm>
-          <a:prstGeom prst="rect">
-            <a:avLst/>
-          </a:prstGeom>
-        </p:spPr>
-      </p:pic>
-      <p:sp>
-        <p:nvSpPr>
-          <p:cNvPr id="16" name="Triangle 15">
-            <a:extLst>
-              <a:ext uri="{FF2B5EF4-FFF2-40B4-BE49-F238E27FC236}">
-                <a16:creationId xmlns:a16="http://schemas.microsoft.com/office/drawing/2014/main" id="{5BD15F6F-2F6A-E44E-CE52-515ADF00A02E}"/>
-              </a:ext>
-            </a:extLst>
-          </p:cNvPr>
-          <p:cNvSpPr/>
-          <p:nvPr/>
-        </p:nvSpPr>
-        <p:spPr>
-          <a:xfrm rot="2323870">
-            <a:off x="6130925" y="339725"/>
-            <a:ext cx="9144" cy="9144"/>
-          </a:xfrm>
-          <a:prstGeom prst="triangle">
-            <a:avLst/>
-          </a:prstGeom>
-        </p:spPr>
-        <p:style>
-          <a:lnRef idx="2">
-            <a:schemeClr val="accent1">
-              <a:shade val="15000"/>
-            </a:schemeClr>
-          </a:lnRef>
-          <a:fillRef idx="1">
-            <a:schemeClr val="accent1"/>
-          </a:fillRef>
-          <a:effectRef idx="0">
-            <a:schemeClr val="accent1"/>
-          </a:effectRef>
-          <a:fontRef idx="minor">
-            <a:schemeClr val="lt1"/>
-          </a:fontRef>
-        </p:style>
-        <p:txBody>
-          <a:bodyPr rtlCol="0" anchor="ctr"/>
-          <a:lstStyle/>
-          <a:p>
-            <a:pPr algn="ctr"/>
-            <a:endParaRPr lang="en-US"/>
-          </a:p>
-        </p:txBody>
-      </p:sp>
-      <p:sp>
-        <p:nvSpPr>
-          <p:cNvPr id="17" name="Triangle 16">
-            <a:extLst>
-              <a:ext uri="{FF2B5EF4-FFF2-40B4-BE49-F238E27FC236}">
-                <a16:creationId xmlns:a16="http://schemas.microsoft.com/office/drawing/2014/main" id="{A494E41A-8EBA-C751-F6FE-C4148F730A63}"/>
-              </a:ext>
-            </a:extLst>
-          </p:cNvPr>
-          <p:cNvSpPr/>
-          <p:nvPr/>
-        </p:nvSpPr>
-        <p:spPr>
-          <a:xfrm rot="5641463">
-            <a:off x="6302375" y="663575"/>
-            <a:ext cx="9144" cy="9144"/>
-          </a:xfrm>
-          <a:prstGeom prst="triangle">
-            <a:avLst/>
-          </a:prstGeom>
-        </p:spPr>
-        <p:style>
-          <a:lnRef idx="2">
-            <a:schemeClr val="accent1">
-              <a:shade val="15000"/>
-            </a:schemeClr>
-          </a:lnRef>
-          <a:fillRef idx="1">
-            <a:schemeClr val="accent1"/>
-          </a:fillRef>
-          <a:effectRef idx="0">
-            <a:schemeClr val="accent1"/>
-          </a:effectRef>
-          <a:fontRef idx="minor">
-            <a:schemeClr val="lt1"/>
-          </a:fontRef>
-        </p:style>
-        <p:txBody>
-          <a:bodyPr rtlCol="0" anchor="ctr"/>
-          <a:lstStyle/>
-          <a:p>
-            <a:pPr algn="ctr"/>
-            <a:endParaRPr lang="en-US"/>
-          </a:p>
-        </p:txBody>
-      </p:sp>
-      <p:sp>
-        <p:nvSpPr>
-          <p:cNvPr id="18" name="Triangle 17">
-            <a:extLst>
-              <a:ext uri="{FF2B5EF4-FFF2-40B4-BE49-F238E27FC236}">
-                <a16:creationId xmlns:a16="http://schemas.microsoft.com/office/drawing/2014/main" id="{539D2683-5A8C-77DC-27CD-E4899D11AC1D}"/>
-              </a:ext>
-            </a:extLst>
-          </p:cNvPr>
-          <p:cNvSpPr/>
-          <p:nvPr/>
-        </p:nvSpPr>
-        <p:spPr>
-          <a:xfrm rot="10039701">
-            <a:off x="5930900" y="993775"/>
-            <a:ext cx="9144" cy="9144"/>
-          </a:xfrm>
-          <a:prstGeom prst="triangle">
-            <a:avLst/>
-          </a:prstGeom>
-        </p:spPr>
-        <p:style>
-          <a:lnRef idx="2">
-            <a:schemeClr val="accent1">
-              <a:shade val="15000"/>
-            </a:schemeClr>
-          </a:lnRef>
-          <a:fillRef idx="1">
-            <a:schemeClr val="accent1"/>
-          </a:fillRef>
-          <a:effectRef idx="0">
-            <a:schemeClr val="accent1"/>
-          </a:effectRef>
-          <a:fontRef idx="minor">
-            <a:schemeClr val="lt1"/>
-          </a:fontRef>
-        </p:style>
-        <p:txBody>
-          <a:bodyPr rtlCol="0" anchor="ctr"/>
-          <a:lstStyle/>
-          <a:p>
-            <a:pPr algn="ctr"/>
-            <a:endParaRPr lang="en-US"/>
-          </a:p>
-        </p:txBody>
-      </p:sp>
-      <p:sp>
-        <p:nvSpPr>
-          <p:cNvPr id="19" name="Triangle 18">
-            <a:extLst>
-              <a:ext uri="{FF2B5EF4-FFF2-40B4-BE49-F238E27FC236}">
-                <a16:creationId xmlns:a16="http://schemas.microsoft.com/office/drawing/2014/main" id="{C2079D10-72F3-CE37-12E0-D1D1A7AE6A7E}"/>
-              </a:ext>
-            </a:extLst>
-          </p:cNvPr>
-          <p:cNvSpPr/>
-          <p:nvPr/>
-        </p:nvSpPr>
-        <p:spPr>
-          <a:xfrm rot="14627869">
-            <a:off x="5464175" y="806450"/>
-            <a:ext cx="9144" cy="9144"/>
-          </a:xfrm>
-          <a:prstGeom prst="triangle">
-            <a:avLst/>
-          </a:prstGeom>
-        </p:spPr>
-        <p:style>
-          <a:lnRef idx="2">
-            <a:schemeClr val="accent1">
-              <a:shade val="15000"/>
-            </a:schemeClr>
-          </a:lnRef>
-          <a:fillRef idx="1">
-            <a:schemeClr val="accent1"/>
-          </a:fillRef>
-          <a:effectRef idx="0">
-            <a:schemeClr val="accent1"/>
-          </a:effectRef>
-          <a:fontRef idx="minor">
-            <a:schemeClr val="lt1"/>
-          </a:fontRef>
-        </p:style>
-        <p:txBody>
-          <a:bodyPr rtlCol="0" anchor="ctr"/>
-          <a:lstStyle/>
-          <a:p>
-            <a:pPr algn="ctr"/>
-            <a:endParaRPr lang="en-US"/>
-          </a:p>
-        </p:txBody>
-      </p:sp>
-      <p:grpSp>
-        <p:nvGrpSpPr>
-          <p:cNvPr id="24" name="Group 23">
-            <a:extLst>
-              <a:ext uri="{FF2B5EF4-FFF2-40B4-BE49-F238E27FC236}">
-                <a16:creationId xmlns:a16="http://schemas.microsoft.com/office/drawing/2014/main" id="{D942B95B-8793-21B8-FE26-0A15D4DABE6C}"/>
-              </a:ext>
-            </a:extLst>
-          </p:cNvPr>
-          <p:cNvGrpSpPr/>
-          <p:nvPr/>
-        </p:nvGrpSpPr>
-        <p:grpSpPr>
-          <a:xfrm>
-            <a:off x="5464485" y="1655907"/>
-            <a:ext cx="847344" cy="663194"/>
-            <a:chOff x="5616575" y="492125"/>
-            <a:chExt cx="847344" cy="663194"/>
-          </a:xfrm>
-        </p:grpSpPr>
-        <p:sp>
-          <p:nvSpPr>
-            <p:cNvPr id="20" name="Triangle 19">
-              <a:extLst>
-                <a:ext uri="{FF2B5EF4-FFF2-40B4-BE49-F238E27FC236}">
-                  <a16:creationId xmlns:a16="http://schemas.microsoft.com/office/drawing/2014/main" id="{60597A40-4BD3-FFC2-74B0-DDAFE8B789A4}"/>
-                </a:ext>
-              </a:extLst>
-            </p:cNvPr>
-            <p:cNvSpPr/>
-            <p:nvPr/>
-          </p:nvSpPr>
-          <p:spPr>
-            <a:xfrm rot="2323870">
-              <a:off x="6283325" y="492125"/>
-              <a:ext cx="9144" cy="9144"/>
-            </a:xfrm>
-            <a:prstGeom prst="triangle">
-              <a:avLst/>
-            </a:prstGeom>
-          </p:spPr>
-          <p:style>
-            <a:lnRef idx="2">
-              <a:schemeClr val="accent1">
-                <a:shade val="15000"/>
-              </a:schemeClr>
-            </a:lnRef>
-            <a:fillRef idx="1">
-              <a:schemeClr val="accent1"/>
-            </a:fillRef>
-            <a:effectRef idx="0">
-              <a:schemeClr val="accent1"/>
-            </a:effectRef>
-            <a:fontRef idx="minor">
-              <a:schemeClr val="lt1"/>
-            </a:fontRef>
-          </p:style>
-          <p:txBody>
-            <a:bodyPr rtlCol="0" anchor="ctr"/>
-            <a:lstStyle/>
-            <a:p>
-              <a:pPr algn="ctr"/>
-              <a:endParaRPr lang="en-US"/>
-            </a:p>
-          </p:txBody>
-        </p:sp>
-        <p:sp>
-          <p:nvSpPr>
-            <p:cNvPr id="21" name="Triangle 20">
-              <a:extLst>
-                <a:ext uri="{FF2B5EF4-FFF2-40B4-BE49-F238E27FC236}">
-                  <a16:creationId xmlns:a16="http://schemas.microsoft.com/office/drawing/2014/main" id="{07731C0E-8354-7CD4-DD48-EDCCEB44A2DF}"/>
-                </a:ext>
-              </a:extLst>
-            </p:cNvPr>
-            <p:cNvSpPr/>
-            <p:nvPr/>
-          </p:nvSpPr>
-          <p:spPr>
-            <a:xfrm rot="5641463">
-              <a:off x="6454775" y="815975"/>
-              <a:ext cx="9144" cy="9144"/>
-            </a:xfrm>
-            <a:prstGeom prst="triangle">
-              <a:avLst/>
-            </a:prstGeom>
-          </p:spPr>
-          <p:style>
-            <a:lnRef idx="2">
-              <a:schemeClr val="accent1">
-                <a:shade val="15000"/>
-              </a:schemeClr>
-            </a:lnRef>
-            <a:fillRef idx="1">
-              <a:schemeClr val="accent1"/>
-            </a:fillRef>
-            <a:effectRef idx="0">
-              <a:schemeClr val="accent1"/>
-            </a:effectRef>
-            <a:fontRef idx="minor">
-              <a:schemeClr val="lt1"/>
-            </a:fontRef>
-          </p:style>
-          <p:txBody>
-            <a:bodyPr rtlCol="0" anchor="ctr"/>
-            <a:lstStyle/>
-            <a:p>
-              <a:pPr algn="ctr"/>
-              <a:endParaRPr lang="en-US"/>
-            </a:p>
-          </p:txBody>
-        </p:sp>
-        <p:sp>
-          <p:nvSpPr>
-            <p:cNvPr id="22" name="Triangle 21">
-              <a:extLst>
-                <a:ext uri="{FF2B5EF4-FFF2-40B4-BE49-F238E27FC236}">
-                  <a16:creationId xmlns:a16="http://schemas.microsoft.com/office/drawing/2014/main" id="{D6037F44-136F-E254-95B9-CA9994ED38C7}"/>
-                </a:ext>
-              </a:extLst>
-            </p:cNvPr>
-            <p:cNvSpPr/>
-            <p:nvPr/>
-          </p:nvSpPr>
-          <p:spPr>
-            <a:xfrm rot="10039701">
-              <a:off x="6083300" y="1146175"/>
-              <a:ext cx="9144" cy="9144"/>
-            </a:xfrm>
-            <a:prstGeom prst="triangle">
-              <a:avLst/>
-            </a:prstGeom>
-          </p:spPr>
-          <p:style>
-            <a:lnRef idx="2">
-              <a:schemeClr val="accent1">
-                <a:shade val="15000"/>
-              </a:schemeClr>
-            </a:lnRef>
-            <a:fillRef idx="1">
-              <a:schemeClr val="accent1"/>
-            </a:fillRef>
-            <a:effectRef idx="0">
-              <a:schemeClr val="accent1"/>
-            </a:effectRef>
-            <a:fontRef idx="minor">
-              <a:schemeClr val="lt1"/>
-            </a:fontRef>
-          </p:style>
-          <p:txBody>
-            <a:bodyPr rtlCol="0" anchor="ctr"/>
-            <a:lstStyle/>
-            <a:p>
-              <a:pPr algn="ctr"/>
-              <a:endParaRPr lang="en-US"/>
-            </a:p>
-          </p:txBody>
-        </p:sp>
-        <p:sp>
-          <p:nvSpPr>
-            <p:cNvPr id="23" name="Triangle 22">
-              <a:extLst>
-                <a:ext uri="{FF2B5EF4-FFF2-40B4-BE49-F238E27FC236}">
-                  <a16:creationId xmlns:a16="http://schemas.microsoft.com/office/drawing/2014/main" id="{52D788FA-BCBE-DB3D-8BEE-E0F42BD90227}"/>
-                </a:ext>
-              </a:extLst>
-            </p:cNvPr>
-            <p:cNvSpPr/>
-            <p:nvPr/>
-          </p:nvSpPr>
-          <p:spPr>
-            <a:xfrm rot="14627869">
-              <a:off x="5616575" y="958850"/>
-              <a:ext cx="9144" cy="9144"/>
-            </a:xfrm>
-            <a:prstGeom prst="triangle">
-              <a:avLst/>
-            </a:prstGeom>
-          </p:spPr>
-          <p:style>
-            <a:lnRef idx="2">
-              <a:schemeClr val="accent1">
-                <a:shade val="15000"/>
-              </a:schemeClr>
-            </a:lnRef>
-            <a:fillRef idx="1">
-              <a:schemeClr val="accent1"/>
-            </a:fillRef>
-            <a:effectRef idx="0">
-              <a:schemeClr val="accent1"/>
-            </a:effectRef>
-            <a:fontRef idx="minor">
-              <a:schemeClr val="lt1"/>
-            </a:fontRef>
-          </p:style>
-          <p:txBody>
-            <a:bodyPr rtlCol="0" anchor="ctr"/>
-            <a:lstStyle/>
-            <a:p>
-              <a:pPr algn="ctr"/>
-              <a:endParaRPr lang="en-US"/>
-            </a:p>
-          </p:txBody>
-        </p:sp>
-      </p:grpSp>
-      <p:grpSp>
-        <p:nvGrpSpPr>
-          <p:cNvPr id="25" name="Group 24">
-            <a:extLst>
-              <a:ext uri="{FF2B5EF4-FFF2-40B4-BE49-F238E27FC236}">
-                <a16:creationId xmlns:a16="http://schemas.microsoft.com/office/drawing/2014/main" id="{588EFAE8-9881-D0C8-C7B1-42A1C47F28BB}"/>
-              </a:ext>
-            </a:extLst>
-          </p:cNvPr>
-          <p:cNvGrpSpPr/>
-          <p:nvPr/>
-        </p:nvGrpSpPr>
-        <p:grpSpPr>
-          <a:xfrm>
-            <a:off x="5464485" y="2970233"/>
-            <a:ext cx="847344" cy="663194"/>
-            <a:chOff x="5616575" y="492125"/>
-            <a:chExt cx="847344" cy="663194"/>
-          </a:xfrm>
-        </p:grpSpPr>
-        <p:sp>
-          <p:nvSpPr>
-            <p:cNvPr id="26" name="Triangle 25">
-              <a:extLst>
-                <a:ext uri="{FF2B5EF4-FFF2-40B4-BE49-F238E27FC236}">
-                  <a16:creationId xmlns:a16="http://schemas.microsoft.com/office/drawing/2014/main" id="{EFB9BB1D-9DC7-0918-10E5-94C77CD229FC}"/>
-                </a:ext>
-              </a:extLst>
-            </p:cNvPr>
-            <p:cNvSpPr/>
-            <p:nvPr/>
-          </p:nvSpPr>
-          <p:spPr>
-            <a:xfrm rot="2323870">
-              <a:off x="6283325" y="492125"/>
-              <a:ext cx="9144" cy="9144"/>
-            </a:xfrm>
-            <a:prstGeom prst="triangle">
-              <a:avLst/>
-            </a:prstGeom>
-          </p:spPr>
-          <p:style>
-            <a:lnRef idx="2">
-              <a:schemeClr val="accent1">
-                <a:shade val="15000"/>
-              </a:schemeClr>
-            </a:lnRef>
-            <a:fillRef idx="1">
-              <a:schemeClr val="accent1"/>
-            </a:fillRef>
-            <a:effectRef idx="0">
-              <a:schemeClr val="accent1"/>
-            </a:effectRef>
-            <a:fontRef idx="minor">
-              <a:schemeClr val="lt1"/>
-            </a:fontRef>
-          </p:style>
-          <p:txBody>
-            <a:bodyPr rtlCol="0" anchor="ctr"/>
-            <a:lstStyle/>
-            <a:p>
-              <a:pPr algn="ctr"/>
-              <a:endParaRPr lang="en-US"/>
-            </a:p>
-          </p:txBody>
-        </p:sp>
-        <p:sp>
-          <p:nvSpPr>
-            <p:cNvPr id="27" name="Triangle 26">
-              <a:extLst>
-                <a:ext uri="{FF2B5EF4-FFF2-40B4-BE49-F238E27FC236}">
-                  <a16:creationId xmlns:a16="http://schemas.microsoft.com/office/drawing/2014/main" id="{C2D78A26-49E9-9A21-1E1D-7F227F77D1A7}"/>
-                </a:ext>
-              </a:extLst>
-            </p:cNvPr>
-            <p:cNvSpPr/>
-            <p:nvPr/>
-          </p:nvSpPr>
-          <p:spPr>
-            <a:xfrm rot="5641463">
-              <a:off x="6454775" y="815975"/>
-              <a:ext cx="9144" cy="9144"/>
-            </a:xfrm>
-            <a:prstGeom prst="triangle">
-              <a:avLst/>
-            </a:prstGeom>
-          </p:spPr>
-          <p:style>
-            <a:lnRef idx="2">
-              <a:schemeClr val="accent1">
-                <a:shade val="15000"/>
-              </a:schemeClr>
-            </a:lnRef>
-            <a:fillRef idx="1">
-              <a:schemeClr val="accent1"/>
-            </a:fillRef>
-            <a:effectRef idx="0">
-              <a:schemeClr val="accent1"/>
-            </a:effectRef>
-            <a:fontRef idx="minor">
-              <a:schemeClr val="lt1"/>
-            </a:fontRef>
-          </p:style>
-          <p:txBody>
-            <a:bodyPr rtlCol="0" anchor="ctr"/>
-            <a:lstStyle/>
-            <a:p>
-              <a:pPr algn="ctr"/>
-              <a:endParaRPr lang="en-US"/>
-            </a:p>
-          </p:txBody>
-        </p:sp>
-        <p:sp>
-          <p:nvSpPr>
-            <p:cNvPr id="28" name="Triangle 27">
-              <a:extLst>
-                <a:ext uri="{FF2B5EF4-FFF2-40B4-BE49-F238E27FC236}">
-                  <a16:creationId xmlns:a16="http://schemas.microsoft.com/office/drawing/2014/main" id="{D0050DE4-B7B5-55D6-635F-5C2596DDAB19}"/>
-                </a:ext>
-              </a:extLst>
-            </p:cNvPr>
-            <p:cNvSpPr/>
-            <p:nvPr/>
-          </p:nvSpPr>
-          <p:spPr>
-            <a:xfrm rot="10039701">
-              <a:off x="6083300" y="1146175"/>
-              <a:ext cx="9144" cy="9144"/>
-            </a:xfrm>
-            <a:prstGeom prst="triangle">
-              <a:avLst/>
-            </a:prstGeom>
-          </p:spPr>
-          <p:style>
-            <a:lnRef idx="2">
-              <a:schemeClr val="accent1">
-                <a:shade val="15000"/>
-              </a:schemeClr>
-            </a:lnRef>
-            <a:fillRef idx="1">
-              <a:schemeClr val="accent1"/>
-            </a:fillRef>
-            <a:effectRef idx="0">
-              <a:schemeClr val="accent1"/>
-            </a:effectRef>
-            <a:fontRef idx="minor">
-              <a:schemeClr val="lt1"/>
-            </a:fontRef>
-          </p:style>
-          <p:txBody>
-            <a:bodyPr rtlCol="0" anchor="ctr"/>
-            <a:lstStyle/>
-            <a:p>
-              <a:pPr algn="ctr"/>
-              <a:endParaRPr lang="en-US"/>
-            </a:p>
-          </p:txBody>
-        </p:sp>
-        <p:sp>
-          <p:nvSpPr>
-            <p:cNvPr id="29" name="Triangle 28">
-              <a:extLst>
-                <a:ext uri="{FF2B5EF4-FFF2-40B4-BE49-F238E27FC236}">
-                  <a16:creationId xmlns:a16="http://schemas.microsoft.com/office/drawing/2014/main" id="{7A2DAEF5-A6F7-84EE-9356-801F858A6409}"/>
-                </a:ext>
-              </a:extLst>
-            </p:cNvPr>
-            <p:cNvSpPr/>
-            <p:nvPr/>
-          </p:nvSpPr>
-          <p:spPr>
-            <a:xfrm rot="14627869">
-              <a:off x="5616575" y="958850"/>
-              <a:ext cx="9144" cy="9144"/>
-            </a:xfrm>
-            <a:prstGeom prst="triangle">
-              <a:avLst/>
-            </a:prstGeom>
-          </p:spPr>
-          <p:style>
-            <a:lnRef idx="2">
-              <a:schemeClr val="accent1">
-                <a:shade val="15000"/>
-              </a:schemeClr>
-            </a:lnRef>
-            <a:fillRef idx="1">
-              <a:schemeClr val="accent1"/>
-            </a:fillRef>
-            <a:effectRef idx="0">
-              <a:schemeClr val="accent1"/>
-            </a:effectRef>
-            <a:fontRef idx="minor">
-              <a:schemeClr val="lt1"/>
-            </a:fontRef>
-          </p:style>
-          <p:txBody>
-            <a:bodyPr rtlCol="0" anchor="ctr"/>
-            <a:lstStyle/>
-            <a:p>
-              <a:pPr algn="ctr"/>
-              <a:endParaRPr lang="en-US"/>
-            </a:p>
-          </p:txBody>
-        </p:sp>
-      </p:grpSp>
-      <p:grpSp>
-        <p:nvGrpSpPr>
-          <p:cNvPr id="30" name="Group 29">
-            <a:extLst>
-              <a:ext uri="{FF2B5EF4-FFF2-40B4-BE49-F238E27FC236}">
-                <a16:creationId xmlns:a16="http://schemas.microsoft.com/office/drawing/2014/main" id="{0D5B79B2-884D-B479-7779-B812087B0F42}"/>
-              </a:ext>
-            </a:extLst>
-          </p:cNvPr>
-          <p:cNvGrpSpPr/>
-          <p:nvPr/>
-        </p:nvGrpSpPr>
-        <p:grpSpPr>
-          <a:xfrm>
-            <a:off x="5464485" y="4291893"/>
-            <a:ext cx="847344" cy="663194"/>
-            <a:chOff x="5616575" y="492125"/>
-            <a:chExt cx="847344" cy="663194"/>
-          </a:xfrm>
-        </p:grpSpPr>
-        <p:sp>
-          <p:nvSpPr>
-            <p:cNvPr id="31" name="Triangle 30">
-              <a:extLst>
-                <a:ext uri="{FF2B5EF4-FFF2-40B4-BE49-F238E27FC236}">
-                  <a16:creationId xmlns:a16="http://schemas.microsoft.com/office/drawing/2014/main" id="{91D4CE78-3F80-501C-F882-8AEC5EC448B9}"/>
-                </a:ext>
-              </a:extLst>
-            </p:cNvPr>
-            <p:cNvSpPr/>
-            <p:nvPr/>
-          </p:nvSpPr>
-          <p:spPr>
-            <a:xfrm rot="2323870">
-              <a:off x="6283325" y="492125"/>
-              <a:ext cx="9144" cy="9144"/>
-            </a:xfrm>
-            <a:prstGeom prst="triangle">
-              <a:avLst/>
-            </a:prstGeom>
-          </p:spPr>
-          <p:style>
-            <a:lnRef idx="2">
-              <a:schemeClr val="accent1">
-                <a:shade val="15000"/>
-              </a:schemeClr>
-            </a:lnRef>
-            <a:fillRef idx="1">
-              <a:schemeClr val="accent1"/>
-            </a:fillRef>
-            <a:effectRef idx="0">
-              <a:schemeClr val="accent1"/>
-            </a:effectRef>
-            <a:fontRef idx="minor">
-              <a:schemeClr val="lt1"/>
-            </a:fontRef>
-          </p:style>
-          <p:txBody>
-            <a:bodyPr rtlCol="0" anchor="ctr"/>
-            <a:lstStyle/>
-            <a:p>
-              <a:pPr algn="ctr"/>
-              <a:endParaRPr lang="en-US"/>
-            </a:p>
-          </p:txBody>
-        </p:sp>
-        <p:sp>
-          <p:nvSpPr>
-            <p:cNvPr id="32" name="Triangle 31">
-              <a:extLst>
-                <a:ext uri="{FF2B5EF4-FFF2-40B4-BE49-F238E27FC236}">
-                  <a16:creationId xmlns:a16="http://schemas.microsoft.com/office/drawing/2014/main" id="{19EBB8A8-6EC3-1F59-2941-9FA36529E694}"/>
-                </a:ext>
-              </a:extLst>
-            </p:cNvPr>
-            <p:cNvSpPr/>
-            <p:nvPr/>
-          </p:nvSpPr>
-          <p:spPr>
-            <a:xfrm rot="5641463">
-              <a:off x="6454775" y="815975"/>
-              <a:ext cx="9144" cy="9144"/>
-            </a:xfrm>
-            <a:prstGeom prst="triangle">
-              <a:avLst/>
-            </a:prstGeom>
-          </p:spPr>
-          <p:style>
-            <a:lnRef idx="2">
-              <a:schemeClr val="accent1">
-                <a:shade val="15000"/>
-              </a:schemeClr>
-            </a:lnRef>
-            <a:fillRef idx="1">
-              <a:schemeClr val="accent1"/>
-            </a:fillRef>
-            <a:effectRef idx="0">
-              <a:schemeClr val="accent1"/>
-            </a:effectRef>
-            <a:fontRef idx="minor">
-              <a:schemeClr val="lt1"/>
-            </a:fontRef>
-          </p:style>
-          <p:txBody>
-            <a:bodyPr rtlCol="0" anchor="ctr"/>
-            <a:lstStyle/>
-            <a:p>
-              <a:pPr algn="ctr"/>
-              <a:endParaRPr lang="en-US"/>
-            </a:p>
-          </p:txBody>
-        </p:sp>
-        <p:sp>
-          <p:nvSpPr>
-            <p:cNvPr id="33" name="Triangle 32">
-              <a:extLst>
-                <a:ext uri="{FF2B5EF4-FFF2-40B4-BE49-F238E27FC236}">
-                  <a16:creationId xmlns:a16="http://schemas.microsoft.com/office/drawing/2014/main" id="{DFB05757-DDC3-C3C9-40CB-B50B19277A71}"/>
-                </a:ext>
-              </a:extLst>
-            </p:cNvPr>
-            <p:cNvSpPr/>
-            <p:nvPr/>
-          </p:nvSpPr>
-          <p:spPr>
-            <a:xfrm rot="10039701">
-              <a:off x="6083300" y="1146175"/>
-              <a:ext cx="9144" cy="9144"/>
-            </a:xfrm>
-            <a:prstGeom prst="triangle">
-              <a:avLst/>
-            </a:prstGeom>
-          </p:spPr>
-          <p:style>
-            <a:lnRef idx="2">
-              <a:schemeClr val="accent1">
-                <a:shade val="15000"/>
-              </a:schemeClr>
-            </a:lnRef>
-            <a:fillRef idx="1">
-              <a:schemeClr val="accent1"/>
-            </a:fillRef>
-            <a:effectRef idx="0">
-              <a:schemeClr val="accent1"/>
-            </a:effectRef>
-            <a:fontRef idx="minor">
-              <a:schemeClr val="lt1"/>
-            </a:fontRef>
-          </p:style>
-          <p:txBody>
-            <a:bodyPr rtlCol="0" anchor="ctr"/>
-            <a:lstStyle/>
-            <a:p>
-              <a:pPr algn="ctr"/>
-              <a:endParaRPr lang="en-US"/>
-            </a:p>
-          </p:txBody>
-        </p:sp>
-        <p:sp>
-          <p:nvSpPr>
-            <p:cNvPr id="34" name="Triangle 33">
-              <a:extLst>
-                <a:ext uri="{FF2B5EF4-FFF2-40B4-BE49-F238E27FC236}">
-                  <a16:creationId xmlns:a16="http://schemas.microsoft.com/office/drawing/2014/main" id="{49497202-79B3-3C8D-9E85-FE4EAE1DE04C}"/>
-                </a:ext>
-              </a:extLst>
-            </p:cNvPr>
-            <p:cNvSpPr/>
-            <p:nvPr/>
-          </p:nvSpPr>
-          <p:spPr>
-            <a:xfrm rot="14627869">
-              <a:off x="5616575" y="958850"/>
-              <a:ext cx="9144" cy="9144"/>
-            </a:xfrm>
-            <a:prstGeom prst="triangle">
-              <a:avLst/>
-            </a:prstGeom>
-          </p:spPr>
-          <p:style>
-            <a:lnRef idx="2">
-              <a:schemeClr val="accent1">
-                <a:shade val="15000"/>
-              </a:schemeClr>
-            </a:lnRef>
-            <a:fillRef idx="1">
-              <a:schemeClr val="accent1"/>
-            </a:fillRef>
-            <a:effectRef idx="0">
-              <a:schemeClr val="accent1"/>
-            </a:effectRef>
-            <a:fontRef idx="minor">
-              <a:schemeClr val="lt1"/>
-            </a:fontRef>
-          </p:style>
-          <p:txBody>
-            <a:bodyPr rtlCol="0" anchor="ctr"/>
-            <a:lstStyle/>
-            <a:p>
-              <a:pPr algn="ctr"/>
-              <a:endParaRPr lang="en-US"/>
-            </a:p>
-          </p:txBody>
-        </p:sp>
-      </p:grpSp>
-      <p:grpSp>
-        <p:nvGrpSpPr>
-          <p:cNvPr id="35" name="Group 34">
-            <a:extLst>
-              <a:ext uri="{FF2B5EF4-FFF2-40B4-BE49-F238E27FC236}">
-                <a16:creationId xmlns:a16="http://schemas.microsoft.com/office/drawing/2014/main" id="{181497EB-D163-23C7-2A4C-E67705FD8655}"/>
-              </a:ext>
-            </a:extLst>
-          </p:cNvPr>
-          <p:cNvGrpSpPr/>
-          <p:nvPr/>
-        </p:nvGrpSpPr>
-        <p:grpSpPr>
-          <a:xfrm>
-            <a:off x="5464485" y="5608112"/>
-            <a:ext cx="847344" cy="663194"/>
-            <a:chOff x="5616575" y="492125"/>
-            <a:chExt cx="847344" cy="663194"/>
-          </a:xfrm>
-        </p:grpSpPr>
-        <p:sp>
-          <p:nvSpPr>
-            <p:cNvPr id="36" name="Triangle 35">
-              <a:extLst>
-                <a:ext uri="{FF2B5EF4-FFF2-40B4-BE49-F238E27FC236}">
-                  <a16:creationId xmlns:a16="http://schemas.microsoft.com/office/drawing/2014/main" id="{EFECCEBD-0D00-EA6D-2780-73397ADB4E13}"/>
-                </a:ext>
-              </a:extLst>
-            </p:cNvPr>
-            <p:cNvSpPr/>
-            <p:nvPr/>
-          </p:nvSpPr>
-          <p:spPr>
-            <a:xfrm rot="2323870">
-              <a:off x="6283325" y="492125"/>
-              <a:ext cx="9144" cy="9144"/>
-            </a:xfrm>
-            <a:prstGeom prst="triangle">
-              <a:avLst/>
-            </a:prstGeom>
-          </p:spPr>
-          <p:style>
-            <a:lnRef idx="2">
-              <a:schemeClr val="accent1">
-                <a:shade val="15000"/>
-              </a:schemeClr>
-            </a:lnRef>
-            <a:fillRef idx="1">
-              <a:schemeClr val="accent1"/>
-            </a:fillRef>
-            <a:effectRef idx="0">
-              <a:schemeClr val="accent1"/>
-            </a:effectRef>
-            <a:fontRef idx="minor">
-              <a:schemeClr val="lt1"/>
-            </a:fontRef>
-          </p:style>
-          <p:txBody>
-            <a:bodyPr rtlCol="0" anchor="ctr"/>
-            <a:lstStyle/>
-            <a:p>
-              <a:pPr algn="ctr"/>
-              <a:endParaRPr lang="en-US"/>
-            </a:p>
-          </p:txBody>
-        </p:sp>
-        <p:sp>
-          <p:nvSpPr>
-            <p:cNvPr id="37" name="Triangle 36">
-              <a:extLst>
-                <a:ext uri="{FF2B5EF4-FFF2-40B4-BE49-F238E27FC236}">
-                  <a16:creationId xmlns:a16="http://schemas.microsoft.com/office/drawing/2014/main" id="{47D09C97-8C39-2B98-5055-7F4B296BCA0A}"/>
-                </a:ext>
-              </a:extLst>
-            </p:cNvPr>
-            <p:cNvSpPr/>
-            <p:nvPr/>
-          </p:nvSpPr>
-          <p:spPr>
-            <a:xfrm rot="5641463">
-              <a:off x="6454775" y="815975"/>
-              <a:ext cx="9144" cy="9144"/>
-            </a:xfrm>
-            <a:prstGeom prst="triangle">
-              <a:avLst/>
-            </a:prstGeom>
-          </p:spPr>
-          <p:style>
-            <a:lnRef idx="2">
-              <a:schemeClr val="accent1">
-                <a:shade val="15000"/>
-              </a:schemeClr>
-            </a:lnRef>
-            <a:fillRef idx="1">
-              <a:schemeClr val="accent1"/>
-            </a:fillRef>
-            <a:effectRef idx="0">
-              <a:schemeClr val="accent1"/>
-            </a:effectRef>
-            <a:fontRef idx="minor">
-              <a:schemeClr val="lt1"/>
-            </a:fontRef>
-          </p:style>
-          <p:txBody>
-            <a:bodyPr rtlCol="0" anchor="ctr"/>
-            <a:lstStyle/>
-            <a:p>
-              <a:pPr algn="ctr"/>
-              <a:endParaRPr lang="en-US"/>
-            </a:p>
-          </p:txBody>
-        </p:sp>
-        <p:sp>
-          <p:nvSpPr>
-            <p:cNvPr id="38" name="Triangle 37">
-              <a:extLst>
-                <a:ext uri="{FF2B5EF4-FFF2-40B4-BE49-F238E27FC236}">
-                  <a16:creationId xmlns:a16="http://schemas.microsoft.com/office/drawing/2014/main" id="{F268E6FD-F0AE-2A93-194B-6343F99D0BC2}"/>
-                </a:ext>
-              </a:extLst>
-            </p:cNvPr>
-            <p:cNvSpPr/>
-            <p:nvPr/>
-          </p:nvSpPr>
-          <p:spPr>
-            <a:xfrm rot="10039701">
-              <a:off x="6083300" y="1146175"/>
-              <a:ext cx="9144" cy="9144"/>
-            </a:xfrm>
-            <a:prstGeom prst="triangle">
-              <a:avLst/>
-            </a:prstGeom>
-          </p:spPr>
-          <p:style>
-            <a:lnRef idx="2">
-              <a:schemeClr val="accent1">
-                <a:shade val="15000"/>
-              </a:schemeClr>
-            </a:lnRef>
-            <a:fillRef idx="1">
-              <a:schemeClr val="accent1"/>
-            </a:fillRef>
-            <a:effectRef idx="0">
-              <a:schemeClr val="accent1"/>
-            </a:effectRef>
-            <a:fontRef idx="minor">
-              <a:schemeClr val="lt1"/>
-            </a:fontRef>
-          </p:style>
-          <p:txBody>
-            <a:bodyPr rtlCol="0" anchor="ctr"/>
-            <a:lstStyle/>
-            <a:p>
-              <a:pPr algn="ctr"/>
-              <a:endParaRPr lang="en-US"/>
-            </a:p>
-          </p:txBody>
-        </p:sp>
-        <p:sp>
-          <p:nvSpPr>
-            <p:cNvPr id="39" name="Triangle 38">
-              <a:extLst>
-                <a:ext uri="{FF2B5EF4-FFF2-40B4-BE49-F238E27FC236}">
-                  <a16:creationId xmlns:a16="http://schemas.microsoft.com/office/drawing/2014/main" id="{A1FBD58E-1906-0D11-65C8-551E15AB5A7B}"/>
-                </a:ext>
-              </a:extLst>
-            </p:cNvPr>
-            <p:cNvSpPr/>
-            <p:nvPr/>
-          </p:nvSpPr>
-          <p:spPr>
-            <a:xfrm rot="14627869">
-              <a:off x="5616575" y="958850"/>
-              <a:ext cx="9144" cy="9144"/>
-            </a:xfrm>
-            <a:prstGeom prst="triangle">
-              <a:avLst/>
-            </a:prstGeom>
-          </p:spPr>
-          <p:style>
-            <a:lnRef idx="2">
-              <a:schemeClr val="accent1">
-                <a:shade val="15000"/>
-              </a:schemeClr>
-            </a:lnRef>
-            <a:fillRef idx="1">
-              <a:schemeClr val="accent1"/>
-            </a:fillRef>
-            <a:effectRef idx="0">
-              <a:schemeClr val="accent1"/>
-            </a:effectRef>
-            <a:fontRef idx="minor">
-              <a:schemeClr val="lt1"/>
-            </a:fontRef>
-          </p:style>
-          <p:txBody>
-            <a:bodyPr rtlCol="0" anchor="ctr"/>
-            <a:lstStyle/>
-            <a:p>
-              <a:pPr algn="ctr"/>
-              <a:endParaRPr lang="en-US"/>
-            </a:p>
-          </p:txBody>
-        </p:sp>
-      </p:grpSp>
-      <p:sp>
-        <p:nvSpPr>
-          <p:cNvPr id="40" name="TextBox 39">
-            <a:extLst>
-              <a:ext uri="{FF2B5EF4-FFF2-40B4-BE49-F238E27FC236}">
-                <a16:creationId xmlns:a16="http://schemas.microsoft.com/office/drawing/2014/main" id="{457930ED-E72A-E03B-769E-E75F8F475506}"/>
-              </a:ext>
-            </a:extLst>
-          </p:cNvPr>
-          <p:cNvSpPr txBox="1"/>
-          <p:nvPr/>
-        </p:nvSpPr>
-        <p:spPr>
-          <a:xfrm>
-            <a:off x="6008715" y="330524"/>
-            <a:ext cx="266420" cy="169277"/>
-          </a:xfrm>
-          <a:prstGeom prst="rect">
-            <a:avLst/>
-          </a:prstGeom>
-          <a:noFill/>
-        </p:spPr>
-        <p:txBody>
-          <a:bodyPr wrap="none" rtlCol="0">
-            <a:spAutoFit/>
-          </a:bodyPr>
-          <a:lstStyle/>
-          <a:p>
-            <a:r>
-              <a:rPr lang="en-US" sz="500" dirty="0" err="1">
-                <a:latin typeface="Arial" panose="020B0604020202020204" pitchFamily="34" charset="0"/>
-                <a:cs typeface="Arial" panose="020B0604020202020204" pitchFamily="34" charset="0"/>
-              </a:rPr>
-              <a:t>sla</a:t>
-            </a:r>
-            <a:endParaRPr lang="en-US" sz="500" dirty="0">
-              <a:latin typeface="Arial" panose="020B0604020202020204" pitchFamily="34" charset="0"/>
-              <a:cs typeface="Arial" panose="020B0604020202020204" pitchFamily="34" charset="0"/>
-            </a:endParaRPr>
-          </a:p>
-        </p:txBody>
-      </p:sp>
-      <p:sp>
-        <p:nvSpPr>
-          <p:cNvPr id="41" name="TextBox 40">
-            <a:extLst>
-              <a:ext uri="{FF2B5EF4-FFF2-40B4-BE49-F238E27FC236}">
-                <a16:creationId xmlns:a16="http://schemas.microsoft.com/office/drawing/2014/main" id="{FDE3C92C-2065-F67E-B1CB-4474F2C965D4}"/>
-              </a:ext>
-            </a:extLst>
-          </p:cNvPr>
-          <p:cNvSpPr txBox="1"/>
-          <p:nvPr/>
-        </p:nvSpPr>
-        <p:spPr>
-          <a:xfrm>
-            <a:off x="6008715" y="628697"/>
-            <a:ext cx="357790" cy="169277"/>
-          </a:xfrm>
-          <a:prstGeom prst="rect">
-            <a:avLst/>
-          </a:prstGeom>
-          <a:noFill/>
-        </p:spPr>
-        <p:txBody>
-          <a:bodyPr wrap="none" rtlCol="0">
-            <a:spAutoFit/>
-          </a:bodyPr>
-          <a:lstStyle/>
-          <a:p>
-            <a:r>
-              <a:rPr lang="en-US" sz="500" dirty="0">
-                <a:latin typeface="Arial" panose="020B0604020202020204" pitchFamily="34" charset="0"/>
-                <a:cs typeface="Arial" panose="020B0604020202020204" pitchFamily="34" charset="0"/>
-              </a:rPr>
-              <a:t>height</a:t>
-            </a:r>
-          </a:p>
-        </p:txBody>
-      </p:sp>
-      <p:sp>
-        <p:nvSpPr>
-          <p:cNvPr id="42" name="TextBox 41">
-            <a:extLst>
-              <a:ext uri="{FF2B5EF4-FFF2-40B4-BE49-F238E27FC236}">
-                <a16:creationId xmlns:a16="http://schemas.microsoft.com/office/drawing/2014/main" id="{BC8B0CDC-9CFC-AAF1-60D4-6DFCE9879E37}"/>
-              </a:ext>
-            </a:extLst>
-          </p:cNvPr>
-          <p:cNvSpPr txBox="1"/>
-          <p:nvPr/>
-        </p:nvSpPr>
-        <p:spPr>
-          <a:xfrm>
-            <a:off x="5533905" y="897584"/>
-            <a:ext cx="474810" cy="169277"/>
-          </a:xfrm>
-          <a:prstGeom prst="rect">
-            <a:avLst/>
-          </a:prstGeom>
-          <a:noFill/>
-        </p:spPr>
-        <p:txBody>
-          <a:bodyPr wrap="none" rtlCol="0">
-            <a:spAutoFit/>
-          </a:bodyPr>
-          <a:lstStyle/>
-          <a:p>
-            <a:r>
-              <a:rPr lang="en-US" sz="500" dirty="0" err="1">
-                <a:latin typeface="Arial" panose="020B0604020202020204" pitchFamily="34" charset="0"/>
-                <a:cs typeface="Arial" panose="020B0604020202020204" pitchFamily="34" charset="0"/>
-              </a:rPr>
-              <a:t>seedmass</a:t>
-            </a:r>
-            <a:endParaRPr lang="en-US" sz="500" dirty="0">
-              <a:latin typeface="Arial" panose="020B0604020202020204" pitchFamily="34" charset="0"/>
-              <a:cs typeface="Arial" panose="020B0604020202020204" pitchFamily="34" charset="0"/>
-            </a:endParaRPr>
-          </a:p>
-        </p:txBody>
-      </p:sp>
-      <p:sp>
-        <p:nvSpPr>
-          <p:cNvPr id="43" name="TextBox 42">
-            <a:extLst>
-              <a:ext uri="{FF2B5EF4-FFF2-40B4-BE49-F238E27FC236}">
-                <a16:creationId xmlns:a16="http://schemas.microsoft.com/office/drawing/2014/main" id="{9E0DDE0C-10EB-02A3-0BF2-4F076A9AFC8E}"/>
-              </a:ext>
-            </a:extLst>
-          </p:cNvPr>
-          <p:cNvSpPr txBox="1"/>
-          <p:nvPr/>
-        </p:nvSpPr>
-        <p:spPr>
-          <a:xfrm>
-            <a:off x="5095096" y="657721"/>
-            <a:ext cx="502061" cy="169277"/>
-          </a:xfrm>
-          <a:prstGeom prst="rect">
-            <a:avLst/>
-          </a:prstGeom>
-          <a:noFill/>
-        </p:spPr>
-        <p:txBody>
-          <a:bodyPr wrap="none" rtlCol="0">
-            <a:spAutoFit/>
-          </a:bodyPr>
-          <a:lstStyle/>
-          <a:p>
-            <a:r>
-              <a:rPr lang="en-US" sz="500" dirty="0">
-                <a:latin typeface="Arial" panose="020B0604020202020204" pitchFamily="34" charset="0"/>
-                <a:cs typeface="Arial" panose="020B0604020202020204" pitchFamily="34" charset="0"/>
-              </a:rPr>
-              <a:t>resprouting</a:t>
-            </a:r>
-          </a:p>
-        </p:txBody>
-      </p:sp>
-    </p:spTree>
-    <p:extLst>
-      <p:ext uri="{BB962C8B-B14F-4D97-AF65-F5344CB8AC3E}">
-        <p14:creationId xmlns:p14="http://schemas.microsoft.com/office/powerpoint/2010/main" val="2218214731"/>
-      </p:ext>
-    </p:extLst>
-  </p:cSld>
-  <p:clrMapOvr>
-    <a:masterClrMapping/>
-  </p:clrMapOvr>
-</p:sld>
-</file>
-
-<file path=ppt/slides/slide2.xml><?xml version="1.0" encoding="utf-8"?>
 <p:sld xmlns:a="http://schemas.openxmlformats.org/drawingml/2006/main" xmlns:r="http://schemas.openxmlformats.org/officeDocument/2006/relationships" xmlns:p="http://schemas.openxmlformats.org/presentationml/2006/main">
   <p:cSld>
     <p:spTree>

--- a/outputs/NMDS_figure.pptx
+++ b/outputs/NMDS_figure.pptx
@@ -4,8 +4,11 @@
   <p:sldMasterIdLst>
     <p:sldMasterId id="2147483648" r:id="rId1"/>
   </p:sldMasterIdLst>
+  <p:notesMasterIdLst>
+    <p:notesMasterId r:id="rId3"/>
+  </p:notesMasterIdLst>
   <p:sldIdLst>
-    <p:sldId id="259" r:id="rId2"/>
+    <p:sldId id="260" r:id="rId2"/>
   </p:sldIdLst>
   <p:sldSz cx="12192000" cy="6858000"/>
   <p:notesSz cx="6858000" cy="9144000"/>
@@ -112,6 +115,439 @@
 </p:presentation>
 </file>
 
+<file path=ppt/notesMasters/notesMaster1.xml><?xml version="1.0" encoding="utf-8"?>
+<p:notesMaster xmlns:a="http://schemas.openxmlformats.org/drawingml/2006/main" xmlns:r="http://schemas.openxmlformats.org/officeDocument/2006/relationships" xmlns:p="http://schemas.openxmlformats.org/presentationml/2006/main">
+  <p:cSld>
+    <p:bg>
+      <p:bgRef idx="1001">
+        <a:schemeClr val="bg1"/>
+      </p:bgRef>
+    </p:bg>
+    <p:spTree>
+      <p:nvGrpSpPr>
+        <p:cNvPr id="1" name=""/>
+        <p:cNvGrpSpPr/>
+        <p:nvPr/>
+      </p:nvGrpSpPr>
+      <p:grpSpPr>
+        <a:xfrm>
+          <a:off x="0" y="0"/>
+          <a:ext cx="0" cy="0"/>
+          <a:chOff x="0" y="0"/>
+          <a:chExt cx="0" cy="0"/>
+        </a:xfrm>
+      </p:grpSpPr>
+      <p:sp>
+        <p:nvSpPr>
+          <p:cNvPr id="2" name="Header Placeholder 1"/>
+          <p:cNvSpPr>
+            <a:spLocks noGrp="1"/>
+          </p:cNvSpPr>
+          <p:nvPr>
+            <p:ph type="hdr" sz="quarter"/>
+          </p:nvPr>
+        </p:nvSpPr>
+        <p:spPr>
+          <a:xfrm>
+            <a:off x="0" y="0"/>
+            <a:ext cx="2971800" cy="458788"/>
+          </a:xfrm>
+          <a:prstGeom prst="rect">
+            <a:avLst/>
+          </a:prstGeom>
+        </p:spPr>
+        <p:txBody>
+          <a:bodyPr vert="horz" lIns="91440" tIns="45720" rIns="91440" bIns="45720" rtlCol="0"/>
+          <a:lstStyle>
+            <a:lvl1pPr algn="l">
+              <a:defRPr sz="1200"/>
+            </a:lvl1pPr>
+          </a:lstStyle>
+          <a:p>
+            <a:endParaRPr lang="en-US"/>
+          </a:p>
+        </p:txBody>
+      </p:sp>
+      <p:sp>
+        <p:nvSpPr>
+          <p:cNvPr id="3" name="Date Placeholder 2"/>
+          <p:cNvSpPr>
+            <a:spLocks noGrp="1"/>
+          </p:cNvSpPr>
+          <p:nvPr>
+            <p:ph type="dt" idx="1"/>
+          </p:nvPr>
+        </p:nvSpPr>
+        <p:spPr>
+          <a:xfrm>
+            <a:off x="3884613" y="0"/>
+            <a:ext cx="2971800" cy="458788"/>
+          </a:xfrm>
+          <a:prstGeom prst="rect">
+            <a:avLst/>
+          </a:prstGeom>
+        </p:spPr>
+        <p:txBody>
+          <a:bodyPr vert="horz" lIns="91440" tIns="45720" rIns="91440" bIns="45720" rtlCol="0"/>
+          <a:lstStyle>
+            <a:lvl1pPr algn="r">
+              <a:defRPr sz="1200"/>
+            </a:lvl1pPr>
+          </a:lstStyle>
+          <a:p>
+            <a:fld id="{3D6E7649-A075-9849-8836-20438D513992}" type="datetimeFigureOut">
+              <a:rPr lang="en-US" smtClean="0"/>
+              <a:t>11/3/25</a:t>
+            </a:fld>
+            <a:endParaRPr lang="en-US"/>
+          </a:p>
+        </p:txBody>
+      </p:sp>
+      <p:sp>
+        <p:nvSpPr>
+          <p:cNvPr id="4" name="Slide Image Placeholder 3"/>
+          <p:cNvSpPr>
+            <a:spLocks noGrp="1" noRot="1" noChangeAspect="1"/>
+          </p:cNvSpPr>
+          <p:nvPr>
+            <p:ph type="sldImg" idx="2"/>
+          </p:nvPr>
+        </p:nvSpPr>
+        <p:spPr>
+          <a:xfrm>
+            <a:off x="685800" y="1143000"/>
+            <a:ext cx="5486400" cy="3086100"/>
+          </a:xfrm>
+          <a:prstGeom prst="rect">
+            <a:avLst/>
+          </a:prstGeom>
+          <a:noFill/>
+          <a:ln w="12700">
+            <a:solidFill>
+              <a:prstClr val="black"/>
+            </a:solidFill>
+          </a:ln>
+        </p:spPr>
+        <p:txBody>
+          <a:bodyPr vert="horz" lIns="91440" tIns="45720" rIns="91440" bIns="45720" rtlCol="0" anchor="ctr"/>
+          <a:lstStyle/>
+          <a:p>
+            <a:endParaRPr lang="en-US"/>
+          </a:p>
+        </p:txBody>
+      </p:sp>
+      <p:sp>
+        <p:nvSpPr>
+          <p:cNvPr id="5" name="Notes Placeholder 4"/>
+          <p:cNvSpPr>
+            <a:spLocks noGrp="1"/>
+          </p:cNvSpPr>
+          <p:nvPr>
+            <p:ph type="body" sz="quarter" idx="3"/>
+          </p:nvPr>
+        </p:nvSpPr>
+        <p:spPr>
+          <a:xfrm>
+            <a:off x="685800" y="4400550"/>
+            <a:ext cx="5486400" cy="3600450"/>
+          </a:xfrm>
+          <a:prstGeom prst="rect">
+            <a:avLst/>
+          </a:prstGeom>
+        </p:spPr>
+        <p:txBody>
+          <a:bodyPr vert="horz" lIns="91440" tIns="45720" rIns="91440" bIns="45720" rtlCol="0"/>
+          <a:lstStyle/>
+          <a:p>
+            <a:pPr lvl="0"/>
+            <a:r>
+              <a:rPr lang="en-US"/>
+              <a:t>Click to edit Master text styles</a:t>
+            </a:r>
+          </a:p>
+          <a:p>
+            <a:pPr lvl="1"/>
+            <a:r>
+              <a:rPr lang="en-US"/>
+              <a:t>Second level</a:t>
+            </a:r>
+          </a:p>
+          <a:p>
+            <a:pPr lvl="2"/>
+            <a:r>
+              <a:rPr lang="en-US"/>
+              <a:t>Third level</a:t>
+            </a:r>
+          </a:p>
+          <a:p>
+            <a:pPr lvl="3"/>
+            <a:r>
+              <a:rPr lang="en-US"/>
+              <a:t>Fourth level</a:t>
+            </a:r>
+          </a:p>
+          <a:p>
+            <a:pPr lvl="4"/>
+            <a:r>
+              <a:rPr lang="en-US"/>
+              <a:t>Fifth level</a:t>
+            </a:r>
+          </a:p>
+        </p:txBody>
+      </p:sp>
+      <p:sp>
+        <p:nvSpPr>
+          <p:cNvPr id="6" name="Footer Placeholder 5"/>
+          <p:cNvSpPr>
+            <a:spLocks noGrp="1"/>
+          </p:cNvSpPr>
+          <p:nvPr>
+            <p:ph type="ftr" sz="quarter" idx="4"/>
+          </p:nvPr>
+        </p:nvSpPr>
+        <p:spPr>
+          <a:xfrm>
+            <a:off x="0" y="8685213"/>
+            <a:ext cx="2971800" cy="458787"/>
+          </a:xfrm>
+          <a:prstGeom prst="rect">
+            <a:avLst/>
+          </a:prstGeom>
+        </p:spPr>
+        <p:txBody>
+          <a:bodyPr vert="horz" lIns="91440" tIns="45720" rIns="91440" bIns="45720" rtlCol="0" anchor="b"/>
+          <a:lstStyle>
+            <a:lvl1pPr algn="l">
+              <a:defRPr sz="1200"/>
+            </a:lvl1pPr>
+          </a:lstStyle>
+          <a:p>
+            <a:endParaRPr lang="en-US"/>
+          </a:p>
+        </p:txBody>
+      </p:sp>
+      <p:sp>
+        <p:nvSpPr>
+          <p:cNvPr id="7" name="Slide Number Placeholder 6"/>
+          <p:cNvSpPr>
+            <a:spLocks noGrp="1"/>
+          </p:cNvSpPr>
+          <p:nvPr>
+            <p:ph type="sldNum" sz="quarter" idx="5"/>
+          </p:nvPr>
+        </p:nvSpPr>
+        <p:spPr>
+          <a:xfrm>
+            <a:off x="3884613" y="8685213"/>
+            <a:ext cx="2971800" cy="458787"/>
+          </a:xfrm>
+          <a:prstGeom prst="rect">
+            <a:avLst/>
+          </a:prstGeom>
+        </p:spPr>
+        <p:txBody>
+          <a:bodyPr vert="horz" lIns="91440" tIns="45720" rIns="91440" bIns="45720" rtlCol="0" anchor="b"/>
+          <a:lstStyle>
+            <a:lvl1pPr algn="r">
+              <a:defRPr sz="1200"/>
+            </a:lvl1pPr>
+          </a:lstStyle>
+          <a:p>
+            <a:fld id="{C5F7C7A5-A7F9-CA41-8741-C05E7BC2606A}" type="slidenum">
+              <a:rPr lang="en-US" smtClean="0"/>
+              <a:t>‹#›</a:t>
+            </a:fld>
+            <a:endParaRPr lang="en-US"/>
+          </a:p>
+        </p:txBody>
+      </p:sp>
+    </p:spTree>
+    <p:extLst>
+      <p:ext uri="{BB962C8B-B14F-4D97-AF65-F5344CB8AC3E}">
+        <p14:creationId xmlns:p14="http://schemas.microsoft.com/office/powerpoint/2010/main" val="47498353"/>
+      </p:ext>
+    </p:extLst>
+  </p:cSld>
+  <p:clrMap bg1="lt1" tx1="dk1" bg2="lt2" tx2="dk2" accent1="accent1" accent2="accent2" accent3="accent3" accent4="accent4" accent5="accent5" accent6="accent6" hlink="hlink" folHlink="folHlink"/>
+  <p:notesStyle>
+    <a:lvl1pPr marL="0" algn="l" defTabSz="914400" rtl="0" eaLnBrk="1" latinLnBrk="0" hangingPunct="1">
+      <a:defRPr sz="1200" kern="1200">
+        <a:solidFill>
+          <a:schemeClr val="tx1"/>
+        </a:solidFill>
+        <a:latin typeface="+mn-lt"/>
+        <a:ea typeface="+mn-ea"/>
+        <a:cs typeface="+mn-cs"/>
+      </a:defRPr>
+    </a:lvl1pPr>
+    <a:lvl2pPr marL="457200" algn="l" defTabSz="914400" rtl="0" eaLnBrk="1" latinLnBrk="0" hangingPunct="1">
+      <a:defRPr sz="1200" kern="1200">
+        <a:solidFill>
+          <a:schemeClr val="tx1"/>
+        </a:solidFill>
+        <a:latin typeface="+mn-lt"/>
+        <a:ea typeface="+mn-ea"/>
+        <a:cs typeface="+mn-cs"/>
+      </a:defRPr>
+    </a:lvl2pPr>
+    <a:lvl3pPr marL="914400" algn="l" defTabSz="914400" rtl="0" eaLnBrk="1" latinLnBrk="0" hangingPunct="1">
+      <a:defRPr sz="1200" kern="1200">
+        <a:solidFill>
+          <a:schemeClr val="tx1"/>
+        </a:solidFill>
+        <a:latin typeface="+mn-lt"/>
+        <a:ea typeface="+mn-ea"/>
+        <a:cs typeface="+mn-cs"/>
+      </a:defRPr>
+    </a:lvl3pPr>
+    <a:lvl4pPr marL="1371600" algn="l" defTabSz="914400" rtl="0" eaLnBrk="1" latinLnBrk="0" hangingPunct="1">
+      <a:defRPr sz="1200" kern="1200">
+        <a:solidFill>
+          <a:schemeClr val="tx1"/>
+        </a:solidFill>
+        <a:latin typeface="+mn-lt"/>
+        <a:ea typeface="+mn-ea"/>
+        <a:cs typeface="+mn-cs"/>
+      </a:defRPr>
+    </a:lvl4pPr>
+    <a:lvl5pPr marL="1828800" algn="l" defTabSz="914400" rtl="0" eaLnBrk="1" latinLnBrk="0" hangingPunct="1">
+      <a:defRPr sz="1200" kern="1200">
+        <a:solidFill>
+          <a:schemeClr val="tx1"/>
+        </a:solidFill>
+        <a:latin typeface="+mn-lt"/>
+        <a:ea typeface="+mn-ea"/>
+        <a:cs typeface="+mn-cs"/>
+      </a:defRPr>
+    </a:lvl5pPr>
+    <a:lvl6pPr marL="2286000" algn="l" defTabSz="914400" rtl="0" eaLnBrk="1" latinLnBrk="0" hangingPunct="1">
+      <a:defRPr sz="1200" kern="1200">
+        <a:solidFill>
+          <a:schemeClr val="tx1"/>
+        </a:solidFill>
+        <a:latin typeface="+mn-lt"/>
+        <a:ea typeface="+mn-ea"/>
+        <a:cs typeface="+mn-cs"/>
+      </a:defRPr>
+    </a:lvl6pPr>
+    <a:lvl7pPr marL="2743200" algn="l" defTabSz="914400" rtl="0" eaLnBrk="1" latinLnBrk="0" hangingPunct="1">
+      <a:defRPr sz="1200" kern="1200">
+        <a:solidFill>
+          <a:schemeClr val="tx1"/>
+        </a:solidFill>
+        <a:latin typeface="+mn-lt"/>
+        <a:ea typeface="+mn-ea"/>
+        <a:cs typeface="+mn-cs"/>
+      </a:defRPr>
+    </a:lvl7pPr>
+    <a:lvl8pPr marL="3200400" algn="l" defTabSz="914400" rtl="0" eaLnBrk="1" latinLnBrk="0" hangingPunct="1">
+      <a:defRPr sz="1200" kern="1200">
+        <a:solidFill>
+          <a:schemeClr val="tx1"/>
+        </a:solidFill>
+        <a:latin typeface="+mn-lt"/>
+        <a:ea typeface="+mn-ea"/>
+        <a:cs typeface="+mn-cs"/>
+      </a:defRPr>
+    </a:lvl8pPr>
+    <a:lvl9pPr marL="3657600" algn="l" defTabSz="914400" rtl="0" eaLnBrk="1" latinLnBrk="0" hangingPunct="1">
+      <a:defRPr sz="1200" kern="1200">
+        <a:solidFill>
+          <a:schemeClr val="tx1"/>
+        </a:solidFill>
+        <a:latin typeface="+mn-lt"/>
+        <a:ea typeface="+mn-ea"/>
+        <a:cs typeface="+mn-cs"/>
+      </a:defRPr>
+    </a:lvl9pPr>
+  </p:notesStyle>
+</p:notesMaster>
+</file>
+
+<file path=ppt/notesSlides/notesSlide1.xml><?xml version="1.0" encoding="utf-8"?>
+<p:notes xmlns:a="http://schemas.openxmlformats.org/drawingml/2006/main" xmlns:r="http://schemas.openxmlformats.org/officeDocument/2006/relationships" xmlns:p="http://schemas.openxmlformats.org/presentationml/2006/main">
+  <p:cSld>
+    <p:spTree>
+      <p:nvGrpSpPr>
+        <p:cNvPr id="1" name=""/>
+        <p:cNvGrpSpPr/>
+        <p:nvPr/>
+      </p:nvGrpSpPr>
+      <p:grpSpPr>
+        <a:xfrm>
+          <a:off x="0" y="0"/>
+          <a:ext cx="0" cy="0"/>
+          <a:chOff x="0" y="0"/>
+          <a:chExt cx="0" cy="0"/>
+        </a:xfrm>
+      </p:grpSpPr>
+      <p:sp>
+        <p:nvSpPr>
+          <p:cNvPr id="2" name="Slide Image Placeholder 1"/>
+          <p:cNvSpPr>
+            <a:spLocks noGrp="1" noRot="1" noChangeAspect="1"/>
+          </p:cNvSpPr>
+          <p:nvPr>
+            <p:ph type="sldImg"/>
+          </p:nvPr>
+        </p:nvSpPr>
+        <p:spPr/>
+      </p:sp>
+      <p:sp>
+        <p:nvSpPr>
+          <p:cNvPr id="3" name="Notes Placeholder 2"/>
+          <p:cNvSpPr>
+            <a:spLocks noGrp="1"/>
+          </p:cNvSpPr>
+          <p:nvPr>
+            <p:ph type="body" idx="1"/>
+          </p:nvPr>
+        </p:nvSpPr>
+        <p:spPr/>
+        <p:txBody>
+          <a:bodyPr/>
+          <a:lstStyle/>
+          <a:p>
+            <a:endParaRPr lang="en-US" dirty="0"/>
+          </a:p>
+        </p:txBody>
+      </p:sp>
+      <p:sp>
+        <p:nvSpPr>
+          <p:cNvPr id="4" name="Slide Number Placeholder 3"/>
+          <p:cNvSpPr>
+            <a:spLocks noGrp="1"/>
+          </p:cNvSpPr>
+          <p:nvPr>
+            <p:ph type="sldNum" sz="quarter" idx="5"/>
+          </p:nvPr>
+        </p:nvSpPr>
+        <p:spPr/>
+        <p:txBody>
+          <a:bodyPr/>
+          <a:lstStyle/>
+          <a:p>
+            <a:fld id="{C5F7C7A5-A7F9-CA41-8741-C05E7BC2606A}" type="slidenum">
+              <a:rPr lang="en-US" smtClean="0"/>
+              <a:t>1</a:t>
+            </a:fld>
+            <a:endParaRPr lang="en-US"/>
+          </a:p>
+        </p:txBody>
+      </p:sp>
+    </p:spTree>
+    <p:extLst>
+      <p:ext uri="{BB962C8B-B14F-4D97-AF65-F5344CB8AC3E}">
+        <p14:creationId xmlns:p14="http://schemas.microsoft.com/office/powerpoint/2010/main" val="1555283440"/>
+      </p:ext>
+    </p:extLst>
+  </p:cSld>
+  <p:clrMapOvr>
+    <a:masterClrMapping/>
+  </p:clrMapOvr>
+</p:notes>
+</file>
+
 <file path=ppt/slideLayouts/slideLayout1.xml><?xml version="1.0" encoding="utf-8"?>
 <p:sldLayout xmlns:a="http://schemas.openxmlformats.org/drawingml/2006/main" xmlns:r="http://schemas.openxmlformats.org/officeDocument/2006/relationships" xmlns:p="http://schemas.openxmlformats.org/presentationml/2006/main" type="title" preserve="1">
   <p:cSld name="Title Slide">
@@ -259,7 +695,7 @@
           <a:p>
             <a:fld id="{A40BE709-D9C8-E34C-9A0A-EE4CF8A46643}" type="datetimeFigureOut">
               <a:rPr lang="en-US" smtClean="0"/>
-              <a:t>10/24/25</a:t>
+              <a:t>11/3/25</a:t>
             </a:fld>
             <a:endParaRPr lang="en-US"/>
           </a:p>
@@ -457,7 +893,7 @@
           <a:p>
             <a:fld id="{A40BE709-D9C8-E34C-9A0A-EE4CF8A46643}" type="datetimeFigureOut">
               <a:rPr lang="en-US" smtClean="0"/>
-              <a:t>10/24/25</a:t>
+              <a:t>11/3/25</a:t>
             </a:fld>
             <a:endParaRPr lang="en-US"/>
           </a:p>
@@ -665,7 +1101,7 @@
           <a:p>
             <a:fld id="{A40BE709-D9C8-E34C-9A0A-EE4CF8A46643}" type="datetimeFigureOut">
               <a:rPr lang="en-US" smtClean="0"/>
-              <a:t>10/24/25</a:t>
+              <a:t>11/3/25</a:t>
             </a:fld>
             <a:endParaRPr lang="en-US"/>
           </a:p>
@@ -863,7 +1299,7 @@
           <a:p>
             <a:fld id="{A40BE709-D9C8-E34C-9A0A-EE4CF8A46643}" type="datetimeFigureOut">
               <a:rPr lang="en-US" smtClean="0"/>
-              <a:t>10/24/25</a:t>
+              <a:t>11/3/25</a:t>
             </a:fld>
             <a:endParaRPr lang="en-US"/>
           </a:p>
@@ -1138,7 +1574,7 @@
           <a:p>
             <a:fld id="{A40BE709-D9C8-E34C-9A0A-EE4CF8A46643}" type="datetimeFigureOut">
               <a:rPr lang="en-US" smtClean="0"/>
-              <a:t>10/24/25</a:t>
+              <a:t>11/3/25</a:t>
             </a:fld>
             <a:endParaRPr lang="en-US"/>
           </a:p>
@@ -1403,7 +1839,7 @@
           <a:p>
             <a:fld id="{A40BE709-D9C8-E34C-9A0A-EE4CF8A46643}" type="datetimeFigureOut">
               <a:rPr lang="en-US" smtClean="0"/>
-              <a:t>10/24/25</a:t>
+              <a:t>11/3/25</a:t>
             </a:fld>
             <a:endParaRPr lang="en-US"/>
           </a:p>
@@ -1815,7 +2251,7 @@
           <a:p>
             <a:fld id="{A40BE709-D9C8-E34C-9A0A-EE4CF8A46643}" type="datetimeFigureOut">
               <a:rPr lang="en-US" smtClean="0"/>
-              <a:t>10/24/25</a:t>
+              <a:t>11/3/25</a:t>
             </a:fld>
             <a:endParaRPr lang="en-US"/>
           </a:p>
@@ -1956,7 +2392,7 @@
           <a:p>
             <a:fld id="{A40BE709-D9C8-E34C-9A0A-EE4CF8A46643}" type="datetimeFigureOut">
               <a:rPr lang="en-US" smtClean="0"/>
-              <a:t>10/24/25</a:t>
+              <a:t>11/3/25</a:t>
             </a:fld>
             <a:endParaRPr lang="en-US"/>
           </a:p>
@@ -2069,7 +2505,7 @@
           <a:p>
             <a:fld id="{A40BE709-D9C8-E34C-9A0A-EE4CF8A46643}" type="datetimeFigureOut">
               <a:rPr lang="en-US" smtClean="0"/>
-              <a:t>10/24/25</a:t>
+              <a:t>11/3/25</a:t>
             </a:fld>
             <a:endParaRPr lang="en-US"/>
           </a:p>
@@ -2380,7 +2816,7 @@
           <a:p>
             <a:fld id="{A40BE709-D9C8-E34C-9A0A-EE4CF8A46643}" type="datetimeFigureOut">
               <a:rPr lang="en-US" smtClean="0"/>
-              <a:t>10/24/25</a:t>
+              <a:t>11/3/25</a:t>
             </a:fld>
             <a:endParaRPr lang="en-US"/>
           </a:p>
@@ -2668,7 +3104,7 @@
           <a:p>
             <a:fld id="{A40BE709-D9C8-E34C-9A0A-EE4CF8A46643}" type="datetimeFigureOut">
               <a:rPr lang="en-US" smtClean="0"/>
-              <a:t>10/24/25</a:t>
+              <a:t>11/3/25</a:t>
             </a:fld>
             <a:endParaRPr lang="en-US"/>
           </a:p>
@@ -2909,7 +3345,7 @@
           <a:p>
             <a:fld id="{A40BE709-D9C8-E34C-9A0A-EE4CF8A46643}" type="datetimeFigureOut">
               <a:rPr lang="en-US" smtClean="0"/>
-              <a:t>10/24/25</a:t>
+              <a:t>11/3/25</a:t>
             </a:fld>
             <a:endParaRPr lang="en-US"/>
           </a:p>
@@ -3314,13 +3750,7 @@
   <p:cSld>
     <p:spTree>
       <p:nvGrpSpPr>
-        <p:cNvPr id="1" name="">
-          <a:extLst>
-            <a:ext uri="{FF2B5EF4-FFF2-40B4-BE49-F238E27FC236}">
-              <a16:creationId xmlns:a16="http://schemas.microsoft.com/office/drawing/2014/main" id="{7D28C6A4-BAE3-CFE1-F94A-0EE5E8B383AD}"/>
-            </a:ext>
-          </a:extLst>
-        </p:cNvPr>
+        <p:cNvPr id="1" name=""/>
         <p:cNvGrpSpPr/>
         <p:nvPr/>
       </p:nvGrpSpPr>
@@ -3334,10 +3764,10 @@
       </p:grpSpPr>
       <p:pic>
         <p:nvPicPr>
-          <p:cNvPr id="6" name="Picture 5" descr="A screenshot of a graph&#10;&#10;AI-generated content may be incorrect.">
-            <a:extLst>
-              <a:ext uri="{FF2B5EF4-FFF2-40B4-BE49-F238E27FC236}">
-                <a16:creationId xmlns:a16="http://schemas.microsoft.com/office/drawing/2014/main" id="{CB728CBE-9E0B-F511-21A6-FDB8E6AD1A51}"/>
+          <p:cNvPr id="4" name="Picture 3">
+            <a:extLst>
+              <a:ext uri="{FF2B5EF4-FFF2-40B4-BE49-F238E27FC236}">
+                <a16:creationId xmlns:a16="http://schemas.microsoft.com/office/drawing/2014/main" id="{F0A53B5B-2154-023D-C417-62924D78E5FB}"/>
               </a:ext>
             </a:extLst>
           </p:cNvPr>
@@ -3347,14 +3777,14 @@
           <p:nvPr/>
         </p:nvPicPr>
         <p:blipFill>
-          <a:blip r:embed="rId2"/>
+          <a:blip r:embed="rId3"/>
           <a:stretch>
             <a:fillRect/>
           </a:stretch>
         </p:blipFill>
         <p:spPr>
           <a:xfrm>
-            <a:off x="4890063" y="-28935"/>
+            <a:off x="4895850" y="0"/>
             <a:ext cx="2400300" cy="6858000"/>
           </a:xfrm>
           <a:prstGeom prst="rect">
@@ -3362,356 +3792,12 @@
           </a:prstGeom>
         </p:spPr>
       </p:pic>
-      <p:sp>
-        <p:nvSpPr>
-          <p:cNvPr id="60" name="Triangle 59">
-            <a:extLst>
-              <a:ext uri="{FF2B5EF4-FFF2-40B4-BE49-F238E27FC236}">
-                <a16:creationId xmlns:a16="http://schemas.microsoft.com/office/drawing/2014/main" id="{A360FE69-E76D-B5F9-BC6B-C18CADC6DA73}"/>
-              </a:ext>
-            </a:extLst>
-          </p:cNvPr>
-          <p:cNvSpPr/>
-          <p:nvPr/>
-        </p:nvSpPr>
-        <p:spPr>
-          <a:xfrm rot="2323870">
-            <a:off x="6118444" y="5584825"/>
-            <a:ext cx="9144" cy="9144"/>
-          </a:xfrm>
-          <a:prstGeom prst="triangle">
-            <a:avLst/>
-          </a:prstGeom>
-        </p:spPr>
-        <p:style>
-          <a:lnRef idx="2">
-            <a:schemeClr val="accent1">
-              <a:shade val="15000"/>
-            </a:schemeClr>
-          </a:lnRef>
-          <a:fillRef idx="1">
-            <a:schemeClr val="accent1"/>
-          </a:fillRef>
-          <a:effectRef idx="0">
-            <a:schemeClr val="accent1"/>
-          </a:effectRef>
-          <a:fontRef idx="minor">
-            <a:schemeClr val="lt1"/>
-          </a:fontRef>
-        </p:style>
-        <p:txBody>
-          <a:bodyPr rtlCol="0" anchor="ctr"/>
-          <a:lstStyle/>
-          <a:p>
-            <a:pPr algn="ctr"/>
-            <a:endParaRPr lang="en-US"/>
-          </a:p>
-        </p:txBody>
-      </p:sp>
-      <p:sp>
-        <p:nvSpPr>
-          <p:cNvPr id="61" name="Triangle 60">
-            <a:extLst>
-              <a:ext uri="{FF2B5EF4-FFF2-40B4-BE49-F238E27FC236}">
-                <a16:creationId xmlns:a16="http://schemas.microsoft.com/office/drawing/2014/main" id="{347CBCC5-C719-07F4-55EE-1027FD41EF0F}"/>
-              </a:ext>
-            </a:extLst>
-          </p:cNvPr>
-          <p:cNvSpPr/>
-          <p:nvPr/>
-        </p:nvSpPr>
-        <p:spPr>
-          <a:xfrm rot="5754988">
-            <a:off x="6289436" y="5928548"/>
-            <a:ext cx="9144" cy="9144"/>
-          </a:xfrm>
-          <a:prstGeom prst="triangle">
-            <a:avLst/>
-          </a:prstGeom>
-        </p:spPr>
-        <p:style>
-          <a:lnRef idx="2">
-            <a:schemeClr val="accent1">
-              <a:shade val="15000"/>
-            </a:schemeClr>
-          </a:lnRef>
-          <a:fillRef idx="1">
-            <a:schemeClr val="accent1"/>
-          </a:fillRef>
-          <a:effectRef idx="0">
-            <a:schemeClr val="accent1"/>
-          </a:effectRef>
-          <a:fontRef idx="minor">
-            <a:schemeClr val="lt1"/>
-          </a:fontRef>
-        </p:style>
-        <p:txBody>
-          <a:bodyPr rtlCol="0" anchor="ctr"/>
-          <a:lstStyle/>
-          <a:p>
-            <a:pPr algn="ctr"/>
-            <a:endParaRPr lang="en-US"/>
-          </a:p>
-        </p:txBody>
-      </p:sp>
-      <p:sp>
-        <p:nvSpPr>
-          <p:cNvPr id="62" name="Triangle 61">
-            <a:extLst>
-              <a:ext uri="{FF2B5EF4-FFF2-40B4-BE49-F238E27FC236}">
-                <a16:creationId xmlns:a16="http://schemas.microsoft.com/office/drawing/2014/main" id="{F4965214-A471-2E23-C515-46F3A8AD0178}"/>
-              </a:ext>
-            </a:extLst>
-          </p:cNvPr>
-          <p:cNvSpPr/>
-          <p:nvPr/>
-        </p:nvSpPr>
-        <p:spPr>
-          <a:xfrm rot="10003836">
-            <a:off x="5924482" y="6240455"/>
-            <a:ext cx="9144" cy="9144"/>
-          </a:xfrm>
-          <a:prstGeom prst="triangle">
-            <a:avLst/>
-          </a:prstGeom>
-        </p:spPr>
-        <p:style>
-          <a:lnRef idx="2">
-            <a:schemeClr val="accent1">
-              <a:shade val="15000"/>
-            </a:schemeClr>
-          </a:lnRef>
-          <a:fillRef idx="1">
-            <a:schemeClr val="accent1"/>
-          </a:fillRef>
-          <a:effectRef idx="0">
-            <a:schemeClr val="accent1"/>
-          </a:effectRef>
-          <a:fontRef idx="minor">
-            <a:schemeClr val="lt1"/>
-          </a:fontRef>
-        </p:style>
-        <p:txBody>
-          <a:bodyPr rtlCol="0" anchor="ctr"/>
-          <a:lstStyle/>
-          <a:p>
-            <a:pPr algn="ctr"/>
-            <a:endParaRPr lang="en-US"/>
-          </a:p>
-        </p:txBody>
-      </p:sp>
-      <p:sp>
-        <p:nvSpPr>
-          <p:cNvPr id="63" name="Triangle 62">
-            <a:extLst>
-              <a:ext uri="{FF2B5EF4-FFF2-40B4-BE49-F238E27FC236}">
-                <a16:creationId xmlns:a16="http://schemas.microsoft.com/office/drawing/2014/main" id="{578DAACE-5394-DD3E-195C-77C0ED8A9F7B}"/>
-              </a:ext>
-            </a:extLst>
-          </p:cNvPr>
-          <p:cNvSpPr/>
-          <p:nvPr/>
-        </p:nvSpPr>
-        <p:spPr>
-          <a:xfrm rot="14627869">
-            <a:off x="5462691" y="6058367"/>
-            <a:ext cx="9144" cy="9144"/>
-          </a:xfrm>
-          <a:prstGeom prst="triangle">
-            <a:avLst/>
-          </a:prstGeom>
-        </p:spPr>
-        <p:style>
-          <a:lnRef idx="2">
-            <a:schemeClr val="accent1">
-              <a:shade val="15000"/>
-            </a:schemeClr>
-          </a:lnRef>
-          <a:fillRef idx="1">
-            <a:schemeClr val="accent1"/>
-          </a:fillRef>
-          <a:effectRef idx="0">
-            <a:schemeClr val="accent1"/>
-          </a:effectRef>
-          <a:fontRef idx="minor">
-            <a:schemeClr val="lt1"/>
-          </a:fontRef>
-        </p:style>
-        <p:txBody>
-          <a:bodyPr rtlCol="0" anchor="ctr"/>
-          <a:lstStyle/>
-          <a:p>
-            <a:pPr algn="ctr"/>
-            <a:endParaRPr lang="en-US"/>
-          </a:p>
-        </p:txBody>
-      </p:sp>
-      <p:sp>
-        <p:nvSpPr>
-          <p:cNvPr id="64" name="TextBox 63">
-            <a:extLst>
-              <a:ext uri="{FF2B5EF4-FFF2-40B4-BE49-F238E27FC236}">
-                <a16:creationId xmlns:a16="http://schemas.microsoft.com/office/drawing/2014/main" id="{2CB17987-A184-BD82-7938-8B0190B674DE}"/>
-              </a:ext>
-            </a:extLst>
-          </p:cNvPr>
-          <p:cNvSpPr txBox="1"/>
-          <p:nvPr/>
-        </p:nvSpPr>
-        <p:spPr>
-          <a:xfrm>
-            <a:off x="5938395" y="5444077"/>
-            <a:ext cx="266420" cy="169277"/>
-          </a:xfrm>
-          <a:prstGeom prst="rect">
-            <a:avLst/>
-          </a:prstGeom>
-          <a:noFill/>
-        </p:spPr>
-        <p:txBody>
-          <a:bodyPr wrap="none" rtlCol="0">
-            <a:spAutoFit/>
-          </a:bodyPr>
-          <a:lstStyle/>
-          <a:p>
-            <a:r>
-              <a:rPr lang="en-US" sz="500" dirty="0" err="1">
-                <a:latin typeface="Arial" panose="020B0604020202020204" pitchFamily="34" charset="0"/>
-                <a:cs typeface="Arial" panose="020B0604020202020204" pitchFamily="34" charset="0"/>
-              </a:rPr>
-              <a:t>sla</a:t>
-            </a:r>
-            <a:endParaRPr lang="en-US" sz="500" dirty="0">
-              <a:latin typeface="Arial" panose="020B0604020202020204" pitchFamily="34" charset="0"/>
-              <a:cs typeface="Arial" panose="020B0604020202020204" pitchFamily="34" charset="0"/>
-            </a:endParaRPr>
-          </a:p>
-        </p:txBody>
-      </p:sp>
-      <p:sp>
-        <p:nvSpPr>
-          <p:cNvPr id="65" name="TextBox 64">
-            <a:extLst>
-              <a:ext uri="{FF2B5EF4-FFF2-40B4-BE49-F238E27FC236}">
-                <a16:creationId xmlns:a16="http://schemas.microsoft.com/office/drawing/2014/main" id="{2AFA2C68-AF57-1E40-61E0-60BD7665AB83}"/>
-              </a:ext>
-            </a:extLst>
-          </p:cNvPr>
-          <p:cNvSpPr txBox="1"/>
-          <p:nvPr/>
-        </p:nvSpPr>
-        <p:spPr>
-          <a:xfrm>
-            <a:off x="6244904" y="5843462"/>
-            <a:ext cx="357790" cy="169277"/>
-          </a:xfrm>
-          <a:prstGeom prst="rect">
-            <a:avLst/>
-          </a:prstGeom>
-          <a:noFill/>
-        </p:spPr>
-        <p:txBody>
-          <a:bodyPr wrap="none" rtlCol="0">
-            <a:spAutoFit/>
-          </a:bodyPr>
-          <a:lstStyle/>
-          <a:p>
-            <a:r>
-              <a:rPr lang="en-US" sz="500" dirty="0">
-                <a:latin typeface="Arial" panose="020B0604020202020204" pitchFamily="34" charset="0"/>
-                <a:cs typeface="Arial" panose="020B0604020202020204" pitchFamily="34" charset="0"/>
-              </a:rPr>
-              <a:t>height</a:t>
-            </a:r>
-          </a:p>
-        </p:txBody>
-      </p:sp>
-      <p:sp>
-        <p:nvSpPr>
-          <p:cNvPr id="66" name="TextBox 65">
-            <a:extLst>
-              <a:ext uri="{FF2B5EF4-FFF2-40B4-BE49-F238E27FC236}">
-                <a16:creationId xmlns:a16="http://schemas.microsoft.com/office/drawing/2014/main" id="{82F1AFEF-802E-23F2-45E3-12CB5642C9A8}"/>
-              </a:ext>
-            </a:extLst>
-          </p:cNvPr>
-          <p:cNvSpPr txBox="1"/>
-          <p:nvPr/>
-        </p:nvSpPr>
-        <p:spPr>
-          <a:xfrm>
-            <a:off x="5790283" y="6210850"/>
-            <a:ext cx="474810" cy="169277"/>
-          </a:xfrm>
-          <a:prstGeom prst="rect">
-            <a:avLst/>
-          </a:prstGeom>
-          <a:noFill/>
-        </p:spPr>
-        <p:txBody>
-          <a:bodyPr wrap="none" rtlCol="0">
-            <a:spAutoFit/>
-          </a:bodyPr>
-          <a:lstStyle/>
-          <a:p>
-            <a:r>
-              <a:rPr lang="en-US" sz="500" dirty="0" err="1">
-                <a:latin typeface="Arial" panose="020B0604020202020204" pitchFamily="34" charset="0"/>
-                <a:cs typeface="Arial" panose="020B0604020202020204" pitchFamily="34" charset="0"/>
-              </a:rPr>
-              <a:t>seedmass</a:t>
-            </a:r>
-            <a:endParaRPr lang="en-US" sz="500" dirty="0">
-              <a:latin typeface="Arial" panose="020B0604020202020204" pitchFamily="34" charset="0"/>
-              <a:cs typeface="Arial" panose="020B0604020202020204" pitchFamily="34" charset="0"/>
-            </a:endParaRPr>
-          </a:p>
-        </p:txBody>
-      </p:sp>
-      <p:sp>
-        <p:nvSpPr>
-          <p:cNvPr id="67" name="TextBox 66">
-            <a:extLst>
-              <a:ext uri="{FF2B5EF4-FFF2-40B4-BE49-F238E27FC236}">
-                <a16:creationId xmlns:a16="http://schemas.microsoft.com/office/drawing/2014/main" id="{8000A924-4BAA-C861-FC76-10DCE45A1E33}"/>
-              </a:ext>
-            </a:extLst>
-          </p:cNvPr>
-          <p:cNvSpPr txBox="1"/>
-          <p:nvPr/>
-        </p:nvSpPr>
-        <p:spPr>
-          <a:xfrm>
-            <a:off x="5122948" y="6036271"/>
-            <a:ext cx="531281" cy="169277"/>
-          </a:xfrm>
-          <a:prstGeom prst="rect">
-            <a:avLst/>
-          </a:prstGeom>
-          <a:noFill/>
-        </p:spPr>
-        <p:txBody>
-          <a:bodyPr wrap="square" rtlCol="0">
-            <a:spAutoFit/>
-          </a:bodyPr>
-          <a:lstStyle/>
-          <a:p>
-            <a:r>
-              <a:rPr lang="en-US" sz="500" dirty="0">
-                <a:latin typeface="Arial" panose="020B0604020202020204" pitchFamily="34" charset="0"/>
-                <a:cs typeface="Arial" panose="020B0604020202020204" pitchFamily="34" charset="0"/>
-              </a:rPr>
-              <a:t>resprouting</a:t>
-            </a:r>
-          </a:p>
-        </p:txBody>
-      </p:sp>
       <p:grpSp>
         <p:nvGrpSpPr>
-          <p:cNvPr id="76" name="Group 75">
-            <a:extLst>
-              <a:ext uri="{FF2B5EF4-FFF2-40B4-BE49-F238E27FC236}">
-                <a16:creationId xmlns:a16="http://schemas.microsoft.com/office/drawing/2014/main" id="{A75740B0-1AF9-AAC4-EAA0-3B547C3E46E8}"/>
+          <p:cNvPr id="15" name="Group 14">
+            <a:extLst>
+              <a:ext uri="{FF2B5EF4-FFF2-40B4-BE49-F238E27FC236}">
+                <a16:creationId xmlns:a16="http://schemas.microsoft.com/office/drawing/2014/main" id="{66FE40AC-4604-015E-ABC2-78D34B3B80E6}"/>
               </a:ext>
             </a:extLst>
           </p:cNvPr>
@@ -3720,18 +3806,60 @@
         </p:nvGrpSpPr>
         <p:grpSpPr>
           <a:xfrm>
-            <a:off x="5122948" y="4114859"/>
-            <a:ext cx="1479746" cy="952388"/>
-            <a:chOff x="5275348" y="5585655"/>
-            <a:chExt cx="1479746" cy="952388"/>
+            <a:off x="5106102" y="214772"/>
+            <a:ext cx="1547674" cy="816962"/>
+            <a:chOff x="5106102" y="214772"/>
+            <a:chExt cx="1547674" cy="816962"/>
           </a:xfrm>
         </p:grpSpPr>
         <p:sp>
           <p:nvSpPr>
-            <p:cNvPr id="68" name="Triangle 67">
+            <p:cNvPr id="12" name="TextBox 11">
               <a:extLst>
                 <a:ext uri="{FF2B5EF4-FFF2-40B4-BE49-F238E27FC236}">
-                  <a16:creationId xmlns:a16="http://schemas.microsoft.com/office/drawing/2014/main" id="{E48435CB-1582-EB9B-719D-A48DF5C35098}"/>
+                  <a16:creationId xmlns:a16="http://schemas.microsoft.com/office/drawing/2014/main" id="{16F11EB4-B956-710F-B147-5896BB1DD940}"/>
+                </a:ext>
+              </a:extLst>
+            </p:cNvPr>
+            <p:cNvSpPr txBox="1"/>
+            <p:nvPr/>
+          </p:nvSpPr>
+          <p:spPr>
+            <a:xfrm>
+              <a:off x="5654634" y="214772"/>
+              <a:ext cx="474810" cy="169277"/>
+            </a:xfrm>
+            <a:prstGeom prst="rect">
+              <a:avLst/>
+            </a:prstGeom>
+            <a:noFill/>
+          </p:spPr>
+          <p:txBody>
+            <a:bodyPr wrap="none" rtlCol="0">
+              <a:spAutoFit/>
+            </a:bodyPr>
+            <a:lstStyle/>
+            <a:p>
+              <a:r>
+                <a:rPr lang="en-US" sz="500" dirty="0" err="1">
+                  <a:latin typeface="Arial" panose="020B0604020202020204" pitchFamily="34" charset="0"/>
+                  <a:cs typeface="Arial" panose="020B0604020202020204" pitchFamily="34" charset="0"/>
+                </a:rPr>
+                <a:t>seedmass</a:t>
+              </a:r>
+              <a:endParaRPr lang="en-US" sz="500" dirty="0">
+                <a:latin typeface="Arial" panose="020B0604020202020204" pitchFamily="34" charset="0"/>
+                <a:cs typeface="Arial" panose="020B0604020202020204" pitchFamily="34" charset="0"/>
+              </a:endParaRPr>
+            </a:p>
+          </p:txBody>
+        </p:sp>
+        <p:sp>
+          <p:nvSpPr>
+            <p:cNvPr id="6" name="Triangle 5">
+              <a:extLst>
+                <a:ext uri="{FF2B5EF4-FFF2-40B4-BE49-F238E27FC236}">
+                  <a16:creationId xmlns:a16="http://schemas.microsoft.com/office/drawing/2014/main" id="{AB8D1612-573A-56BA-3F48-D4A7771B50E3}"/>
                 </a:ext>
               </a:extLst>
             </p:cNvPr>
@@ -3739,8 +3867,8 @@
             <p:nvPr/>
           </p:nvSpPr>
           <p:spPr>
-            <a:xfrm rot="2323870">
-              <a:off x="6270844" y="5737225"/>
+            <a:xfrm rot="5787901">
+              <a:off x="6455181" y="749167"/>
               <a:ext cx="9144" cy="9144"/>
             </a:xfrm>
             <a:prstGeom prst="triangle">
@@ -3774,10 +3902,10 @@
         </p:sp>
         <p:sp>
           <p:nvSpPr>
-            <p:cNvPr id="69" name="Triangle 68">
+            <p:cNvPr id="7" name="Triangle 6">
               <a:extLst>
                 <a:ext uri="{FF2B5EF4-FFF2-40B4-BE49-F238E27FC236}">
-                  <a16:creationId xmlns:a16="http://schemas.microsoft.com/office/drawing/2014/main" id="{8314EF0A-4FD2-B9EE-3DDD-7B1B1B55B836}"/>
+                  <a16:creationId xmlns:a16="http://schemas.microsoft.com/office/drawing/2014/main" id="{FA94B869-4A58-C2BF-641E-C65703655262}"/>
                 </a:ext>
               </a:extLst>
             </p:cNvPr>
@@ -3785,8 +3913,8 @@
             <p:nvPr/>
           </p:nvSpPr>
           <p:spPr>
-            <a:xfrm rot="5754988">
-              <a:off x="6441836" y="6080948"/>
+            <a:xfrm rot="5220350">
+              <a:off x="6451361" y="701650"/>
               <a:ext cx="9144" cy="9144"/>
             </a:xfrm>
             <a:prstGeom prst="triangle">
@@ -3820,10 +3948,10 @@
         </p:sp>
         <p:sp>
           <p:nvSpPr>
-            <p:cNvPr id="70" name="Triangle 69">
+            <p:cNvPr id="8" name="Triangle 7">
               <a:extLst>
                 <a:ext uri="{FF2B5EF4-FFF2-40B4-BE49-F238E27FC236}">
-                  <a16:creationId xmlns:a16="http://schemas.microsoft.com/office/drawing/2014/main" id="{5A2E3460-4DF4-ADD9-8D01-70BD5044E51D}"/>
+                  <a16:creationId xmlns:a16="http://schemas.microsoft.com/office/drawing/2014/main" id="{7B4683AD-9A47-03D9-B7FF-F3154310E206}"/>
                 </a:ext>
               </a:extLst>
             </p:cNvPr>
@@ -3831,8 +3959,8 @@
             <p:nvPr/>
           </p:nvSpPr>
           <p:spPr>
-            <a:xfrm rot="10003836">
-              <a:off x="6076882" y="6392855"/>
+            <a:xfrm rot="199882">
+              <a:off x="5883207" y="378557"/>
               <a:ext cx="9144" cy="9144"/>
             </a:xfrm>
             <a:prstGeom prst="triangle">
@@ -3866,10 +3994,10 @@
         </p:sp>
         <p:sp>
           <p:nvSpPr>
-            <p:cNvPr id="71" name="Triangle 70">
+            <p:cNvPr id="9" name="Triangle 8">
               <a:extLst>
                 <a:ext uri="{FF2B5EF4-FFF2-40B4-BE49-F238E27FC236}">
-                  <a16:creationId xmlns:a16="http://schemas.microsoft.com/office/drawing/2014/main" id="{0B69FCA3-3C2E-06F7-32B1-60948331B9DD}"/>
+                  <a16:creationId xmlns:a16="http://schemas.microsoft.com/office/drawing/2014/main" id="{21C04485-20C7-C72F-5764-E46A875468D8}"/>
                 </a:ext>
               </a:extLst>
             </p:cNvPr>
@@ -3877,8 +4005,8 @@
             <p:nvPr/>
           </p:nvSpPr>
           <p:spPr>
-            <a:xfrm rot="14627869">
-              <a:off x="5615091" y="6210767"/>
+            <a:xfrm rot="14694118">
+              <a:off x="5361091" y="885444"/>
               <a:ext cx="9144" cy="9144"/>
             </a:xfrm>
             <a:prstGeom prst="triangle">
@@ -3912,10 +4040,10 @@
         </p:sp>
         <p:sp>
           <p:nvSpPr>
-            <p:cNvPr id="72" name="TextBox 71">
+            <p:cNvPr id="10" name="TextBox 9">
               <a:extLst>
                 <a:ext uri="{FF2B5EF4-FFF2-40B4-BE49-F238E27FC236}">
-                  <a16:creationId xmlns:a16="http://schemas.microsoft.com/office/drawing/2014/main" id="{61ABA009-2AB6-0998-6906-6E8D3721D758}"/>
+                  <a16:creationId xmlns:a16="http://schemas.microsoft.com/office/drawing/2014/main" id="{EDB6CE2C-8A06-3942-4FD7-20EE1F400765}"/>
                 </a:ext>
               </a:extLst>
             </p:cNvPr>
@@ -3924,7 +4052,7 @@
           </p:nvSpPr>
           <p:spPr>
             <a:xfrm>
-              <a:off x="6079973" y="5585655"/>
+              <a:off x="6341824" y="541750"/>
               <a:ext cx="266420" cy="169277"/>
             </a:xfrm>
             <a:prstGeom prst="rect">
@@ -3954,10 +4082,10 @@
         </p:sp>
         <p:sp>
           <p:nvSpPr>
-            <p:cNvPr id="73" name="TextBox 72">
+            <p:cNvPr id="11" name="TextBox 10">
               <a:extLst>
                 <a:ext uri="{FF2B5EF4-FFF2-40B4-BE49-F238E27FC236}">
-                  <a16:creationId xmlns:a16="http://schemas.microsoft.com/office/drawing/2014/main" id="{FD3FAA7C-61CB-35FE-75A0-FA054D713672}"/>
+                  <a16:creationId xmlns:a16="http://schemas.microsoft.com/office/drawing/2014/main" id="{D322C836-AB98-58BB-0433-3262C168CB2A}"/>
                 </a:ext>
               </a:extLst>
             </p:cNvPr>
@@ -3966,8 +4094,8 @@
           </p:nvSpPr>
           <p:spPr>
             <a:xfrm>
-              <a:off x="6397304" y="6017506"/>
-              <a:ext cx="357790" cy="169277"/>
+              <a:off x="6296293" y="726819"/>
+              <a:ext cx="357483" cy="169277"/>
             </a:xfrm>
             <a:prstGeom prst="rect">
               <a:avLst/>
@@ -3975,7 +4103,7 @@
             <a:noFill/>
           </p:spPr>
           <p:txBody>
-            <a:bodyPr wrap="none" rtlCol="0">
+            <a:bodyPr wrap="square" rtlCol="0">
               <a:spAutoFit/>
             </a:bodyPr>
             <a:lstStyle/>
@@ -3992,10 +4120,10 @@
         </p:sp>
         <p:sp>
           <p:nvSpPr>
-            <p:cNvPr id="74" name="TextBox 73">
+            <p:cNvPr id="13" name="TextBox 12">
               <a:extLst>
                 <a:ext uri="{FF2B5EF4-FFF2-40B4-BE49-F238E27FC236}">
-                  <a16:creationId xmlns:a16="http://schemas.microsoft.com/office/drawing/2014/main" id="{BF569FCF-78AA-68FF-4EE2-2426AF37DDEA}"/>
+                  <a16:creationId xmlns:a16="http://schemas.microsoft.com/office/drawing/2014/main" id="{4046AAFA-D448-A7B5-5DB8-965FAAA57A34}"/>
                 </a:ext>
               </a:extLst>
             </p:cNvPr>
@@ -4004,7 +4132,66 @@
           </p:nvSpPr>
           <p:spPr>
             <a:xfrm>
-              <a:off x="5938702" y="6368766"/>
+              <a:off x="5106102" y="862457"/>
+              <a:ext cx="531281" cy="169277"/>
+            </a:xfrm>
+            <a:prstGeom prst="rect">
+              <a:avLst/>
+            </a:prstGeom>
+            <a:noFill/>
+          </p:spPr>
+          <p:txBody>
+            <a:bodyPr wrap="square" rtlCol="0">
+              <a:spAutoFit/>
+            </a:bodyPr>
+            <a:lstStyle/>
+            <a:p>
+              <a:r>
+                <a:rPr lang="en-US" sz="500" dirty="0">
+                  <a:latin typeface="Arial" panose="020B0604020202020204" pitchFamily="34" charset="0"/>
+                  <a:cs typeface="Arial" panose="020B0604020202020204" pitchFamily="34" charset="0"/>
+                </a:rPr>
+                <a:t>resprouting</a:t>
+              </a:r>
+            </a:p>
+          </p:txBody>
+        </p:sp>
+      </p:grpSp>
+      <p:grpSp>
+        <p:nvGrpSpPr>
+          <p:cNvPr id="16" name="Group 15">
+            <a:extLst>
+              <a:ext uri="{FF2B5EF4-FFF2-40B4-BE49-F238E27FC236}">
+                <a16:creationId xmlns:a16="http://schemas.microsoft.com/office/drawing/2014/main" id="{A2512674-C7B8-AA40-5367-4D2722DE0B99}"/>
+              </a:ext>
+            </a:extLst>
+          </p:cNvPr>
+          <p:cNvGrpSpPr/>
+          <p:nvPr/>
+        </p:nvGrpSpPr>
+        <p:grpSpPr>
+          <a:xfrm>
+            <a:off x="5106102" y="1532397"/>
+            <a:ext cx="1547674" cy="816962"/>
+            <a:chOff x="5106102" y="214772"/>
+            <a:chExt cx="1547674" cy="816962"/>
+          </a:xfrm>
+        </p:grpSpPr>
+        <p:sp>
+          <p:nvSpPr>
+            <p:cNvPr id="17" name="TextBox 16">
+              <a:extLst>
+                <a:ext uri="{FF2B5EF4-FFF2-40B4-BE49-F238E27FC236}">
+                  <a16:creationId xmlns:a16="http://schemas.microsoft.com/office/drawing/2014/main" id="{15342D1C-0C55-3200-C470-D713DB4E6522}"/>
+                </a:ext>
+              </a:extLst>
+            </p:cNvPr>
+            <p:cNvSpPr txBox="1"/>
+            <p:nvPr/>
+          </p:nvSpPr>
+          <p:spPr>
+            <a:xfrm>
+              <a:off x="5654634" y="214772"/>
               <a:ext cx="474810" cy="169277"/>
             </a:xfrm>
             <a:prstGeom prst="rect">
@@ -4034,69 +4221,10 @@
         </p:sp>
         <p:sp>
           <p:nvSpPr>
-            <p:cNvPr id="75" name="TextBox 74">
+            <p:cNvPr id="18" name="Triangle 17">
               <a:extLst>
                 <a:ext uri="{FF2B5EF4-FFF2-40B4-BE49-F238E27FC236}">
-                  <a16:creationId xmlns:a16="http://schemas.microsoft.com/office/drawing/2014/main" id="{5BC1173D-22C9-AB63-51B5-D9EDAF13C93D}"/>
-                </a:ext>
-              </a:extLst>
-            </p:cNvPr>
-            <p:cNvSpPr txBox="1"/>
-            <p:nvPr/>
-          </p:nvSpPr>
-          <p:spPr>
-            <a:xfrm>
-              <a:off x="5275348" y="6188671"/>
-              <a:ext cx="531281" cy="169277"/>
-            </a:xfrm>
-            <a:prstGeom prst="rect">
-              <a:avLst/>
-            </a:prstGeom>
-            <a:noFill/>
-          </p:spPr>
-          <p:txBody>
-            <a:bodyPr wrap="square" rtlCol="0">
-              <a:spAutoFit/>
-            </a:bodyPr>
-            <a:lstStyle/>
-            <a:p>
-              <a:r>
-                <a:rPr lang="en-US" sz="500" dirty="0">
-                  <a:latin typeface="Arial" panose="020B0604020202020204" pitchFamily="34" charset="0"/>
-                  <a:cs typeface="Arial" panose="020B0604020202020204" pitchFamily="34" charset="0"/>
-                </a:rPr>
-                <a:t>resprouting</a:t>
-              </a:r>
-            </a:p>
-          </p:txBody>
-        </p:sp>
-      </p:grpSp>
-      <p:grpSp>
-        <p:nvGrpSpPr>
-          <p:cNvPr id="85" name="Group 84">
-            <a:extLst>
-              <a:ext uri="{FF2B5EF4-FFF2-40B4-BE49-F238E27FC236}">
-                <a16:creationId xmlns:a16="http://schemas.microsoft.com/office/drawing/2014/main" id="{FB516D02-7C03-4A9A-19A3-4FE922051D26}"/>
-              </a:ext>
-            </a:extLst>
-          </p:cNvPr>
-          <p:cNvGrpSpPr/>
-          <p:nvPr/>
-        </p:nvGrpSpPr>
-        <p:grpSpPr>
-          <a:xfrm>
-            <a:off x="5122948" y="2807285"/>
-            <a:ext cx="1439657" cy="936050"/>
-            <a:chOff x="5275348" y="5596477"/>
-            <a:chExt cx="1439657" cy="936050"/>
-          </a:xfrm>
-        </p:grpSpPr>
-        <p:sp>
-          <p:nvSpPr>
-            <p:cNvPr id="86" name="Triangle 85">
-              <a:extLst>
-                <a:ext uri="{FF2B5EF4-FFF2-40B4-BE49-F238E27FC236}">
-                  <a16:creationId xmlns:a16="http://schemas.microsoft.com/office/drawing/2014/main" id="{35F765B1-562F-E22C-8B6B-E8E348BAD5BB}"/>
+                  <a16:creationId xmlns:a16="http://schemas.microsoft.com/office/drawing/2014/main" id="{1DE3815C-8583-03EC-1096-43EBF6A9A534}"/>
                 </a:ext>
               </a:extLst>
             </p:cNvPr>
@@ -4104,8 +4232,8 @@
             <p:nvPr/>
           </p:nvSpPr>
           <p:spPr>
-            <a:xfrm rot="2323870">
-              <a:off x="6270844" y="5737225"/>
+            <a:xfrm rot="5787901">
+              <a:off x="6455181" y="749167"/>
               <a:ext cx="9144" cy="9144"/>
             </a:xfrm>
             <a:prstGeom prst="triangle">
@@ -4139,10 +4267,10 @@
         </p:sp>
         <p:sp>
           <p:nvSpPr>
-            <p:cNvPr id="87" name="Triangle 86">
+            <p:cNvPr id="19" name="Triangle 18">
               <a:extLst>
                 <a:ext uri="{FF2B5EF4-FFF2-40B4-BE49-F238E27FC236}">
-                  <a16:creationId xmlns:a16="http://schemas.microsoft.com/office/drawing/2014/main" id="{1AAE177B-4AE8-3CA5-3D55-C9B4968805F5}"/>
+                  <a16:creationId xmlns:a16="http://schemas.microsoft.com/office/drawing/2014/main" id="{85EE5219-9C68-CCEA-89EB-FCBD42077BD7}"/>
                 </a:ext>
               </a:extLst>
             </p:cNvPr>
@@ -4150,8 +4278,8 @@
             <p:nvPr/>
           </p:nvSpPr>
           <p:spPr>
-            <a:xfrm rot="5754988">
-              <a:off x="6441836" y="6080948"/>
+            <a:xfrm rot="5220350">
+              <a:off x="6451361" y="701650"/>
               <a:ext cx="9144" cy="9144"/>
             </a:xfrm>
             <a:prstGeom prst="triangle">
@@ -4185,10 +4313,10 @@
         </p:sp>
         <p:sp>
           <p:nvSpPr>
-            <p:cNvPr id="88" name="Triangle 87">
+            <p:cNvPr id="20" name="Triangle 19">
               <a:extLst>
                 <a:ext uri="{FF2B5EF4-FFF2-40B4-BE49-F238E27FC236}">
-                  <a16:creationId xmlns:a16="http://schemas.microsoft.com/office/drawing/2014/main" id="{538E57A9-8D32-56F2-A911-4D71BA75D4E7}"/>
+                  <a16:creationId xmlns:a16="http://schemas.microsoft.com/office/drawing/2014/main" id="{24B783F0-AE7B-8421-0632-B55EB0BD6338}"/>
                 </a:ext>
               </a:extLst>
             </p:cNvPr>
@@ -4196,8 +4324,8 @@
             <p:nvPr/>
           </p:nvSpPr>
           <p:spPr>
-            <a:xfrm rot="10003836">
-              <a:off x="6076882" y="6392855"/>
+            <a:xfrm rot="199882">
+              <a:off x="5883207" y="378557"/>
               <a:ext cx="9144" cy="9144"/>
             </a:xfrm>
             <a:prstGeom prst="triangle">
@@ -4231,10 +4359,10 @@
         </p:sp>
         <p:sp>
           <p:nvSpPr>
-            <p:cNvPr id="89" name="Triangle 88">
+            <p:cNvPr id="21" name="Triangle 20">
               <a:extLst>
                 <a:ext uri="{FF2B5EF4-FFF2-40B4-BE49-F238E27FC236}">
-                  <a16:creationId xmlns:a16="http://schemas.microsoft.com/office/drawing/2014/main" id="{D8393E5F-9139-625B-B481-52755888AF2A}"/>
+                  <a16:creationId xmlns:a16="http://schemas.microsoft.com/office/drawing/2014/main" id="{BA222462-51C2-6DE1-27A6-BF0846211372}"/>
                 </a:ext>
               </a:extLst>
             </p:cNvPr>
@@ -4242,8 +4370,8 @@
             <p:nvPr/>
           </p:nvSpPr>
           <p:spPr>
-            <a:xfrm rot="14627869">
-              <a:off x="5615091" y="6210767"/>
+            <a:xfrm rot="14694118">
+              <a:off x="5361091" y="885444"/>
               <a:ext cx="9144" cy="9144"/>
             </a:xfrm>
             <a:prstGeom prst="triangle">
@@ -4277,10 +4405,10 @@
         </p:sp>
         <p:sp>
           <p:nvSpPr>
-            <p:cNvPr id="90" name="TextBox 89">
+            <p:cNvPr id="22" name="TextBox 21">
               <a:extLst>
                 <a:ext uri="{FF2B5EF4-FFF2-40B4-BE49-F238E27FC236}">
-                  <a16:creationId xmlns:a16="http://schemas.microsoft.com/office/drawing/2014/main" id="{54E9D3F5-DEE0-81EA-BC90-E00E6B54D321}"/>
+                  <a16:creationId xmlns:a16="http://schemas.microsoft.com/office/drawing/2014/main" id="{E24F80CF-B600-64C1-ADA7-49EEDD0F75C6}"/>
                 </a:ext>
               </a:extLst>
             </p:cNvPr>
@@ -4289,7 +4417,7 @@
           </p:nvSpPr>
           <p:spPr>
             <a:xfrm>
-              <a:off x="6090795" y="5596477"/>
+              <a:off x="6341824" y="541750"/>
               <a:ext cx="266420" cy="169277"/>
             </a:xfrm>
             <a:prstGeom prst="rect">
@@ -4319,10 +4447,10 @@
         </p:sp>
         <p:sp>
           <p:nvSpPr>
-            <p:cNvPr id="91" name="TextBox 90">
+            <p:cNvPr id="23" name="TextBox 22">
               <a:extLst>
                 <a:ext uri="{FF2B5EF4-FFF2-40B4-BE49-F238E27FC236}">
-                  <a16:creationId xmlns:a16="http://schemas.microsoft.com/office/drawing/2014/main" id="{A593206C-E954-ADC0-D63B-DBB1B7D5E7DD}"/>
+                  <a16:creationId xmlns:a16="http://schemas.microsoft.com/office/drawing/2014/main" id="{5AA0FC0F-77D0-D034-92F9-5E433634A414}"/>
                 </a:ext>
               </a:extLst>
             </p:cNvPr>
@@ -4331,8 +4459,8 @@
           </p:nvSpPr>
           <p:spPr>
             <a:xfrm>
-              <a:off x="6357215" y="6045906"/>
-              <a:ext cx="357790" cy="169277"/>
+              <a:off x="6296293" y="726819"/>
+              <a:ext cx="357483" cy="169277"/>
             </a:xfrm>
             <a:prstGeom prst="rect">
               <a:avLst/>
@@ -4340,7 +4468,7 @@
             <a:noFill/>
           </p:spPr>
           <p:txBody>
-            <a:bodyPr wrap="none" rtlCol="0">
+            <a:bodyPr wrap="square" rtlCol="0">
               <a:spAutoFit/>
             </a:bodyPr>
             <a:lstStyle/>
@@ -4357,10 +4485,10 @@
         </p:sp>
         <p:sp>
           <p:nvSpPr>
-            <p:cNvPr id="92" name="TextBox 91">
+            <p:cNvPr id="24" name="TextBox 23">
               <a:extLst>
                 <a:ext uri="{FF2B5EF4-FFF2-40B4-BE49-F238E27FC236}">
-                  <a16:creationId xmlns:a16="http://schemas.microsoft.com/office/drawing/2014/main" id="{D9D24E1C-AB14-44BA-E81E-AEEC3A9307E7}"/>
+                  <a16:creationId xmlns:a16="http://schemas.microsoft.com/office/drawing/2014/main" id="{224C491E-6DEA-9156-9FD8-848B3227C611}"/>
                 </a:ext>
               </a:extLst>
             </p:cNvPr>
@@ -4369,7 +4497,410 @@
           </p:nvSpPr>
           <p:spPr>
             <a:xfrm>
-              <a:off x="5942683" y="6363250"/>
+              <a:off x="5106102" y="862457"/>
+              <a:ext cx="531281" cy="169277"/>
+            </a:xfrm>
+            <a:prstGeom prst="rect">
+              <a:avLst/>
+            </a:prstGeom>
+            <a:noFill/>
+          </p:spPr>
+          <p:txBody>
+            <a:bodyPr wrap="square" rtlCol="0">
+              <a:spAutoFit/>
+            </a:bodyPr>
+            <a:lstStyle/>
+            <a:p>
+              <a:r>
+                <a:rPr lang="en-US" sz="500" dirty="0">
+                  <a:latin typeface="Arial" panose="020B0604020202020204" pitchFamily="34" charset="0"/>
+                  <a:cs typeface="Arial" panose="020B0604020202020204" pitchFamily="34" charset="0"/>
+                </a:rPr>
+                <a:t>resprouting</a:t>
+              </a:r>
+            </a:p>
+          </p:txBody>
+        </p:sp>
+      </p:grpSp>
+      <p:sp>
+        <p:nvSpPr>
+          <p:cNvPr id="35" name="TextBox 34">
+            <a:extLst>
+              <a:ext uri="{FF2B5EF4-FFF2-40B4-BE49-F238E27FC236}">
+                <a16:creationId xmlns:a16="http://schemas.microsoft.com/office/drawing/2014/main" id="{D443F6D6-2625-40AF-3EFD-415DAD87F94A}"/>
+              </a:ext>
+            </a:extLst>
+          </p:cNvPr>
+          <p:cNvSpPr txBox="1"/>
+          <p:nvPr/>
+        </p:nvSpPr>
+        <p:spPr>
+          <a:xfrm>
+            <a:off x="5654034" y="2846112"/>
+            <a:ext cx="474810" cy="169277"/>
+          </a:xfrm>
+          <a:prstGeom prst="rect">
+            <a:avLst/>
+          </a:prstGeom>
+          <a:noFill/>
+        </p:spPr>
+        <p:txBody>
+          <a:bodyPr wrap="none" rtlCol="0">
+            <a:spAutoFit/>
+          </a:bodyPr>
+          <a:lstStyle/>
+          <a:p>
+            <a:r>
+              <a:rPr lang="en-US" sz="500" dirty="0" err="1">
+                <a:latin typeface="Arial" panose="020B0604020202020204" pitchFamily="34" charset="0"/>
+                <a:cs typeface="Arial" panose="020B0604020202020204" pitchFamily="34" charset="0"/>
+              </a:rPr>
+              <a:t>seedmass</a:t>
+            </a:r>
+            <a:endParaRPr lang="en-US" sz="500" dirty="0">
+              <a:latin typeface="Arial" panose="020B0604020202020204" pitchFamily="34" charset="0"/>
+              <a:cs typeface="Arial" panose="020B0604020202020204" pitchFamily="34" charset="0"/>
+            </a:endParaRPr>
+          </a:p>
+        </p:txBody>
+      </p:sp>
+      <p:sp>
+        <p:nvSpPr>
+          <p:cNvPr id="36" name="Triangle 35">
+            <a:extLst>
+              <a:ext uri="{FF2B5EF4-FFF2-40B4-BE49-F238E27FC236}">
+                <a16:creationId xmlns:a16="http://schemas.microsoft.com/office/drawing/2014/main" id="{F28E8585-3BE9-5B11-B05D-DDADFB5246BA}"/>
+              </a:ext>
+            </a:extLst>
+          </p:cNvPr>
+          <p:cNvSpPr/>
+          <p:nvPr/>
+        </p:nvSpPr>
+        <p:spPr>
+          <a:xfrm rot="5787901">
+            <a:off x="6454581" y="3380507"/>
+            <a:ext cx="9144" cy="9144"/>
+          </a:xfrm>
+          <a:prstGeom prst="triangle">
+            <a:avLst/>
+          </a:prstGeom>
+        </p:spPr>
+        <p:style>
+          <a:lnRef idx="2">
+            <a:schemeClr val="accent1">
+              <a:shade val="15000"/>
+            </a:schemeClr>
+          </a:lnRef>
+          <a:fillRef idx="1">
+            <a:schemeClr val="accent1"/>
+          </a:fillRef>
+          <a:effectRef idx="0">
+            <a:schemeClr val="accent1"/>
+          </a:effectRef>
+          <a:fontRef idx="minor">
+            <a:schemeClr val="lt1"/>
+          </a:fontRef>
+        </p:style>
+        <p:txBody>
+          <a:bodyPr rtlCol="0" anchor="ctr"/>
+          <a:lstStyle/>
+          <a:p>
+            <a:pPr algn="ctr"/>
+            <a:endParaRPr lang="en-US"/>
+          </a:p>
+        </p:txBody>
+      </p:sp>
+      <p:sp>
+        <p:nvSpPr>
+          <p:cNvPr id="37" name="Triangle 36">
+            <a:extLst>
+              <a:ext uri="{FF2B5EF4-FFF2-40B4-BE49-F238E27FC236}">
+                <a16:creationId xmlns:a16="http://schemas.microsoft.com/office/drawing/2014/main" id="{66D46845-EDEE-0B12-190C-09994608967B}"/>
+              </a:ext>
+            </a:extLst>
+          </p:cNvPr>
+          <p:cNvSpPr/>
+          <p:nvPr/>
+        </p:nvSpPr>
+        <p:spPr>
+          <a:xfrm rot="5220350">
+            <a:off x="6453936" y="3332990"/>
+            <a:ext cx="9144" cy="9144"/>
+          </a:xfrm>
+          <a:prstGeom prst="triangle">
+            <a:avLst/>
+          </a:prstGeom>
+        </p:spPr>
+        <p:style>
+          <a:lnRef idx="2">
+            <a:schemeClr val="accent1">
+              <a:shade val="15000"/>
+            </a:schemeClr>
+          </a:lnRef>
+          <a:fillRef idx="1">
+            <a:schemeClr val="accent1"/>
+          </a:fillRef>
+          <a:effectRef idx="0">
+            <a:schemeClr val="accent1"/>
+          </a:effectRef>
+          <a:fontRef idx="minor">
+            <a:schemeClr val="lt1"/>
+          </a:fontRef>
+        </p:style>
+        <p:txBody>
+          <a:bodyPr rtlCol="0" anchor="ctr"/>
+          <a:lstStyle/>
+          <a:p>
+            <a:pPr algn="ctr"/>
+            <a:endParaRPr lang="en-US"/>
+          </a:p>
+        </p:txBody>
+      </p:sp>
+      <p:sp>
+        <p:nvSpPr>
+          <p:cNvPr id="38" name="Triangle 37">
+            <a:extLst>
+              <a:ext uri="{FF2B5EF4-FFF2-40B4-BE49-F238E27FC236}">
+                <a16:creationId xmlns:a16="http://schemas.microsoft.com/office/drawing/2014/main" id="{2D30B40B-1891-4F12-E30E-07BC9A6FB529}"/>
+              </a:ext>
+            </a:extLst>
+          </p:cNvPr>
+          <p:cNvSpPr/>
+          <p:nvPr/>
+        </p:nvSpPr>
+        <p:spPr>
+          <a:xfrm rot="199882">
+            <a:off x="5882607" y="3009897"/>
+            <a:ext cx="9144" cy="9144"/>
+          </a:xfrm>
+          <a:prstGeom prst="triangle">
+            <a:avLst/>
+          </a:prstGeom>
+        </p:spPr>
+        <p:style>
+          <a:lnRef idx="2">
+            <a:schemeClr val="accent1">
+              <a:shade val="15000"/>
+            </a:schemeClr>
+          </a:lnRef>
+          <a:fillRef idx="1">
+            <a:schemeClr val="accent1"/>
+          </a:fillRef>
+          <a:effectRef idx="0">
+            <a:schemeClr val="accent1"/>
+          </a:effectRef>
+          <a:fontRef idx="minor">
+            <a:schemeClr val="lt1"/>
+          </a:fontRef>
+        </p:style>
+        <p:txBody>
+          <a:bodyPr rtlCol="0" anchor="ctr"/>
+          <a:lstStyle/>
+          <a:p>
+            <a:pPr algn="ctr"/>
+            <a:endParaRPr lang="en-US"/>
+          </a:p>
+        </p:txBody>
+      </p:sp>
+      <p:sp>
+        <p:nvSpPr>
+          <p:cNvPr id="39" name="Triangle 38">
+            <a:extLst>
+              <a:ext uri="{FF2B5EF4-FFF2-40B4-BE49-F238E27FC236}">
+                <a16:creationId xmlns:a16="http://schemas.microsoft.com/office/drawing/2014/main" id="{93872BAB-B3EE-112F-4D23-2E6776709399}"/>
+              </a:ext>
+            </a:extLst>
+          </p:cNvPr>
+          <p:cNvSpPr/>
+          <p:nvPr/>
+        </p:nvSpPr>
+        <p:spPr>
+          <a:xfrm rot="14694118">
+            <a:off x="5360491" y="3516784"/>
+            <a:ext cx="9144" cy="9144"/>
+          </a:xfrm>
+          <a:prstGeom prst="triangle">
+            <a:avLst/>
+          </a:prstGeom>
+        </p:spPr>
+        <p:style>
+          <a:lnRef idx="2">
+            <a:schemeClr val="accent1">
+              <a:shade val="15000"/>
+            </a:schemeClr>
+          </a:lnRef>
+          <a:fillRef idx="1">
+            <a:schemeClr val="accent1"/>
+          </a:fillRef>
+          <a:effectRef idx="0">
+            <a:schemeClr val="accent1"/>
+          </a:effectRef>
+          <a:fontRef idx="minor">
+            <a:schemeClr val="lt1"/>
+          </a:fontRef>
+        </p:style>
+        <p:txBody>
+          <a:bodyPr rtlCol="0" anchor="ctr"/>
+          <a:lstStyle/>
+          <a:p>
+            <a:pPr algn="ctr"/>
+            <a:endParaRPr lang="en-US"/>
+          </a:p>
+        </p:txBody>
+      </p:sp>
+      <p:sp>
+        <p:nvSpPr>
+          <p:cNvPr id="40" name="TextBox 39">
+            <a:extLst>
+              <a:ext uri="{FF2B5EF4-FFF2-40B4-BE49-F238E27FC236}">
+                <a16:creationId xmlns:a16="http://schemas.microsoft.com/office/drawing/2014/main" id="{A6C451B8-9357-89D8-E595-BAEC98CB7732}"/>
+              </a:ext>
+            </a:extLst>
+          </p:cNvPr>
+          <p:cNvSpPr txBox="1"/>
+          <p:nvPr/>
+        </p:nvSpPr>
+        <p:spPr>
+          <a:xfrm>
+            <a:off x="6369559" y="3190523"/>
+            <a:ext cx="266420" cy="169277"/>
+          </a:xfrm>
+          <a:prstGeom prst="rect">
+            <a:avLst/>
+          </a:prstGeom>
+          <a:noFill/>
+        </p:spPr>
+        <p:txBody>
+          <a:bodyPr wrap="none" rtlCol="0">
+            <a:spAutoFit/>
+          </a:bodyPr>
+          <a:lstStyle/>
+          <a:p>
+            <a:r>
+              <a:rPr lang="en-US" sz="500" dirty="0" err="1">
+                <a:latin typeface="Arial" panose="020B0604020202020204" pitchFamily="34" charset="0"/>
+                <a:cs typeface="Arial" panose="020B0604020202020204" pitchFamily="34" charset="0"/>
+              </a:rPr>
+              <a:t>sla</a:t>
+            </a:r>
+            <a:endParaRPr lang="en-US" sz="500" dirty="0">
+              <a:latin typeface="Arial" panose="020B0604020202020204" pitchFamily="34" charset="0"/>
+              <a:cs typeface="Arial" panose="020B0604020202020204" pitchFamily="34" charset="0"/>
+            </a:endParaRPr>
+          </a:p>
+        </p:txBody>
+      </p:sp>
+      <p:sp>
+        <p:nvSpPr>
+          <p:cNvPr id="41" name="TextBox 40">
+            <a:extLst>
+              <a:ext uri="{FF2B5EF4-FFF2-40B4-BE49-F238E27FC236}">
+                <a16:creationId xmlns:a16="http://schemas.microsoft.com/office/drawing/2014/main" id="{4C455E5F-FB36-0F71-CB0A-35F81E6870E0}"/>
+              </a:ext>
+            </a:extLst>
+          </p:cNvPr>
+          <p:cNvSpPr txBox="1"/>
+          <p:nvPr/>
+        </p:nvSpPr>
+        <p:spPr>
+          <a:xfrm>
+            <a:off x="6376477" y="3354995"/>
+            <a:ext cx="357483" cy="169277"/>
+          </a:xfrm>
+          <a:prstGeom prst="rect">
+            <a:avLst/>
+          </a:prstGeom>
+          <a:noFill/>
+        </p:spPr>
+        <p:txBody>
+          <a:bodyPr wrap="square" rtlCol="0">
+            <a:spAutoFit/>
+          </a:bodyPr>
+          <a:lstStyle/>
+          <a:p>
+            <a:r>
+              <a:rPr lang="en-US" sz="500" dirty="0">
+                <a:latin typeface="Arial" panose="020B0604020202020204" pitchFamily="34" charset="0"/>
+                <a:cs typeface="Arial" panose="020B0604020202020204" pitchFamily="34" charset="0"/>
+              </a:rPr>
+              <a:t>height</a:t>
+            </a:r>
+          </a:p>
+        </p:txBody>
+      </p:sp>
+      <p:sp>
+        <p:nvSpPr>
+          <p:cNvPr id="42" name="TextBox 41">
+            <a:extLst>
+              <a:ext uri="{FF2B5EF4-FFF2-40B4-BE49-F238E27FC236}">
+                <a16:creationId xmlns:a16="http://schemas.microsoft.com/office/drawing/2014/main" id="{ACFEF854-53BA-FC07-2795-E7F84E5A5898}"/>
+              </a:ext>
+            </a:extLst>
+          </p:cNvPr>
+          <p:cNvSpPr txBox="1"/>
+          <p:nvPr/>
+        </p:nvSpPr>
+        <p:spPr>
+          <a:xfrm>
+            <a:off x="5105502" y="3493797"/>
+            <a:ext cx="531281" cy="169277"/>
+          </a:xfrm>
+          <a:prstGeom prst="rect">
+            <a:avLst/>
+          </a:prstGeom>
+          <a:noFill/>
+        </p:spPr>
+        <p:txBody>
+          <a:bodyPr wrap="square" rtlCol="0">
+            <a:spAutoFit/>
+          </a:bodyPr>
+          <a:lstStyle/>
+          <a:p>
+            <a:r>
+              <a:rPr lang="en-US" sz="500" dirty="0">
+                <a:latin typeface="Arial" panose="020B0604020202020204" pitchFamily="34" charset="0"/>
+                <a:cs typeface="Arial" panose="020B0604020202020204" pitchFamily="34" charset="0"/>
+              </a:rPr>
+              <a:t>resprouting</a:t>
+            </a:r>
+          </a:p>
+        </p:txBody>
+      </p:sp>
+      <p:grpSp>
+        <p:nvGrpSpPr>
+          <p:cNvPr id="43" name="Group 42">
+            <a:extLst>
+              <a:ext uri="{FF2B5EF4-FFF2-40B4-BE49-F238E27FC236}">
+                <a16:creationId xmlns:a16="http://schemas.microsoft.com/office/drawing/2014/main" id="{72D27B9A-1625-F4D6-6F91-9F68AE8A8D61}"/>
+              </a:ext>
+            </a:extLst>
+          </p:cNvPr>
+          <p:cNvGrpSpPr/>
+          <p:nvPr/>
+        </p:nvGrpSpPr>
+        <p:grpSpPr>
+          <a:xfrm>
+            <a:off x="5105337" y="4163737"/>
+            <a:ext cx="1556117" cy="816962"/>
+            <a:chOff x="5106102" y="214772"/>
+            <a:chExt cx="1556117" cy="816962"/>
+          </a:xfrm>
+        </p:grpSpPr>
+        <p:sp>
+          <p:nvSpPr>
+            <p:cNvPr id="44" name="TextBox 43">
+              <a:extLst>
+                <a:ext uri="{FF2B5EF4-FFF2-40B4-BE49-F238E27FC236}">
+                  <a16:creationId xmlns:a16="http://schemas.microsoft.com/office/drawing/2014/main" id="{829A2D17-A8B5-7DA6-118B-BD667C6ACBD3}"/>
+                </a:ext>
+              </a:extLst>
+            </p:cNvPr>
+            <p:cNvSpPr txBox="1"/>
+            <p:nvPr/>
+          </p:nvSpPr>
+          <p:spPr>
+            <a:xfrm>
+              <a:off x="5654634" y="214772"/>
               <a:ext cx="474810" cy="169277"/>
             </a:xfrm>
             <a:prstGeom prst="rect">
@@ -4399,69 +4930,10 @@
         </p:sp>
         <p:sp>
           <p:nvSpPr>
-            <p:cNvPr id="93" name="TextBox 92">
+            <p:cNvPr id="45" name="Triangle 44">
               <a:extLst>
                 <a:ext uri="{FF2B5EF4-FFF2-40B4-BE49-F238E27FC236}">
-                  <a16:creationId xmlns:a16="http://schemas.microsoft.com/office/drawing/2014/main" id="{3FD2A8E3-E4E9-257F-46EE-83C432766112}"/>
-                </a:ext>
-              </a:extLst>
-            </p:cNvPr>
-            <p:cNvSpPr txBox="1"/>
-            <p:nvPr/>
-          </p:nvSpPr>
-          <p:spPr>
-            <a:xfrm>
-              <a:off x="5275348" y="6188671"/>
-              <a:ext cx="531281" cy="169277"/>
-            </a:xfrm>
-            <a:prstGeom prst="rect">
-              <a:avLst/>
-            </a:prstGeom>
-            <a:noFill/>
-          </p:spPr>
-          <p:txBody>
-            <a:bodyPr wrap="square" rtlCol="0">
-              <a:spAutoFit/>
-            </a:bodyPr>
-            <a:lstStyle/>
-            <a:p>
-              <a:r>
-                <a:rPr lang="en-US" sz="500" dirty="0">
-                  <a:latin typeface="Arial" panose="020B0604020202020204" pitchFamily="34" charset="0"/>
-                  <a:cs typeface="Arial" panose="020B0604020202020204" pitchFamily="34" charset="0"/>
-                </a:rPr>
-                <a:t>resprouting</a:t>
-              </a:r>
-            </a:p>
-          </p:txBody>
-        </p:sp>
-      </p:grpSp>
-      <p:grpSp>
-        <p:nvGrpSpPr>
-          <p:cNvPr id="94" name="Group 93">
-            <a:extLst>
-              <a:ext uri="{FF2B5EF4-FFF2-40B4-BE49-F238E27FC236}">
-                <a16:creationId xmlns:a16="http://schemas.microsoft.com/office/drawing/2014/main" id="{8B2890FD-D40A-4DFD-BB11-8C828893B651}"/>
-              </a:ext>
-            </a:extLst>
-          </p:cNvPr>
-          <p:cNvGrpSpPr/>
-          <p:nvPr/>
-        </p:nvGrpSpPr>
-        <p:grpSpPr>
-          <a:xfrm>
-            <a:off x="5122948" y="1494300"/>
-            <a:ext cx="1293620" cy="936050"/>
-            <a:chOff x="5275348" y="5596477"/>
-            <a:chExt cx="1293620" cy="936050"/>
-          </a:xfrm>
-        </p:grpSpPr>
-        <p:sp>
-          <p:nvSpPr>
-            <p:cNvPr id="95" name="Triangle 94">
-              <a:extLst>
-                <a:ext uri="{FF2B5EF4-FFF2-40B4-BE49-F238E27FC236}">
-                  <a16:creationId xmlns:a16="http://schemas.microsoft.com/office/drawing/2014/main" id="{BAFDE3FD-85F8-B78B-8952-EC9B3E7178E5}"/>
+                  <a16:creationId xmlns:a16="http://schemas.microsoft.com/office/drawing/2014/main" id="{F3FF4CA2-F4DF-DB53-B6F2-98625E02793E}"/>
                 </a:ext>
               </a:extLst>
             </p:cNvPr>
@@ -4469,8 +4941,8 @@
             <p:nvPr/>
           </p:nvSpPr>
           <p:spPr>
-            <a:xfrm rot="2323870">
-              <a:off x="6270844" y="5737225"/>
+            <a:xfrm rot="5787901">
+              <a:off x="6455181" y="749167"/>
               <a:ext cx="9144" cy="9144"/>
             </a:xfrm>
             <a:prstGeom prst="triangle">
@@ -4504,10 +4976,10 @@
         </p:sp>
         <p:sp>
           <p:nvSpPr>
-            <p:cNvPr id="96" name="Triangle 95">
+            <p:cNvPr id="46" name="Triangle 45">
               <a:extLst>
                 <a:ext uri="{FF2B5EF4-FFF2-40B4-BE49-F238E27FC236}">
-                  <a16:creationId xmlns:a16="http://schemas.microsoft.com/office/drawing/2014/main" id="{768A9250-426E-8B7D-2985-81031A147B3B}"/>
+                  <a16:creationId xmlns:a16="http://schemas.microsoft.com/office/drawing/2014/main" id="{344B5D71-22D6-940A-D1D6-4B4D54956BE7}"/>
                 </a:ext>
               </a:extLst>
             </p:cNvPr>
@@ -4515,8 +4987,8 @@
             <p:nvPr/>
           </p:nvSpPr>
           <p:spPr>
-            <a:xfrm rot="5754988">
-              <a:off x="6441836" y="6080948"/>
+            <a:xfrm rot="5220350">
+              <a:off x="6451361" y="701650"/>
               <a:ext cx="9144" cy="9144"/>
             </a:xfrm>
             <a:prstGeom prst="triangle">
@@ -4550,10 +5022,10 @@
         </p:sp>
         <p:sp>
           <p:nvSpPr>
-            <p:cNvPr id="97" name="Triangle 96">
+            <p:cNvPr id="47" name="Triangle 46">
               <a:extLst>
                 <a:ext uri="{FF2B5EF4-FFF2-40B4-BE49-F238E27FC236}">
-                  <a16:creationId xmlns:a16="http://schemas.microsoft.com/office/drawing/2014/main" id="{B8185AF9-34AC-B686-46C7-6857AA039799}"/>
+                  <a16:creationId xmlns:a16="http://schemas.microsoft.com/office/drawing/2014/main" id="{13A11604-9811-DA4D-BAAA-74CEC997B612}"/>
                 </a:ext>
               </a:extLst>
             </p:cNvPr>
@@ -4561,8 +5033,8 @@
             <p:nvPr/>
           </p:nvSpPr>
           <p:spPr>
-            <a:xfrm rot="10003836">
-              <a:off x="6076882" y="6392855"/>
+            <a:xfrm rot="199882">
+              <a:off x="5883207" y="378557"/>
               <a:ext cx="9144" cy="9144"/>
             </a:xfrm>
             <a:prstGeom prst="triangle">
@@ -4596,10 +5068,10 @@
         </p:sp>
         <p:sp>
           <p:nvSpPr>
-            <p:cNvPr id="98" name="Triangle 97">
+            <p:cNvPr id="48" name="Triangle 47">
               <a:extLst>
                 <a:ext uri="{FF2B5EF4-FFF2-40B4-BE49-F238E27FC236}">
-                  <a16:creationId xmlns:a16="http://schemas.microsoft.com/office/drawing/2014/main" id="{F510031F-E701-2729-6FF9-6A4F40F605DC}"/>
+                  <a16:creationId xmlns:a16="http://schemas.microsoft.com/office/drawing/2014/main" id="{18926FCF-10EC-2036-E7AC-17701D905915}"/>
                 </a:ext>
               </a:extLst>
             </p:cNvPr>
@@ -4607,8 +5079,8 @@
             <p:nvPr/>
           </p:nvSpPr>
           <p:spPr>
-            <a:xfrm rot="14627869">
-              <a:off x="5615091" y="6210767"/>
+            <a:xfrm rot="14694118">
+              <a:off x="5361091" y="885444"/>
               <a:ext cx="9144" cy="9144"/>
             </a:xfrm>
             <a:prstGeom prst="triangle">
@@ -4642,10 +5114,10 @@
         </p:sp>
         <p:sp>
           <p:nvSpPr>
-            <p:cNvPr id="99" name="TextBox 98">
+            <p:cNvPr id="49" name="TextBox 48">
               <a:extLst>
                 <a:ext uri="{FF2B5EF4-FFF2-40B4-BE49-F238E27FC236}">
-                  <a16:creationId xmlns:a16="http://schemas.microsoft.com/office/drawing/2014/main" id="{7CC2ABB6-60CE-E921-E1F4-A5A4D355574C}"/>
+                  <a16:creationId xmlns:a16="http://schemas.microsoft.com/office/drawing/2014/main" id="{D2CFD182-D791-E7A2-8B54-EDF948F803D7}"/>
                 </a:ext>
               </a:extLst>
             </p:cNvPr>
@@ -4654,7 +5126,7 @@
           </p:nvSpPr>
           <p:spPr>
             <a:xfrm>
-              <a:off x="6090795" y="5596477"/>
+              <a:off x="6395799" y="573169"/>
               <a:ext cx="266420" cy="169277"/>
             </a:xfrm>
             <a:prstGeom prst="rect">
@@ -4684,10 +5156,10 @@
         </p:sp>
         <p:sp>
           <p:nvSpPr>
-            <p:cNvPr id="100" name="TextBox 99">
+            <p:cNvPr id="50" name="TextBox 49">
               <a:extLst>
                 <a:ext uri="{FF2B5EF4-FFF2-40B4-BE49-F238E27FC236}">
-                  <a16:creationId xmlns:a16="http://schemas.microsoft.com/office/drawing/2014/main" id="{DE0ADC6E-D22C-48C8-409F-37147487A516}"/>
+                  <a16:creationId xmlns:a16="http://schemas.microsoft.com/office/drawing/2014/main" id="{D74995E3-0E3A-F4D5-5708-366D42CA7711}"/>
                 </a:ext>
               </a:extLst>
             </p:cNvPr>
@@ -4696,8 +5168,8 @@
           </p:nvSpPr>
           <p:spPr>
             <a:xfrm>
-              <a:off x="6211178" y="6090539"/>
-              <a:ext cx="357790" cy="169277"/>
+              <a:off x="6296293" y="726819"/>
+              <a:ext cx="357483" cy="169277"/>
             </a:xfrm>
             <a:prstGeom prst="rect">
               <a:avLst/>
@@ -4705,7 +5177,7 @@
             <a:noFill/>
           </p:spPr>
           <p:txBody>
-            <a:bodyPr wrap="none" rtlCol="0">
+            <a:bodyPr wrap="square" rtlCol="0">
               <a:spAutoFit/>
             </a:bodyPr>
             <a:lstStyle/>
@@ -4722,10 +5194,10 @@
         </p:sp>
         <p:sp>
           <p:nvSpPr>
-            <p:cNvPr id="101" name="TextBox 100">
+            <p:cNvPr id="51" name="TextBox 50">
               <a:extLst>
                 <a:ext uri="{FF2B5EF4-FFF2-40B4-BE49-F238E27FC236}">
-                  <a16:creationId xmlns:a16="http://schemas.microsoft.com/office/drawing/2014/main" id="{0F7F4612-2F23-AC53-0972-5F7ADB6F9859}"/>
+                  <a16:creationId xmlns:a16="http://schemas.microsoft.com/office/drawing/2014/main" id="{56EA38EE-D402-1290-F174-82B4D80DE706}"/>
                 </a:ext>
               </a:extLst>
             </p:cNvPr>
@@ -4734,49 +5206,7 @@
           </p:nvSpPr>
           <p:spPr>
             <a:xfrm>
-              <a:off x="5942683" y="6363250"/>
-              <a:ext cx="474810" cy="169277"/>
-            </a:xfrm>
-            <a:prstGeom prst="rect">
-              <a:avLst/>
-            </a:prstGeom>
-            <a:noFill/>
-          </p:spPr>
-          <p:txBody>
-            <a:bodyPr wrap="none" rtlCol="0">
-              <a:spAutoFit/>
-            </a:bodyPr>
-            <a:lstStyle/>
-            <a:p>
-              <a:r>
-                <a:rPr lang="en-US" sz="500" dirty="0" err="1">
-                  <a:latin typeface="Arial" panose="020B0604020202020204" pitchFamily="34" charset="0"/>
-                  <a:cs typeface="Arial" panose="020B0604020202020204" pitchFamily="34" charset="0"/>
-                </a:rPr>
-                <a:t>seedmass</a:t>
-              </a:r>
-              <a:endParaRPr lang="en-US" sz="500" dirty="0">
-                <a:latin typeface="Arial" panose="020B0604020202020204" pitchFamily="34" charset="0"/>
-                <a:cs typeface="Arial" panose="020B0604020202020204" pitchFamily="34" charset="0"/>
-              </a:endParaRPr>
-            </a:p>
-          </p:txBody>
-        </p:sp>
-        <p:sp>
-          <p:nvSpPr>
-            <p:cNvPr id="102" name="TextBox 101">
-              <a:extLst>
-                <a:ext uri="{FF2B5EF4-FFF2-40B4-BE49-F238E27FC236}">
-                  <a16:creationId xmlns:a16="http://schemas.microsoft.com/office/drawing/2014/main" id="{DD8E5077-EBC3-ABAF-2032-02AE614C1918}"/>
-                </a:ext>
-              </a:extLst>
-            </p:cNvPr>
-            <p:cNvSpPr txBox="1"/>
-            <p:nvPr/>
-          </p:nvSpPr>
-          <p:spPr>
-            <a:xfrm>
-              <a:off x="5275348" y="6188671"/>
+              <a:off x="5106102" y="862457"/>
               <a:ext cx="531281" cy="169277"/>
             </a:xfrm>
             <a:prstGeom prst="rect">
@@ -4801,375 +5231,354 @@
           </p:txBody>
         </p:sp>
       </p:grpSp>
-      <p:grpSp>
-        <p:nvGrpSpPr>
-          <p:cNvPr id="112" name="Group 111">
-            <a:extLst>
-              <a:ext uri="{FF2B5EF4-FFF2-40B4-BE49-F238E27FC236}">
-                <a16:creationId xmlns:a16="http://schemas.microsoft.com/office/drawing/2014/main" id="{55B62FE3-8FAF-0AE0-42E6-2B181C7C81BF}"/>
-              </a:ext>
-            </a:extLst>
-          </p:cNvPr>
-          <p:cNvGrpSpPr/>
+      <p:sp>
+        <p:nvSpPr>
+          <p:cNvPr id="62" name="TextBox 61">
+            <a:extLst>
+              <a:ext uri="{FF2B5EF4-FFF2-40B4-BE49-F238E27FC236}">
+                <a16:creationId xmlns:a16="http://schemas.microsoft.com/office/drawing/2014/main" id="{903F9A38-DC3E-1E35-35D9-16DE7EBC612D}"/>
+              </a:ext>
+            </a:extLst>
+          </p:cNvPr>
+          <p:cNvSpPr txBox="1"/>
           <p:nvPr/>
-        </p:nvGrpSpPr>
-        <p:grpSpPr>
+        </p:nvSpPr>
+        <p:spPr>
           <a:xfrm>
-            <a:off x="5122948" y="175904"/>
-            <a:ext cx="1479746" cy="1004561"/>
-            <a:chOff x="5275348" y="5596477"/>
-            <a:chExt cx="1479746" cy="1004561"/>
+            <a:off x="5653869" y="5480627"/>
+            <a:ext cx="474810" cy="169277"/>
           </a:xfrm>
-        </p:grpSpPr>
-        <p:sp>
-          <p:nvSpPr>
-            <p:cNvPr id="113" name="Triangle 112">
-              <a:extLst>
-                <a:ext uri="{FF2B5EF4-FFF2-40B4-BE49-F238E27FC236}">
-                  <a16:creationId xmlns:a16="http://schemas.microsoft.com/office/drawing/2014/main" id="{8FF68131-3668-45AE-3353-E06442153415}"/>
-                </a:ext>
-              </a:extLst>
-            </p:cNvPr>
-            <p:cNvSpPr/>
-            <p:nvPr/>
-          </p:nvSpPr>
-          <p:spPr>
-            <a:xfrm rot="2323870">
-              <a:off x="6270844" y="5737225"/>
-              <a:ext cx="9144" cy="9144"/>
-            </a:xfrm>
-            <a:prstGeom prst="triangle">
-              <a:avLst/>
-            </a:prstGeom>
-          </p:spPr>
-          <p:style>
-            <a:lnRef idx="2">
-              <a:schemeClr val="accent1">
-                <a:shade val="15000"/>
-              </a:schemeClr>
-            </a:lnRef>
-            <a:fillRef idx="1">
-              <a:schemeClr val="accent1"/>
-            </a:fillRef>
-            <a:effectRef idx="0">
-              <a:schemeClr val="accent1"/>
-            </a:effectRef>
-            <a:fontRef idx="minor">
-              <a:schemeClr val="lt1"/>
-            </a:fontRef>
-          </p:style>
-          <p:txBody>
-            <a:bodyPr rtlCol="0" anchor="ctr"/>
-            <a:lstStyle/>
-            <a:p>
-              <a:pPr algn="ctr"/>
-              <a:endParaRPr lang="en-US"/>
-            </a:p>
-          </p:txBody>
-        </p:sp>
-        <p:sp>
-          <p:nvSpPr>
-            <p:cNvPr id="114" name="Triangle 113">
-              <a:extLst>
-                <a:ext uri="{FF2B5EF4-FFF2-40B4-BE49-F238E27FC236}">
-                  <a16:creationId xmlns:a16="http://schemas.microsoft.com/office/drawing/2014/main" id="{C48AB2C6-EEB9-C696-3623-8B7E2EA2E938}"/>
-                </a:ext>
-              </a:extLst>
-            </p:cNvPr>
-            <p:cNvSpPr/>
-            <p:nvPr/>
-          </p:nvSpPr>
-          <p:spPr>
-            <a:xfrm rot="5754988">
-              <a:off x="6441836" y="6080948"/>
-              <a:ext cx="9144" cy="9144"/>
-            </a:xfrm>
-            <a:prstGeom prst="triangle">
-              <a:avLst/>
-            </a:prstGeom>
-          </p:spPr>
-          <p:style>
-            <a:lnRef idx="2">
-              <a:schemeClr val="accent1">
-                <a:shade val="15000"/>
-              </a:schemeClr>
-            </a:lnRef>
-            <a:fillRef idx="1">
-              <a:schemeClr val="accent1"/>
-            </a:fillRef>
-            <a:effectRef idx="0">
-              <a:schemeClr val="accent1"/>
-            </a:effectRef>
-            <a:fontRef idx="minor">
-              <a:schemeClr val="lt1"/>
-            </a:fontRef>
-          </p:style>
-          <p:txBody>
-            <a:bodyPr rtlCol="0" anchor="ctr"/>
-            <a:lstStyle/>
-            <a:p>
-              <a:pPr algn="ctr"/>
-              <a:endParaRPr lang="en-US"/>
-            </a:p>
-          </p:txBody>
-        </p:sp>
-        <p:sp>
-          <p:nvSpPr>
-            <p:cNvPr id="115" name="Triangle 114">
-              <a:extLst>
-                <a:ext uri="{FF2B5EF4-FFF2-40B4-BE49-F238E27FC236}">
-                  <a16:creationId xmlns:a16="http://schemas.microsoft.com/office/drawing/2014/main" id="{F98B9AB3-8B97-CA3F-8735-A12F85522DC8}"/>
-                </a:ext>
-              </a:extLst>
-            </p:cNvPr>
-            <p:cNvSpPr/>
-            <p:nvPr/>
-          </p:nvSpPr>
-          <p:spPr>
-            <a:xfrm rot="10003836">
-              <a:off x="6076882" y="6392855"/>
-              <a:ext cx="9144" cy="9144"/>
-            </a:xfrm>
-            <a:prstGeom prst="triangle">
-              <a:avLst/>
-            </a:prstGeom>
-          </p:spPr>
-          <p:style>
-            <a:lnRef idx="2">
-              <a:schemeClr val="accent1">
-                <a:shade val="15000"/>
-              </a:schemeClr>
-            </a:lnRef>
-            <a:fillRef idx="1">
-              <a:schemeClr val="accent1"/>
-            </a:fillRef>
-            <a:effectRef idx="0">
-              <a:schemeClr val="accent1"/>
-            </a:effectRef>
-            <a:fontRef idx="minor">
-              <a:schemeClr val="lt1"/>
-            </a:fontRef>
-          </p:style>
-          <p:txBody>
-            <a:bodyPr rtlCol="0" anchor="ctr"/>
-            <a:lstStyle/>
-            <a:p>
-              <a:pPr algn="ctr"/>
-              <a:endParaRPr lang="en-US"/>
-            </a:p>
-          </p:txBody>
-        </p:sp>
-        <p:sp>
-          <p:nvSpPr>
-            <p:cNvPr id="116" name="Triangle 115">
-              <a:extLst>
-                <a:ext uri="{FF2B5EF4-FFF2-40B4-BE49-F238E27FC236}">
-                  <a16:creationId xmlns:a16="http://schemas.microsoft.com/office/drawing/2014/main" id="{FE32C64B-1FD2-3ABD-E242-17CED2A7EBAB}"/>
-                </a:ext>
-              </a:extLst>
-            </p:cNvPr>
-            <p:cNvSpPr/>
-            <p:nvPr/>
-          </p:nvSpPr>
-          <p:spPr>
-            <a:xfrm rot="14627869">
-              <a:off x="5615091" y="6210767"/>
-              <a:ext cx="9144" cy="9144"/>
-            </a:xfrm>
-            <a:prstGeom prst="triangle">
-              <a:avLst/>
-            </a:prstGeom>
-          </p:spPr>
-          <p:style>
-            <a:lnRef idx="2">
-              <a:schemeClr val="accent1">
-                <a:shade val="15000"/>
-              </a:schemeClr>
-            </a:lnRef>
-            <a:fillRef idx="1">
-              <a:schemeClr val="accent1"/>
-            </a:fillRef>
-            <a:effectRef idx="0">
-              <a:schemeClr val="accent1"/>
-            </a:effectRef>
-            <a:fontRef idx="minor">
-              <a:schemeClr val="lt1"/>
-            </a:fontRef>
-          </p:style>
-          <p:txBody>
-            <a:bodyPr rtlCol="0" anchor="ctr"/>
-            <a:lstStyle/>
-            <a:p>
-              <a:pPr algn="ctr"/>
-              <a:endParaRPr lang="en-US"/>
-            </a:p>
-          </p:txBody>
-        </p:sp>
-        <p:sp>
-          <p:nvSpPr>
-            <p:cNvPr id="117" name="TextBox 116">
-              <a:extLst>
-                <a:ext uri="{FF2B5EF4-FFF2-40B4-BE49-F238E27FC236}">
-                  <a16:creationId xmlns:a16="http://schemas.microsoft.com/office/drawing/2014/main" id="{226C208B-3A80-906B-6ED9-28112E510036}"/>
-                </a:ext>
-              </a:extLst>
-            </p:cNvPr>
-            <p:cNvSpPr txBox="1"/>
-            <p:nvPr/>
-          </p:nvSpPr>
-          <p:spPr>
-            <a:xfrm>
-              <a:off x="6090795" y="5596477"/>
-              <a:ext cx="266420" cy="169277"/>
-            </a:xfrm>
-            <a:prstGeom prst="rect">
-              <a:avLst/>
-            </a:prstGeom>
-            <a:noFill/>
-          </p:spPr>
-          <p:txBody>
-            <a:bodyPr wrap="none" rtlCol="0">
-              <a:spAutoFit/>
-            </a:bodyPr>
-            <a:lstStyle/>
-            <a:p>
-              <a:r>
-                <a:rPr lang="en-US" sz="500" dirty="0" err="1">
-                  <a:latin typeface="Arial" panose="020B0604020202020204" pitchFamily="34" charset="0"/>
-                  <a:cs typeface="Arial" panose="020B0604020202020204" pitchFamily="34" charset="0"/>
-                </a:rPr>
-                <a:t>sla</a:t>
-              </a:r>
-              <a:endParaRPr lang="en-US" sz="500" dirty="0">
+          <a:prstGeom prst="rect">
+            <a:avLst/>
+          </a:prstGeom>
+          <a:noFill/>
+        </p:spPr>
+        <p:txBody>
+          <a:bodyPr wrap="none" rtlCol="0">
+            <a:spAutoFit/>
+          </a:bodyPr>
+          <a:lstStyle/>
+          <a:p>
+            <a:r>
+              <a:rPr lang="en-US" sz="500" dirty="0" err="1">
                 <a:latin typeface="Arial" panose="020B0604020202020204" pitchFamily="34" charset="0"/>
                 <a:cs typeface="Arial" panose="020B0604020202020204" pitchFamily="34" charset="0"/>
-              </a:endParaRPr>
-            </a:p>
-          </p:txBody>
-        </p:sp>
-        <p:sp>
-          <p:nvSpPr>
-            <p:cNvPr id="118" name="TextBox 117">
-              <a:extLst>
-                <a:ext uri="{FF2B5EF4-FFF2-40B4-BE49-F238E27FC236}">
-                  <a16:creationId xmlns:a16="http://schemas.microsoft.com/office/drawing/2014/main" id="{832F201D-15EE-41BD-81FD-22D8F8295607}"/>
-                </a:ext>
-              </a:extLst>
-            </p:cNvPr>
-            <p:cNvSpPr txBox="1"/>
-            <p:nvPr/>
-          </p:nvSpPr>
-          <p:spPr>
-            <a:xfrm>
-              <a:off x="6397304" y="5995862"/>
-              <a:ext cx="357790" cy="169277"/>
-            </a:xfrm>
-            <a:prstGeom prst="rect">
-              <a:avLst/>
-            </a:prstGeom>
-            <a:noFill/>
-          </p:spPr>
-          <p:txBody>
-            <a:bodyPr wrap="none" rtlCol="0">
-              <a:spAutoFit/>
-            </a:bodyPr>
-            <a:lstStyle/>
-            <a:p>
-              <a:r>
-                <a:rPr lang="en-US" sz="500" dirty="0">
-                  <a:latin typeface="Arial" panose="020B0604020202020204" pitchFamily="34" charset="0"/>
-                  <a:cs typeface="Arial" panose="020B0604020202020204" pitchFamily="34" charset="0"/>
-                </a:rPr>
-                <a:t>height</a:t>
-              </a:r>
-            </a:p>
-          </p:txBody>
-        </p:sp>
-        <p:sp>
-          <p:nvSpPr>
-            <p:cNvPr id="119" name="TextBox 118">
-              <a:extLst>
-                <a:ext uri="{FF2B5EF4-FFF2-40B4-BE49-F238E27FC236}">
-                  <a16:creationId xmlns:a16="http://schemas.microsoft.com/office/drawing/2014/main" id="{C55ECE24-8FE4-C9AF-C5F0-5ADC3470DD81}"/>
-                </a:ext>
-              </a:extLst>
-            </p:cNvPr>
-            <p:cNvSpPr txBox="1"/>
-            <p:nvPr/>
-          </p:nvSpPr>
-          <p:spPr>
-            <a:xfrm>
-              <a:off x="5882405" y="6431761"/>
-              <a:ext cx="474810" cy="169277"/>
-            </a:xfrm>
-            <a:prstGeom prst="rect">
-              <a:avLst/>
-            </a:prstGeom>
-            <a:noFill/>
-          </p:spPr>
-          <p:txBody>
-            <a:bodyPr wrap="none" rtlCol="0">
-              <a:spAutoFit/>
-            </a:bodyPr>
-            <a:lstStyle/>
-            <a:p>
-              <a:r>
-                <a:rPr lang="en-US" sz="500" dirty="0" err="1">
-                  <a:latin typeface="Arial" panose="020B0604020202020204" pitchFamily="34" charset="0"/>
-                  <a:cs typeface="Arial" panose="020B0604020202020204" pitchFamily="34" charset="0"/>
-                </a:rPr>
-                <a:t>seedmass</a:t>
-              </a:r>
-              <a:endParaRPr lang="en-US" sz="500" dirty="0">
+              </a:rPr>
+              <a:t>seedmass</a:t>
+            </a:r>
+            <a:endParaRPr lang="en-US" sz="500" dirty="0">
+              <a:latin typeface="Arial" panose="020B0604020202020204" pitchFamily="34" charset="0"/>
+              <a:cs typeface="Arial" panose="020B0604020202020204" pitchFamily="34" charset="0"/>
+            </a:endParaRPr>
+          </a:p>
+        </p:txBody>
+      </p:sp>
+      <p:sp>
+        <p:nvSpPr>
+          <p:cNvPr id="63" name="Triangle 62">
+            <a:extLst>
+              <a:ext uri="{FF2B5EF4-FFF2-40B4-BE49-F238E27FC236}">
+                <a16:creationId xmlns:a16="http://schemas.microsoft.com/office/drawing/2014/main" id="{A50C3F5F-0E3F-45BC-E27B-BDE599A86221}"/>
+              </a:ext>
+            </a:extLst>
+          </p:cNvPr>
+          <p:cNvSpPr/>
+          <p:nvPr/>
+        </p:nvSpPr>
+        <p:spPr>
+          <a:xfrm rot="5787901">
+            <a:off x="6454416" y="6015022"/>
+            <a:ext cx="9144" cy="9144"/>
+          </a:xfrm>
+          <a:prstGeom prst="triangle">
+            <a:avLst/>
+          </a:prstGeom>
+        </p:spPr>
+        <p:style>
+          <a:lnRef idx="2">
+            <a:schemeClr val="accent1">
+              <a:shade val="15000"/>
+            </a:schemeClr>
+          </a:lnRef>
+          <a:fillRef idx="1">
+            <a:schemeClr val="accent1"/>
+          </a:fillRef>
+          <a:effectRef idx="0">
+            <a:schemeClr val="accent1"/>
+          </a:effectRef>
+          <a:fontRef idx="minor">
+            <a:schemeClr val="lt1"/>
+          </a:fontRef>
+        </p:style>
+        <p:txBody>
+          <a:bodyPr rtlCol="0" anchor="ctr"/>
+          <a:lstStyle/>
+          <a:p>
+            <a:pPr algn="ctr"/>
+            <a:endParaRPr lang="en-US"/>
+          </a:p>
+        </p:txBody>
+      </p:sp>
+      <p:sp>
+        <p:nvSpPr>
+          <p:cNvPr id="64" name="Triangle 63">
+            <a:extLst>
+              <a:ext uri="{FF2B5EF4-FFF2-40B4-BE49-F238E27FC236}">
+                <a16:creationId xmlns:a16="http://schemas.microsoft.com/office/drawing/2014/main" id="{393D8C70-6E1D-8983-E5BD-6A8524C56B9B}"/>
+              </a:ext>
+            </a:extLst>
+          </p:cNvPr>
+          <p:cNvSpPr/>
+          <p:nvPr/>
+        </p:nvSpPr>
+        <p:spPr>
+          <a:xfrm rot="5220350">
+            <a:off x="6450596" y="5967505"/>
+            <a:ext cx="9144" cy="9144"/>
+          </a:xfrm>
+          <a:prstGeom prst="triangle">
+            <a:avLst/>
+          </a:prstGeom>
+        </p:spPr>
+        <p:style>
+          <a:lnRef idx="2">
+            <a:schemeClr val="accent1">
+              <a:shade val="15000"/>
+            </a:schemeClr>
+          </a:lnRef>
+          <a:fillRef idx="1">
+            <a:schemeClr val="accent1"/>
+          </a:fillRef>
+          <a:effectRef idx="0">
+            <a:schemeClr val="accent1"/>
+          </a:effectRef>
+          <a:fontRef idx="minor">
+            <a:schemeClr val="lt1"/>
+          </a:fontRef>
+        </p:style>
+        <p:txBody>
+          <a:bodyPr rtlCol="0" anchor="ctr"/>
+          <a:lstStyle/>
+          <a:p>
+            <a:pPr algn="ctr"/>
+            <a:endParaRPr lang="en-US"/>
+          </a:p>
+        </p:txBody>
+      </p:sp>
+      <p:sp>
+        <p:nvSpPr>
+          <p:cNvPr id="65" name="Triangle 64">
+            <a:extLst>
+              <a:ext uri="{FF2B5EF4-FFF2-40B4-BE49-F238E27FC236}">
+                <a16:creationId xmlns:a16="http://schemas.microsoft.com/office/drawing/2014/main" id="{461CD3BF-3FA3-3140-1D74-323AB8CE4E65}"/>
+              </a:ext>
+            </a:extLst>
+          </p:cNvPr>
+          <p:cNvSpPr/>
+          <p:nvPr/>
+        </p:nvSpPr>
+        <p:spPr>
+          <a:xfrm rot="199882">
+            <a:off x="5882442" y="5644412"/>
+            <a:ext cx="9144" cy="9144"/>
+          </a:xfrm>
+          <a:prstGeom prst="triangle">
+            <a:avLst/>
+          </a:prstGeom>
+        </p:spPr>
+        <p:style>
+          <a:lnRef idx="2">
+            <a:schemeClr val="accent1">
+              <a:shade val="15000"/>
+            </a:schemeClr>
+          </a:lnRef>
+          <a:fillRef idx="1">
+            <a:schemeClr val="accent1"/>
+          </a:fillRef>
+          <a:effectRef idx="0">
+            <a:schemeClr val="accent1"/>
+          </a:effectRef>
+          <a:fontRef idx="minor">
+            <a:schemeClr val="lt1"/>
+          </a:fontRef>
+        </p:style>
+        <p:txBody>
+          <a:bodyPr rtlCol="0" anchor="ctr"/>
+          <a:lstStyle/>
+          <a:p>
+            <a:pPr algn="ctr"/>
+            <a:endParaRPr lang="en-US"/>
+          </a:p>
+        </p:txBody>
+      </p:sp>
+      <p:sp>
+        <p:nvSpPr>
+          <p:cNvPr id="66" name="Triangle 65">
+            <a:extLst>
+              <a:ext uri="{FF2B5EF4-FFF2-40B4-BE49-F238E27FC236}">
+                <a16:creationId xmlns:a16="http://schemas.microsoft.com/office/drawing/2014/main" id="{818D10D0-EE40-0F65-9424-E6C5F72BF1DD}"/>
+              </a:ext>
+            </a:extLst>
+          </p:cNvPr>
+          <p:cNvSpPr/>
+          <p:nvPr/>
+        </p:nvSpPr>
+        <p:spPr>
+          <a:xfrm rot="14694118">
+            <a:off x="5360326" y="6151299"/>
+            <a:ext cx="9144" cy="9144"/>
+          </a:xfrm>
+          <a:prstGeom prst="triangle">
+            <a:avLst/>
+          </a:prstGeom>
+        </p:spPr>
+        <p:style>
+          <a:lnRef idx="2">
+            <a:schemeClr val="accent1">
+              <a:shade val="15000"/>
+            </a:schemeClr>
+          </a:lnRef>
+          <a:fillRef idx="1">
+            <a:schemeClr val="accent1"/>
+          </a:fillRef>
+          <a:effectRef idx="0">
+            <a:schemeClr val="accent1"/>
+          </a:effectRef>
+          <a:fontRef idx="minor">
+            <a:schemeClr val="lt1"/>
+          </a:fontRef>
+        </p:style>
+        <p:txBody>
+          <a:bodyPr rtlCol="0" anchor="ctr"/>
+          <a:lstStyle/>
+          <a:p>
+            <a:pPr algn="ctr"/>
+            <a:endParaRPr lang="en-US"/>
+          </a:p>
+        </p:txBody>
+      </p:sp>
+      <p:sp>
+        <p:nvSpPr>
+          <p:cNvPr id="67" name="TextBox 66">
+            <a:extLst>
+              <a:ext uri="{FF2B5EF4-FFF2-40B4-BE49-F238E27FC236}">
+                <a16:creationId xmlns:a16="http://schemas.microsoft.com/office/drawing/2014/main" id="{E5E5789A-1C51-ED5A-09F9-C55CF7FB8532}"/>
+              </a:ext>
+            </a:extLst>
+          </p:cNvPr>
+          <p:cNvSpPr txBox="1"/>
+          <p:nvPr/>
+        </p:nvSpPr>
+        <p:spPr>
+          <a:xfrm>
+            <a:off x="6341059" y="5807605"/>
+            <a:ext cx="266420" cy="169277"/>
+          </a:xfrm>
+          <a:prstGeom prst="rect">
+            <a:avLst/>
+          </a:prstGeom>
+          <a:noFill/>
+        </p:spPr>
+        <p:txBody>
+          <a:bodyPr wrap="none" rtlCol="0">
+            <a:spAutoFit/>
+          </a:bodyPr>
+          <a:lstStyle/>
+          <a:p>
+            <a:r>
+              <a:rPr lang="en-US" sz="500" dirty="0" err="1">
                 <a:latin typeface="Arial" panose="020B0604020202020204" pitchFamily="34" charset="0"/>
                 <a:cs typeface="Arial" panose="020B0604020202020204" pitchFamily="34" charset="0"/>
-              </a:endParaRPr>
-            </a:p>
-          </p:txBody>
-        </p:sp>
-        <p:sp>
-          <p:nvSpPr>
-            <p:cNvPr id="120" name="TextBox 119">
-              <a:extLst>
-                <a:ext uri="{FF2B5EF4-FFF2-40B4-BE49-F238E27FC236}">
-                  <a16:creationId xmlns:a16="http://schemas.microsoft.com/office/drawing/2014/main" id="{8F9CC724-2A9A-3E2F-131E-F94D2D3682DA}"/>
-                </a:ext>
-              </a:extLst>
-            </p:cNvPr>
-            <p:cNvSpPr txBox="1"/>
-            <p:nvPr/>
-          </p:nvSpPr>
-          <p:spPr>
-            <a:xfrm>
-              <a:off x="5275348" y="6188671"/>
-              <a:ext cx="531281" cy="169277"/>
-            </a:xfrm>
-            <a:prstGeom prst="rect">
-              <a:avLst/>
-            </a:prstGeom>
-            <a:noFill/>
-          </p:spPr>
-          <p:txBody>
-            <a:bodyPr wrap="square" rtlCol="0">
-              <a:spAutoFit/>
-            </a:bodyPr>
-            <a:lstStyle/>
-            <a:p>
-              <a:r>
-                <a:rPr lang="en-US" sz="500" dirty="0">
-                  <a:latin typeface="Arial" panose="020B0604020202020204" pitchFamily="34" charset="0"/>
-                  <a:cs typeface="Arial" panose="020B0604020202020204" pitchFamily="34" charset="0"/>
-                </a:rPr>
-                <a:t>resprouting</a:t>
-              </a:r>
-            </a:p>
-          </p:txBody>
-        </p:sp>
-      </p:grpSp>
+              </a:rPr>
+              <a:t>sla</a:t>
+            </a:r>
+            <a:endParaRPr lang="en-US" sz="500" dirty="0">
+              <a:latin typeface="Arial" panose="020B0604020202020204" pitchFamily="34" charset="0"/>
+              <a:cs typeface="Arial" panose="020B0604020202020204" pitchFamily="34" charset="0"/>
+            </a:endParaRPr>
+          </a:p>
+        </p:txBody>
+      </p:sp>
+      <p:sp>
+        <p:nvSpPr>
+          <p:cNvPr id="68" name="TextBox 67">
+            <a:extLst>
+              <a:ext uri="{FF2B5EF4-FFF2-40B4-BE49-F238E27FC236}">
+                <a16:creationId xmlns:a16="http://schemas.microsoft.com/office/drawing/2014/main" id="{5B111A5E-ED0E-9F86-6B12-0F720BB9F583}"/>
+              </a:ext>
+            </a:extLst>
+          </p:cNvPr>
+          <p:cNvSpPr txBox="1"/>
+          <p:nvPr/>
+        </p:nvSpPr>
+        <p:spPr>
+          <a:xfrm>
+            <a:off x="6295528" y="5991950"/>
+            <a:ext cx="357483" cy="169277"/>
+          </a:xfrm>
+          <a:prstGeom prst="rect">
+            <a:avLst/>
+          </a:prstGeom>
+          <a:noFill/>
+        </p:spPr>
+        <p:txBody>
+          <a:bodyPr wrap="square" rtlCol="0">
+            <a:spAutoFit/>
+          </a:bodyPr>
+          <a:lstStyle/>
+          <a:p>
+            <a:r>
+              <a:rPr lang="en-US" sz="500" dirty="0">
+                <a:latin typeface="Arial" panose="020B0604020202020204" pitchFamily="34" charset="0"/>
+                <a:cs typeface="Arial" panose="020B0604020202020204" pitchFamily="34" charset="0"/>
+              </a:rPr>
+              <a:t>height</a:t>
+            </a:r>
+          </a:p>
+        </p:txBody>
+      </p:sp>
+      <p:sp>
+        <p:nvSpPr>
+          <p:cNvPr id="69" name="TextBox 68">
+            <a:extLst>
+              <a:ext uri="{FF2B5EF4-FFF2-40B4-BE49-F238E27FC236}">
+                <a16:creationId xmlns:a16="http://schemas.microsoft.com/office/drawing/2014/main" id="{98F01883-B82F-C7DA-0DD5-3C83C4A532E6}"/>
+              </a:ext>
+            </a:extLst>
+          </p:cNvPr>
+          <p:cNvSpPr txBox="1"/>
+          <p:nvPr/>
+        </p:nvSpPr>
+        <p:spPr>
+          <a:xfrm>
+            <a:off x="5105337" y="6128312"/>
+            <a:ext cx="531281" cy="169277"/>
+          </a:xfrm>
+          <a:prstGeom prst="rect">
+            <a:avLst/>
+          </a:prstGeom>
+          <a:noFill/>
+        </p:spPr>
+        <p:txBody>
+          <a:bodyPr wrap="square" rtlCol="0">
+            <a:spAutoFit/>
+          </a:bodyPr>
+          <a:lstStyle/>
+          <a:p>
+            <a:r>
+              <a:rPr lang="en-US" sz="500" dirty="0">
+                <a:latin typeface="Arial" panose="020B0604020202020204" pitchFamily="34" charset="0"/>
+                <a:cs typeface="Arial" panose="020B0604020202020204" pitchFamily="34" charset="0"/>
+              </a:rPr>
+              <a:t>resprouting</a:t>
+            </a:r>
+          </a:p>
+        </p:txBody>
+      </p:sp>
     </p:spTree>
     <p:extLst>
       <p:ext uri="{BB962C8B-B14F-4D97-AF65-F5344CB8AC3E}">
-        <p14:creationId xmlns:p14="http://schemas.microsoft.com/office/powerpoint/2010/main" val="3745888060"/>
+        <p14:creationId xmlns:p14="http://schemas.microsoft.com/office/powerpoint/2010/main" val="3985900938"/>
       </p:ext>
     </p:extLst>
   </p:cSld>
@@ -5492,4 +5901,319 @@
     </a:ext>
   </a:extLst>
 </a:theme>
+</file>
+
+<file path=ppt/theme/theme2.xml><?xml version="1.0" encoding="utf-8"?>
+<a:theme xmlns:a="http://schemas.openxmlformats.org/drawingml/2006/main" name="Office Theme">
+  <a:themeElements>
+    <a:clrScheme name="Office">
+      <a:dk1>
+        <a:sysClr val="windowText" lastClr="000000"/>
+      </a:dk1>
+      <a:lt1>
+        <a:sysClr val="window" lastClr="FFFFFF"/>
+      </a:lt1>
+      <a:dk2>
+        <a:srgbClr val="0E2841"/>
+      </a:dk2>
+      <a:lt2>
+        <a:srgbClr val="E8E8E8"/>
+      </a:lt2>
+      <a:accent1>
+        <a:srgbClr val="156082"/>
+      </a:accent1>
+      <a:accent2>
+        <a:srgbClr val="E97132"/>
+      </a:accent2>
+      <a:accent3>
+        <a:srgbClr val="196B24"/>
+      </a:accent3>
+      <a:accent4>
+        <a:srgbClr val="0F9ED5"/>
+      </a:accent4>
+      <a:accent5>
+        <a:srgbClr val="A02B93"/>
+      </a:accent5>
+      <a:accent6>
+        <a:srgbClr val="4EA72E"/>
+      </a:accent6>
+      <a:hlink>
+        <a:srgbClr val="467886"/>
+      </a:hlink>
+      <a:folHlink>
+        <a:srgbClr val="96607D"/>
+      </a:folHlink>
+    </a:clrScheme>
+    <a:fontScheme name="Office">
+      <a:majorFont>
+        <a:latin typeface="Aptos Display" panose="02110004020202020204"/>
+        <a:ea typeface=""/>
+        <a:cs typeface=""/>
+        <a:font script="Jpan" typeface="游ゴシック Light"/>
+        <a:font script="Hang" typeface="맑은 고딕"/>
+        <a:font script="Hans" typeface="等线 Light"/>
+        <a:font script="Hant" typeface="新細明體"/>
+        <a:font script="Arab" typeface="Times New Roman"/>
+        <a:font script="Hebr" typeface="Times New Roman"/>
+        <a:font script="Thai" typeface="Angsana New"/>
+        <a:font script="Ethi" typeface="Nyala"/>
+        <a:font script="Beng" typeface="Vrinda"/>
+        <a:font script="Gujr" typeface="Shruti"/>
+        <a:font script="Khmr" typeface="MoolBoran"/>
+        <a:font script="Knda" typeface="Tunga"/>
+        <a:font script="Guru" typeface="Raavi"/>
+        <a:font script="Cans" typeface="Euphemia"/>
+        <a:font script="Cher" typeface="Plantagenet Cherokee"/>
+        <a:font script="Yiii" typeface="Microsoft Yi Baiti"/>
+        <a:font script="Tibt" typeface="Microsoft Himalaya"/>
+        <a:font script="Thaa" typeface="MV Boli"/>
+        <a:font script="Deva" typeface="Mangal"/>
+        <a:font script="Telu" typeface="Gautami"/>
+        <a:font script="Taml" typeface="Latha"/>
+        <a:font script="Syrc" typeface="Estrangelo Edessa"/>
+        <a:font script="Orya" typeface="Kalinga"/>
+        <a:font script="Mlym" typeface="Kartika"/>
+        <a:font script="Laoo" typeface="DokChampa"/>
+        <a:font script="Sinh" typeface="Iskoola Pota"/>
+        <a:font script="Mong" typeface="Mongolian Baiti"/>
+        <a:font script="Viet" typeface="Times New Roman"/>
+        <a:font script="Uigh" typeface="Microsoft Uighur"/>
+        <a:font script="Geor" typeface="Sylfaen"/>
+        <a:font script="Armn" typeface="Arial"/>
+        <a:font script="Bugi" typeface="Leelawadee UI"/>
+        <a:font script="Bopo" typeface="Microsoft JhengHei"/>
+        <a:font script="Java" typeface="Javanese Text"/>
+        <a:font script="Lisu" typeface="Segoe UI"/>
+        <a:font script="Mymr" typeface="Myanmar Text"/>
+        <a:font script="Nkoo" typeface="Ebrima"/>
+        <a:font script="Olck" typeface="Nirmala UI"/>
+        <a:font script="Osma" typeface="Ebrima"/>
+        <a:font script="Phag" typeface="Phagspa"/>
+        <a:font script="Syrn" typeface="Estrangelo Edessa"/>
+        <a:font script="Syrj" typeface="Estrangelo Edessa"/>
+        <a:font script="Syre" typeface="Estrangelo Edessa"/>
+        <a:font script="Sora" typeface="Nirmala UI"/>
+        <a:font script="Tale" typeface="Microsoft Tai Le"/>
+        <a:font script="Talu" typeface="Microsoft New Tai Lue"/>
+        <a:font script="Tfng" typeface="Ebrima"/>
+      </a:majorFont>
+      <a:minorFont>
+        <a:latin typeface="Aptos" panose="02110004020202020204"/>
+        <a:ea typeface=""/>
+        <a:cs typeface=""/>
+        <a:font script="Jpan" typeface="游ゴシック"/>
+        <a:font script="Hang" typeface="맑은 고딕"/>
+        <a:font script="Hans" typeface="等线"/>
+        <a:font script="Hant" typeface="新細明體"/>
+        <a:font script="Arab" typeface="Arial"/>
+        <a:font script="Hebr" typeface="Arial"/>
+        <a:font script="Thai" typeface="Cordia New"/>
+        <a:font script="Ethi" typeface="Nyala"/>
+        <a:font script="Beng" typeface="Vrinda"/>
+        <a:font script="Gujr" typeface="Shruti"/>
+        <a:font script="Khmr" typeface="DaunPenh"/>
+        <a:font script="Knda" typeface="Tunga"/>
+        <a:font script="Guru" typeface="Raavi"/>
+        <a:font script="Cans" typeface="Euphemia"/>
+        <a:font script="Cher" typeface="Plantagenet Cherokee"/>
+        <a:font script="Yiii" typeface="Microsoft Yi Baiti"/>
+        <a:font script="Tibt" typeface="Microsoft Himalaya"/>
+        <a:font script="Thaa" typeface="MV Boli"/>
+        <a:font script="Deva" typeface="Mangal"/>
+        <a:font script="Telu" typeface="Gautami"/>
+        <a:font script="Taml" typeface="Latha"/>
+        <a:font script="Syrc" typeface="Estrangelo Edessa"/>
+        <a:font script="Orya" typeface="Kalinga"/>
+        <a:font script="Mlym" typeface="Kartika"/>
+        <a:font script="Laoo" typeface="DokChampa"/>
+        <a:font script="Sinh" typeface="Iskoola Pota"/>
+        <a:font script="Mong" typeface="Mongolian Baiti"/>
+        <a:font script="Viet" typeface="Arial"/>
+        <a:font script="Uigh" typeface="Microsoft Uighur"/>
+        <a:font script="Geor" typeface="Sylfaen"/>
+        <a:font script="Armn" typeface="Arial"/>
+        <a:font script="Bugi" typeface="Leelawadee UI"/>
+        <a:font script="Bopo" typeface="Microsoft JhengHei"/>
+        <a:font script="Java" typeface="Javanese Text"/>
+        <a:font script="Lisu" typeface="Segoe UI"/>
+        <a:font script="Mymr" typeface="Myanmar Text"/>
+        <a:font script="Nkoo" typeface="Ebrima"/>
+        <a:font script="Olck" typeface="Nirmala UI"/>
+        <a:font script="Osma" typeface="Ebrima"/>
+        <a:font script="Phag" typeface="Phagspa"/>
+        <a:font script="Syrn" typeface="Estrangelo Edessa"/>
+        <a:font script="Syrj" typeface="Estrangelo Edessa"/>
+        <a:font script="Syre" typeface="Estrangelo Edessa"/>
+        <a:font script="Sora" typeface="Nirmala UI"/>
+        <a:font script="Tale" typeface="Microsoft Tai Le"/>
+        <a:font script="Talu" typeface="Microsoft New Tai Lue"/>
+        <a:font script="Tfng" typeface="Ebrima"/>
+      </a:minorFont>
+    </a:fontScheme>
+    <a:fmtScheme name="Office">
+      <a:fillStyleLst>
+        <a:solidFill>
+          <a:schemeClr val="phClr"/>
+        </a:solidFill>
+        <a:gradFill rotWithShape="1">
+          <a:gsLst>
+            <a:gs pos="0">
+              <a:schemeClr val="phClr">
+                <a:lumMod val="110000"/>
+                <a:satMod val="105000"/>
+                <a:tint val="67000"/>
+              </a:schemeClr>
+            </a:gs>
+            <a:gs pos="50000">
+              <a:schemeClr val="phClr">
+                <a:lumMod val="105000"/>
+                <a:satMod val="103000"/>
+                <a:tint val="73000"/>
+              </a:schemeClr>
+            </a:gs>
+            <a:gs pos="100000">
+              <a:schemeClr val="phClr">
+                <a:lumMod val="105000"/>
+                <a:satMod val="109000"/>
+                <a:tint val="81000"/>
+              </a:schemeClr>
+            </a:gs>
+          </a:gsLst>
+          <a:lin ang="5400000" scaled="0"/>
+        </a:gradFill>
+        <a:gradFill rotWithShape="1">
+          <a:gsLst>
+            <a:gs pos="0">
+              <a:schemeClr val="phClr">
+                <a:satMod val="103000"/>
+                <a:lumMod val="102000"/>
+                <a:tint val="94000"/>
+              </a:schemeClr>
+            </a:gs>
+            <a:gs pos="50000">
+              <a:schemeClr val="phClr">
+                <a:satMod val="110000"/>
+                <a:lumMod val="100000"/>
+                <a:shade val="100000"/>
+              </a:schemeClr>
+            </a:gs>
+            <a:gs pos="100000">
+              <a:schemeClr val="phClr">
+                <a:lumMod val="99000"/>
+                <a:satMod val="120000"/>
+                <a:shade val="78000"/>
+              </a:schemeClr>
+            </a:gs>
+          </a:gsLst>
+          <a:lin ang="5400000" scaled="0"/>
+        </a:gradFill>
+      </a:fillStyleLst>
+      <a:lnStyleLst>
+        <a:ln w="12700" cap="flat" cmpd="sng" algn="ctr">
+          <a:solidFill>
+            <a:schemeClr val="phClr"/>
+          </a:solidFill>
+          <a:prstDash val="solid"/>
+          <a:miter lim="800000"/>
+        </a:ln>
+        <a:ln w="19050" cap="flat" cmpd="sng" algn="ctr">
+          <a:solidFill>
+            <a:schemeClr val="phClr"/>
+          </a:solidFill>
+          <a:prstDash val="solid"/>
+          <a:miter lim="800000"/>
+        </a:ln>
+        <a:ln w="25400" cap="flat" cmpd="sng" algn="ctr">
+          <a:solidFill>
+            <a:schemeClr val="phClr"/>
+          </a:solidFill>
+          <a:prstDash val="solid"/>
+          <a:miter lim="800000"/>
+        </a:ln>
+      </a:lnStyleLst>
+      <a:effectStyleLst>
+        <a:effectStyle>
+          <a:effectLst/>
+        </a:effectStyle>
+        <a:effectStyle>
+          <a:effectLst/>
+        </a:effectStyle>
+        <a:effectStyle>
+          <a:effectLst>
+            <a:outerShdw blurRad="57150" dist="19050" dir="5400000" algn="ctr" rotWithShape="0">
+              <a:srgbClr val="000000">
+                <a:alpha val="63000"/>
+              </a:srgbClr>
+            </a:outerShdw>
+          </a:effectLst>
+        </a:effectStyle>
+      </a:effectStyleLst>
+      <a:bgFillStyleLst>
+        <a:solidFill>
+          <a:schemeClr val="phClr"/>
+        </a:solidFill>
+        <a:solidFill>
+          <a:schemeClr val="phClr">
+            <a:tint val="95000"/>
+            <a:satMod val="170000"/>
+          </a:schemeClr>
+        </a:solidFill>
+        <a:gradFill rotWithShape="1">
+          <a:gsLst>
+            <a:gs pos="0">
+              <a:schemeClr val="phClr">
+                <a:tint val="93000"/>
+                <a:satMod val="150000"/>
+                <a:shade val="98000"/>
+                <a:lumMod val="102000"/>
+              </a:schemeClr>
+            </a:gs>
+            <a:gs pos="50000">
+              <a:schemeClr val="phClr">
+                <a:tint val="98000"/>
+                <a:satMod val="130000"/>
+                <a:shade val="90000"/>
+                <a:lumMod val="103000"/>
+              </a:schemeClr>
+            </a:gs>
+            <a:gs pos="100000">
+              <a:schemeClr val="phClr">
+                <a:shade val="63000"/>
+                <a:satMod val="120000"/>
+              </a:schemeClr>
+            </a:gs>
+          </a:gsLst>
+          <a:lin ang="5400000" scaled="0"/>
+        </a:gradFill>
+      </a:bgFillStyleLst>
+    </a:fmtScheme>
+  </a:themeElements>
+  <a:objectDefaults>
+    <a:lnDef>
+      <a:spPr/>
+      <a:bodyPr/>
+      <a:lstStyle/>
+      <a:style>
+        <a:lnRef idx="2">
+          <a:schemeClr val="accent1"/>
+        </a:lnRef>
+        <a:fillRef idx="0">
+          <a:schemeClr val="accent1"/>
+        </a:fillRef>
+        <a:effectRef idx="1">
+          <a:schemeClr val="accent1"/>
+        </a:effectRef>
+        <a:fontRef idx="minor">
+          <a:schemeClr val="tx1"/>
+        </a:fontRef>
+      </a:style>
+    </a:lnDef>
+  </a:objectDefaults>
+  <a:extraClrSchemeLst/>
+  <a:extLst>
+    <a:ext uri="{05A4C25C-085E-4340-85A3-A5531E510DB2}">
+      <thm15:themeFamily xmlns:thm15="http://schemas.microsoft.com/office/thememl/2012/main" name="Office Theme" id="{2E142A2C-CD16-42D6-873A-C26D2A0506FA}" vid="{1BDDFF52-6CD6-40A5-AB3C-68EB2F1E4D0A}"/>
+    </a:ext>
+  </a:extLst>
+</a:theme>
 </file>
--- a/outputs/NMDS_figure.pptx
+++ b/outputs/NMDS_figure.pptx
@@ -5,10 +5,11 @@
     <p:sldMasterId id="2147483648" r:id="rId1"/>
   </p:sldMasterIdLst>
   <p:notesMasterIdLst>
-    <p:notesMasterId r:id="rId3"/>
+    <p:notesMasterId r:id="rId4"/>
   </p:notesMasterIdLst>
   <p:sldIdLst>
-    <p:sldId id="260" r:id="rId2"/>
+    <p:sldId id="261" r:id="rId2"/>
+    <p:sldId id="262" r:id="rId3"/>
   </p:sldIdLst>
   <p:sldSz cx="12192000" cy="6858000"/>
   <p:notesSz cx="6858000" cy="9144000"/>
@@ -197,7 +198,7 @@
           <a:p>
             <a:fld id="{3D6E7649-A075-9849-8836-20438D513992}" type="datetimeFigureOut">
               <a:rPr lang="en-US" smtClean="0"/>
-              <a:t>11/3/25</a:t>
+              <a:t>12/3/25</a:t>
             </a:fld>
             <a:endParaRPr lang="en-US"/>
           </a:p>
@@ -469,7 +470,13 @@
   <p:cSld>
     <p:spTree>
       <p:nvGrpSpPr>
-        <p:cNvPr id="1" name=""/>
+        <p:cNvPr id="1" name="">
+          <a:extLst>
+            <a:ext uri="{FF2B5EF4-FFF2-40B4-BE49-F238E27FC236}">
+              <a16:creationId xmlns:a16="http://schemas.microsoft.com/office/drawing/2014/main" id="{80FF9EBE-B90D-95F5-15CC-8396528A5DE7}"/>
+            </a:ext>
+          </a:extLst>
+        </p:cNvPr>
         <p:cNvGrpSpPr/>
         <p:nvPr/>
       </p:nvGrpSpPr>
@@ -483,7 +490,13 @@
       </p:grpSpPr>
       <p:sp>
         <p:nvSpPr>
-          <p:cNvPr id="2" name="Slide Image Placeholder 1"/>
+          <p:cNvPr id="2" name="Slide Image Placeholder 1">
+            <a:extLst>
+              <a:ext uri="{FF2B5EF4-FFF2-40B4-BE49-F238E27FC236}">
+                <a16:creationId xmlns:a16="http://schemas.microsoft.com/office/drawing/2014/main" id="{5364AA3B-6EF4-85B6-A1DE-B34469D34642}"/>
+              </a:ext>
+            </a:extLst>
+          </p:cNvPr>
           <p:cNvSpPr>
             <a:spLocks noGrp="1" noRot="1" noChangeAspect="1"/>
           </p:cNvSpPr>
@@ -495,7 +508,13 @@
       </p:sp>
       <p:sp>
         <p:nvSpPr>
-          <p:cNvPr id="3" name="Notes Placeholder 2"/>
+          <p:cNvPr id="3" name="Notes Placeholder 2">
+            <a:extLst>
+              <a:ext uri="{FF2B5EF4-FFF2-40B4-BE49-F238E27FC236}">
+                <a16:creationId xmlns:a16="http://schemas.microsoft.com/office/drawing/2014/main" id="{0025A8A1-E1CA-C450-401E-86E4412739D2}"/>
+              </a:ext>
+            </a:extLst>
+          </p:cNvPr>
           <p:cNvSpPr>
             <a:spLocks noGrp="1"/>
           </p:cNvSpPr>
@@ -514,7 +533,13 @@
       </p:sp>
       <p:sp>
         <p:nvSpPr>
-          <p:cNvPr id="4" name="Slide Number Placeholder 3"/>
+          <p:cNvPr id="4" name="Slide Number Placeholder 3">
+            <a:extLst>
+              <a:ext uri="{FF2B5EF4-FFF2-40B4-BE49-F238E27FC236}">
+                <a16:creationId xmlns:a16="http://schemas.microsoft.com/office/drawing/2014/main" id="{7D7D5DBD-3B7C-5888-D8D8-0EC62D197C81}"/>
+              </a:ext>
+            </a:extLst>
+          </p:cNvPr>
           <p:cNvSpPr>
             <a:spLocks noGrp="1"/>
           </p:cNvSpPr>
@@ -538,7 +563,7 @@
     </p:spTree>
     <p:extLst>
       <p:ext uri="{BB962C8B-B14F-4D97-AF65-F5344CB8AC3E}">
-        <p14:creationId xmlns:p14="http://schemas.microsoft.com/office/powerpoint/2010/main" val="1555283440"/>
+        <p14:creationId xmlns:p14="http://schemas.microsoft.com/office/powerpoint/2010/main" val="1684319002"/>
       </p:ext>
     </p:extLst>
   </p:cSld>
@@ -695,7 +720,7 @@
           <a:p>
             <a:fld id="{A40BE709-D9C8-E34C-9A0A-EE4CF8A46643}" type="datetimeFigureOut">
               <a:rPr lang="en-US" smtClean="0"/>
-              <a:t>11/3/25</a:t>
+              <a:t>12/3/25</a:t>
             </a:fld>
             <a:endParaRPr lang="en-US"/>
           </a:p>
@@ -893,7 +918,7 @@
           <a:p>
             <a:fld id="{A40BE709-D9C8-E34C-9A0A-EE4CF8A46643}" type="datetimeFigureOut">
               <a:rPr lang="en-US" smtClean="0"/>
-              <a:t>11/3/25</a:t>
+              <a:t>12/3/25</a:t>
             </a:fld>
             <a:endParaRPr lang="en-US"/>
           </a:p>
@@ -1101,7 +1126,7 @@
           <a:p>
             <a:fld id="{A40BE709-D9C8-E34C-9A0A-EE4CF8A46643}" type="datetimeFigureOut">
               <a:rPr lang="en-US" smtClean="0"/>
-              <a:t>11/3/25</a:t>
+              <a:t>12/3/25</a:t>
             </a:fld>
             <a:endParaRPr lang="en-US"/>
           </a:p>
@@ -1299,7 +1324,7 @@
           <a:p>
             <a:fld id="{A40BE709-D9C8-E34C-9A0A-EE4CF8A46643}" type="datetimeFigureOut">
               <a:rPr lang="en-US" smtClean="0"/>
-              <a:t>11/3/25</a:t>
+              <a:t>12/3/25</a:t>
             </a:fld>
             <a:endParaRPr lang="en-US"/>
           </a:p>
@@ -1574,7 +1599,7 @@
           <a:p>
             <a:fld id="{A40BE709-D9C8-E34C-9A0A-EE4CF8A46643}" type="datetimeFigureOut">
               <a:rPr lang="en-US" smtClean="0"/>
-              <a:t>11/3/25</a:t>
+              <a:t>12/3/25</a:t>
             </a:fld>
             <a:endParaRPr lang="en-US"/>
           </a:p>
@@ -1839,7 +1864,7 @@
           <a:p>
             <a:fld id="{A40BE709-D9C8-E34C-9A0A-EE4CF8A46643}" type="datetimeFigureOut">
               <a:rPr lang="en-US" smtClean="0"/>
-              <a:t>11/3/25</a:t>
+              <a:t>12/3/25</a:t>
             </a:fld>
             <a:endParaRPr lang="en-US"/>
           </a:p>
@@ -2251,7 +2276,7 @@
           <a:p>
             <a:fld id="{A40BE709-D9C8-E34C-9A0A-EE4CF8A46643}" type="datetimeFigureOut">
               <a:rPr lang="en-US" smtClean="0"/>
-              <a:t>11/3/25</a:t>
+              <a:t>12/3/25</a:t>
             </a:fld>
             <a:endParaRPr lang="en-US"/>
           </a:p>
@@ -2392,7 +2417,7 @@
           <a:p>
             <a:fld id="{A40BE709-D9C8-E34C-9A0A-EE4CF8A46643}" type="datetimeFigureOut">
               <a:rPr lang="en-US" smtClean="0"/>
-              <a:t>11/3/25</a:t>
+              <a:t>12/3/25</a:t>
             </a:fld>
             <a:endParaRPr lang="en-US"/>
           </a:p>
@@ -2505,7 +2530,7 @@
           <a:p>
             <a:fld id="{A40BE709-D9C8-E34C-9A0A-EE4CF8A46643}" type="datetimeFigureOut">
               <a:rPr lang="en-US" smtClean="0"/>
-              <a:t>11/3/25</a:t>
+              <a:t>12/3/25</a:t>
             </a:fld>
             <a:endParaRPr lang="en-US"/>
           </a:p>
@@ -2816,7 +2841,7 @@
           <a:p>
             <a:fld id="{A40BE709-D9C8-E34C-9A0A-EE4CF8A46643}" type="datetimeFigureOut">
               <a:rPr lang="en-US" smtClean="0"/>
-              <a:t>11/3/25</a:t>
+              <a:t>12/3/25</a:t>
             </a:fld>
             <a:endParaRPr lang="en-US"/>
           </a:p>
@@ -3104,7 +3129,7 @@
           <a:p>
             <a:fld id="{A40BE709-D9C8-E34C-9A0A-EE4CF8A46643}" type="datetimeFigureOut">
               <a:rPr lang="en-US" smtClean="0"/>
-              <a:t>11/3/25</a:t>
+              <a:t>12/3/25</a:t>
             </a:fld>
             <a:endParaRPr lang="en-US"/>
           </a:p>
@@ -3345,7 +3370,7 @@
           <a:p>
             <a:fld id="{A40BE709-D9C8-E34C-9A0A-EE4CF8A46643}" type="datetimeFigureOut">
               <a:rPr lang="en-US" smtClean="0"/>
-              <a:t>11/3/25</a:t>
+              <a:t>12/3/25</a:t>
             </a:fld>
             <a:endParaRPr lang="en-US"/>
           </a:p>
@@ -3750,7 +3775,13 @@
   <p:cSld>
     <p:spTree>
       <p:nvGrpSpPr>
-        <p:cNvPr id="1" name=""/>
+        <p:cNvPr id="1" name="">
+          <a:extLst>
+            <a:ext uri="{FF2B5EF4-FFF2-40B4-BE49-F238E27FC236}">
+              <a16:creationId xmlns:a16="http://schemas.microsoft.com/office/drawing/2014/main" id="{60C9ED98-D3E8-DAB0-1B22-2951243F21D6}"/>
+            </a:ext>
+          </a:extLst>
+        </p:cNvPr>
         <p:cNvGrpSpPr/>
         <p:nvPr/>
       </p:nvGrpSpPr>
@@ -3764,10 +3795,10 @@
       </p:grpSpPr>
       <p:pic>
         <p:nvPicPr>
-          <p:cNvPr id="4" name="Picture 3">
-            <a:extLst>
-              <a:ext uri="{FF2B5EF4-FFF2-40B4-BE49-F238E27FC236}">
-                <a16:creationId xmlns:a16="http://schemas.microsoft.com/office/drawing/2014/main" id="{F0A53B5B-2154-023D-C417-62924D78E5FB}"/>
+          <p:cNvPr id="2" name="Picture 1">
+            <a:extLst>
+              <a:ext uri="{FF2B5EF4-FFF2-40B4-BE49-F238E27FC236}">
+                <a16:creationId xmlns:a16="http://schemas.microsoft.com/office/drawing/2014/main" id="{0FA6DC73-4257-7809-4DE6-D27993770344}"/>
               </a:ext>
             </a:extLst>
           </p:cNvPr>
@@ -3797,7 +3828,7 @@
           <p:cNvPr id="15" name="Group 14">
             <a:extLst>
               <a:ext uri="{FF2B5EF4-FFF2-40B4-BE49-F238E27FC236}">
-                <a16:creationId xmlns:a16="http://schemas.microsoft.com/office/drawing/2014/main" id="{66FE40AC-4604-015E-ABC2-78D34B3B80E6}"/>
+                <a16:creationId xmlns:a16="http://schemas.microsoft.com/office/drawing/2014/main" id="{EE1A491A-CA58-4BFB-4931-0268F30D1185}"/>
               </a:ext>
             </a:extLst>
           </p:cNvPr>
@@ -3817,7 +3848,7 @@
             <p:cNvPr id="12" name="TextBox 11">
               <a:extLst>
                 <a:ext uri="{FF2B5EF4-FFF2-40B4-BE49-F238E27FC236}">
-                  <a16:creationId xmlns:a16="http://schemas.microsoft.com/office/drawing/2014/main" id="{16F11EB4-B956-710F-B147-5896BB1DD940}"/>
+                  <a16:creationId xmlns:a16="http://schemas.microsoft.com/office/drawing/2014/main" id="{C9DF02CF-85E6-7D40-029E-2A3319AB4837}"/>
                 </a:ext>
               </a:extLst>
             </p:cNvPr>
@@ -3859,7 +3890,7 @@
             <p:cNvPr id="6" name="Triangle 5">
               <a:extLst>
                 <a:ext uri="{FF2B5EF4-FFF2-40B4-BE49-F238E27FC236}">
-                  <a16:creationId xmlns:a16="http://schemas.microsoft.com/office/drawing/2014/main" id="{AB8D1612-573A-56BA-3F48-D4A7771B50E3}"/>
+                  <a16:creationId xmlns:a16="http://schemas.microsoft.com/office/drawing/2014/main" id="{83A78FE3-80FA-ECEB-E5FA-2C01DF556F0F}"/>
                 </a:ext>
               </a:extLst>
             </p:cNvPr>
@@ -3905,7 +3936,7 @@
             <p:cNvPr id="7" name="Triangle 6">
               <a:extLst>
                 <a:ext uri="{FF2B5EF4-FFF2-40B4-BE49-F238E27FC236}">
-                  <a16:creationId xmlns:a16="http://schemas.microsoft.com/office/drawing/2014/main" id="{FA94B869-4A58-C2BF-641E-C65703655262}"/>
+                  <a16:creationId xmlns:a16="http://schemas.microsoft.com/office/drawing/2014/main" id="{DB9F6153-B4B9-2EE7-0E17-74966F19486A}"/>
                 </a:ext>
               </a:extLst>
             </p:cNvPr>
@@ -3951,7 +3982,7 @@
             <p:cNvPr id="8" name="Triangle 7">
               <a:extLst>
                 <a:ext uri="{FF2B5EF4-FFF2-40B4-BE49-F238E27FC236}">
-                  <a16:creationId xmlns:a16="http://schemas.microsoft.com/office/drawing/2014/main" id="{7B4683AD-9A47-03D9-B7FF-F3154310E206}"/>
+                  <a16:creationId xmlns:a16="http://schemas.microsoft.com/office/drawing/2014/main" id="{3518C230-8B10-B457-9BCE-5E77ABDA76B6}"/>
                 </a:ext>
               </a:extLst>
             </p:cNvPr>
@@ -3997,7 +4028,7 @@
             <p:cNvPr id="9" name="Triangle 8">
               <a:extLst>
                 <a:ext uri="{FF2B5EF4-FFF2-40B4-BE49-F238E27FC236}">
-                  <a16:creationId xmlns:a16="http://schemas.microsoft.com/office/drawing/2014/main" id="{21C04485-20C7-C72F-5764-E46A875468D8}"/>
+                  <a16:creationId xmlns:a16="http://schemas.microsoft.com/office/drawing/2014/main" id="{FD69D448-22C1-66E4-E344-3AF30D2C8A6E}"/>
                 </a:ext>
               </a:extLst>
             </p:cNvPr>
@@ -4043,7 +4074,7 @@
             <p:cNvPr id="10" name="TextBox 9">
               <a:extLst>
                 <a:ext uri="{FF2B5EF4-FFF2-40B4-BE49-F238E27FC236}">
-                  <a16:creationId xmlns:a16="http://schemas.microsoft.com/office/drawing/2014/main" id="{EDB6CE2C-8A06-3942-4FD7-20EE1F400765}"/>
+                  <a16:creationId xmlns:a16="http://schemas.microsoft.com/office/drawing/2014/main" id="{E9BA27BC-FD6A-FB9A-AF11-2C44AE87D5C5}"/>
                 </a:ext>
               </a:extLst>
             </p:cNvPr>
@@ -4085,7 +4116,7 @@
             <p:cNvPr id="11" name="TextBox 10">
               <a:extLst>
                 <a:ext uri="{FF2B5EF4-FFF2-40B4-BE49-F238E27FC236}">
-                  <a16:creationId xmlns:a16="http://schemas.microsoft.com/office/drawing/2014/main" id="{D322C836-AB98-58BB-0433-3262C168CB2A}"/>
+                  <a16:creationId xmlns:a16="http://schemas.microsoft.com/office/drawing/2014/main" id="{EC9CE851-F24A-B4F8-B34E-CF3122BABAF2}"/>
                 </a:ext>
               </a:extLst>
             </p:cNvPr>
@@ -4123,7 +4154,7 @@
             <p:cNvPr id="13" name="TextBox 12">
               <a:extLst>
                 <a:ext uri="{FF2B5EF4-FFF2-40B4-BE49-F238E27FC236}">
-                  <a16:creationId xmlns:a16="http://schemas.microsoft.com/office/drawing/2014/main" id="{4046AAFA-D448-A7B5-5DB8-965FAAA57A34}"/>
+                  <a16:creationId xmlns:a16="http://schemas.microsoft.com/office/drawing/2014/main" id="{0C774A92-84E8-2944-E96F-BB0D4DDEE764}"/>
                 </a:ext>
               </a:extLst>
             </p:cNvPr>
@@ -4162,7 +4193,7 @@
           <p:cNvPr id="16" name="Group 15">
             <a:extLst>
               <a:ext uri="{FF2B5EF4-FFF2-40B4-BE49-F238E27FC236}">
-                <a16:creationId xmlns:a16="http://schemas.microsoft.com/office/drawing/2014/main" id="{A2512674-C7B8-AA40-5367-4D2722DE0B99}"/>
+                <a16:creationId xmlns:a16="http://schemas.microsoft.com/office/drawing/2014/main" id="{97E45A47-C463-5361-56C1-9751C315A54E}"/>
               </a:ext>
             </a:extLst>
           </p:cNvPr>
@@ -4182,7 +4213,7 @@
             <p:cNvPr id="17" name="TextBox 16">
               <a:extLst>
                 <a:ext uri="{FF2B5EF4-FFF2-40B4-BE49-F238E27FC236}">
-                  <a16:creationId xmlns:a16="http://schemas.microsoft.com/office/drawing/2014/main" id="{15342D1C-0C55-3200-C470-D713DB4E6522}"/>
+                  <a16:creationId xmlns:a16="http://schemas.microsoft.com/office/drawing/2014/main" id="{09D7E9A5-8567-D274-2D1A-8C119C0E483B}"/>
                 </a:ext>
               </a:extLst>
             </p:cNvPr>
@@ -4224,7 +4255,7 @@
             <p:cNvPr id="18" name="Triangle 17">
               <a:extLst>
                 <a:ext uri="{FF2B5EF4-FFF2-40B4-BE49-F238E27FC236}">
-                  <a16:creationId xmlns:a16="http://schemas.microsoft.com/office/drawing/2014/main" id="{1DE3815C-8583-03EC-1096-43EBF6A9A534}"/>
+                  <a16:creationId xmlns:a16="http://schemas.microsoft.com/office/drawing/2014/main" id="{3FF1E43E-C799-0824-1D1E-97AEE87338C3}"/>
                 </a:ext>
               </a:extLst>
             </p:cNvPr>
@@ -4270,7 +4301,7 @@
             <p:cNvPr id="19" name="Triangle 18">
               <a:extLst>
                 <a:ext uri="{FF2B5EF4-FFF2-40B4-BE49-F238E27FC236}">
-                  <a16:creationId xmlns:a16="http://schemas.microsoft.com/office/drawing/2014/main" id="{85EE5219-9C68-CCEA-89EB-FCBD42077BD7}"/>
+                  <a16:creationId xmlns:a16="http://schemas.microsoft.com/office/drawing/2014/main" id="{420FD143-FF3B-0589-4625-55E24EBEA454}"/>
                 </a:ext>
               </a:extLst>
             </p:cNvPr>
@@ -4316,7 +4347,7 @@
             <p:cNvPr id="20" name="Triangle 19">
               <a:extLst>
                 <a:ext uri="{FF2B5EF4-FFF2-40B4-BE49-F238E27FC236}">
-                  <a16:creationId xmlns:a16="http://schemas.microsoft.com/office/drawing/2014/main" id="{24B783F0-AE7B-8421-0632-B55EB0BD6338}"/>
+                  <a16:creationId xmlns:a16="http://schemas.microsoft.com/office/drawing/2014/main" id="{63F2E081-BA98-841E-B8EA-99FF96CD07AA}"/>
                 </a:ext>
               </a:extLst>
             </p:cNvPr>
@@ -4362,7 +4393,7 @@
             <p:cNvPr id="21" name="Triangle 20">
               <a:extLst>
                 <a:ext uri="{FF2B5EF4-FFF2-40B4-BE49-F238E27FC236}">
-                  <a16:creationId xmlns:a16="http://schemas.microsoft.com/office/drawing/2014/main" id="{BA222462-51C2-6DE1-27A6-BF0846211372}"/>
+                  <a16:creationId xmlns:a16="http://schemas.microsoft.com/office/drawing/2014/main" id="{A1FFAF3D-1664-88F2-1CC3-2E303044558F}"/>
                 </a:ext>
               </a:extLst>
             </p:cNvPr>
@@ -4408,7 +4439,7 @@
             <p:cNvPr id="22" name="TextBox 21">
               <a:extLst>
                 <a:ext uri="{FF2B5EF4-FFF2-40B4-BE49-F238E27FC236}">
-                  <a16:creationId xmlns:a16="http://schemas.microsoft.com/office/drawing/2014/main" id="{E24F80CF-B600-64C1-ADA7-49EEDD0F75C6}"/>
+                  <a16:creationId xmlns:a16="http://schemas.microsoft.com/office/drawing/2014/main" id="{2FF2376B-5A2B-063B-77C3-9A78F0C35043}"/>
                 </a:ext>
               </a:extLst>
             </p:cNvPr>
@@ -4450,7 +4481,7 @@
             <p:cNvPr id="23" name="TextBox 22">
               <a:extLst>
                 <a:ext uri="{FF2B5EF4-FFF2-40B4-BE49-F238E27FC236}">
-                  <a16:creationId xmlns:a16="http://schemas.microsoft.com/office/drawing/2014/main" id="{5AA0FC0F-77D0-D034-92F9-5E433634A414}"/>
+                  <a16:creationId xmlns:a16="http://schemas.microsoft.com/office/drawing/2014/main" id="{A2F62BFB-7151-1324-41F6-8F2976054EB7}"/>
                 </a:ext>
               </a:extLst>
             </p:cNvPr>
@@ -4488,7 +4519,7 @@
             <p:cNvPr id="24" name="TextBox 23">
               <a:extLst>
                 <a:ext uri="{FF2B5EF4-FFF2-40B4-BE49-F238E27FC236}">
-                  <a16:creationId xmlns:a16="http://schemas.microsoft.com/office/drawing/2014/main" id="{224C491E-6DEA-9156-9FD8-848B3227C611}"/>
+                  <a16:creationId xmlns:a16="http://schemas.microsoft.com/office/drawing/2014/main" id="{F3E71677-716E-0053-7C51-C73A52488D9F}"/>
                 </a:ext>
               </a:extLst>
             </p:cNvPr>
@@ -4527,7 +4558,7 @@
           <p:cNvPr id="35" name="TextBox 34">
             <a:extLst>
               <a:ext uri="{FF2B5EF4-FFF2-40B4-BE49-F238E27FC236}">
-                <a16:creationId xmlns:a16="http://schemas.microsoft.com/office/drawing/2014/main" id="{D443F6D6-2625-40AF-3EFD-415DAD87F94A}"/>
+                <a16:creationId xmlns:a16="http://schemas.microsoft.com/office/drawing/2014/main" id="{85E1164F-A30E-993A-23BB-D5F0BAA199DB}"/>
               </a:ext>
             </a:extLst>
           </p:cNvPr>
@@ -4569,7 +4600,7 @@
           <p:cNvPr id="36" name="Triangle 35">
             <a:extLst>
               <a:ext uri="{FF2B5EF4-FFF2-40B4-BE49-F238E27FC236}">
-                <a16:creationId xmlns:a16="http://schemas.microsoft.com/office/drawing/2014/main" id="{F28E8585-3BE9-5B11-B05D-DDADFB5246BA}"/>
+                <a16:creationId xmlns:a16="http://schemas.microsoft.com/office/drawing/2014/main" id="{FFCC96E2-41CC-42FC-B9B4-9388F76F5B4B}"/>
               </a:ext>
             </a:extLst>
           </p:cNvPr>
@@ -4615,7 +4646,7 @@
           <p:cNvPr id="37" name="Triangle 36">
             <a:extLst>
               <a:ext uri="{FF2B5EF4-FFF2-40B4-BE49-F238E27FC236}">
-                <a16:creationId xmlns:a16="http://schemas.microsoft.com/office/drawing/2014/main" id="{66D46845-EDEE-0B12-190C-09994608967B}"/>
+                <a16:creationId xmlns:a16="http://schemas.microsoft.com/office/drawing/2014/main" id="{61EB31C1-57B9-3306-7713-7A90131BDE20}"/>
               </a:ext>
             </a:extLst>
           </p:cNvPr>
@@ -4661,7 +4692,7 @@
           <p:cNvPr id="38" name="Triangle 37">
             <a:extLst>
               <a:ext uri="{FF2B5EF4-FFF2-40B4-BE49-F238E27FC236}">
-                <a16:creationId xmlns:a16="http://schemas.microsoft.com/office/drawing/2014/main" id="{2D30B40B-1891-4F12-E30E-07BC9A6FB529}"/>
+                <a16:creationId xmlns:a16="http://schemas.microsoft.com/office/drawing/2014/main" id="{D23ECBC6-FADF-D866-B70E-24AB3DD6CCFC}"/>
               </a:ext>
             </a:extLst>
           </p:cNvPr>
@@ -4707,7 +4738,7 @@
           <p:cNvPr id="39" name="Triangle 38">
             <a:extLst>
               <a:ext uri="{FF2B5EF4-FFF2-40B4-BE49-F238E27FC236}">
-                <a16:creationId xmlns:a16="http://schemas.microsoft.com/office/drawing/2014/main" id="{93872BAB-B3EE-112F-4D23-2E6776709399}"/>
+                <a16:creationId xmlns:a16="http://schemas.microsoft.com/office/drawing/2014/main" id="{C1AE81A4-8AE6-29EF-88A3-30E208032720}"/>
               </a:ext>
             </a:extLst>
           </p:cNvPr>
@@ -4753,7 +4784,7 @@
           <p:cNvPr id="40" name="TextBox 39">
             <a:extLst>
               <a:ext uri="{FF2B5EF4-FFF2-40B4-BE49-F238E27FC236}">
-                <a16:creationId xmlns:a16="http://schemas.microsoft.com/office/drawing/2014/main" id="{A6C451B8-9357-89D8-E595-BAEC98CB7732}"/>
+                <a16:creationId xmlns:a16="http://schemas.microsoft.com/office/drawing/2014/main" id="{61BF7BB3-47F1-9C5E-AC38-FA2B270EF36A}"/>
               </a:ext>
             </a:extLst>
           </p:cNvPr>
@@ -4795,7 +4826,7 @@
           <p:cNvPr id="41" name="TextBox 40">
             <a:extLst>
               <a:ext uri="{FF2B5EF4-FFF2-40B4-BE49-F238E27FC236}">
-                <a16:creationId xmlns:a16="http://schemas.microsoft.com/office/drawing/2014/main" id="{4C455E5F-FB36-0F71-CB0A-35F81E6870E0}"/>
+                <a16:creationId xmlns:a16="http://schemas.microsoft.com/office/drawing/2014/main" id="{D11B90FB-DA5B-239E-1887-27404F6C2909}"/>
               </a:ext>
             </a:extLst>
           </p:cNvPr>
@@ -4833,7 +4864,7 @@
           <p:cNvPr id="42" name="TextBox 41">
             <a:extLst>
               <a:ext uri="{FF2B5EF4-FFF2-40B4-BE49-F238E27FC236}">
-                <a16:creationId xmlns:a16="http://schemas.microsoft.com/office/drawing/2014/main" id="{ACFEF854-53BA-FC07-2795-E7F84E5A5898}"/>
+                <a16:creationId xmlns:a16="http://schemas.microsoft.com/office/drawing/2014/main" id="{97EAC0F4-5612-1072-9201-87E94C89DFAC}"/>
               </a:ext>
             </a:extLst>
           </p:cNvPr>
@@ -4871,7 +4902,7 @@
           <p:cNvPr id="43" name="Group 42">
             <a:extLst>
               <a:ext uri="{FF2B5EF4-FFF2-40B4-BE49-F238E27FC236}">
-                <a16:creationId xmlns:a16="http://schemas.microsoft.com/office/drawing/2014/main" id="{72D27B9A-1625-F4D6-6F91-9F68AE8A8D61}"/>
+                <a16:creationId xmlns:a16="http://schemas.microsoft.com/office/drawing/2014/main" id="{8240D826-74A5-E038-97FB-43D6D4A70AAD}"/>
               </a:ext>
             </a:extLst>
           </p:cNvPr>
@@ -4891,7 +4922,7 @@
             <p:cNvPr id="44" name="TextBox 43">
               <a:extLst>
                 <a:ext uri="{FF2B5EF4-FFF2-40B4-BE49-F238E27FC236}">
-                  <a16:creationId xmlns:a16="http://schemas.microsoft.com/office/drawing/2014/main" id="{829A2D17-A8B5-7DA6-118B-BD667C6ACBD3}"/>
+                  <a16:creationId xmlns:a16="http://schemas.microsoft.com/office/drawing/2014/main" id="{2B219BB1-AFF2-D7EF-8504-EDB49C0EE8B4}"/>
                 </a:ext>
               </a:extLst>
             </p:cNvPr>
@@ -4933,7 +4964,7 @@
             <p:cNvPr id="45" name="Triangle 44">
               <a:extLst>
                 <a:ext uri="{FF2B5EF4-FFF2-40B4-BE49-F238E27FC236}">
-                  <a16:creationId xmlns:a16="http://schemas.microsoft.com/office/drawing/2014/main" id="{F3FF4CA2-F4DF-DB53-B6F2-98625E02793E}"/>
+                  <a16:creationId xmlns:a16="http://schemas.microsoft.com/office/drawing/2014/main" id="{5FA4621F-77B8-E11D-8207-6B2ADCF6B469}"/>
                 </a:ext>
               </a:extLst>
             </p:cNvPr>
@@ -4979,7 +5010,7 @@
             <p:cNvPr id="46" name="Triangle 45">
               <a:extLst>
                 <a:ext uri="{FF2B5EF4-FFF2-40B4-BE49-F238E27FC236}">
-                  <a16:creationId xmlns:a16="http://schemas.microsoft.com/office/drawing/2014/main" id="{344B5D71-22D6-940A-D1D6-4B4D54956BE7}"/>
+                  <a16:creationId xmlns:a16="http://schemas.microsoft.com/office/drawing/2014/main" id="{9C822913-7010-C641-91DB-A98941798FC9}"/>
                 </a:ext>
               </a:extLst>
             </p:cNvPr>
@@ -5025,7 +5056,7 @@
             <p:cNvPr id="47" name="Triangle 46">
               <a:extLst>
                 <a:ext uri="{FF2B5EF4-FFF2-40B4-BE49-F238E27FC236}">
-                  <a16:creationId xmlns:a16="http://schemas.microsoft.com/office/drawing/2014/main" id="{13A11604-9811-DA4D-BAAA-74CEC997B612}"/>
+                  <a16:creationId xmlns:a16="http://schemas.microsoft.com/office/drawing/2014/main" id="{CEFEF87A-1197-F66E-DA92-87B3905F1006}"/>
                 </a:ext>
               </a:extLst>
             </p:cNvPr>
@@ -5071,7 +5102,7 @@
             <p:cNvPr id="48" name="Triangle 47">
               <a:extLst>
                 <a:ext uri="{FF2B5EF4-FFF2-40B4-BE49-F238E27FC236}">
-                  <a16:creationId xmlns:a16="http://schemas.microsoft.com/office/drawing/2014/main" id="{18926FCF-10EC-2036-E7AC-17701D905915}"/>
+                  <a16:creationId xmlns:a16="http://schemas.microsoft.com/office/drawing/2014/main" id="{B09423AB-8866-384C-02C7-51215500A63F}"/>
                 </a:ext>
               </a:extLst>
             </p:cNvPr>
@@ -5117,7 +5148,7 @@
             <p:cNvPr id="49" name="TextBox 48">
               <a:extLst>
                 <a:ext uri="{FF2B5EF4-FFF2-40B4-BE49-F238E27FC236}">
-                  <a16:creationId xmlns:a16="http://schemas.microsoft.com/office/drawing/2014/main" id="{D2CFD182-D791-E7A2-8B54-EDF948F803D7}"/>
+                  <a16:creationId xmlns:a16="http://schemas.microsoft.com/office/drawing/2014/main" id="{E7EE4EBD-1603-C8F5-17A5-03A09AF93832}"/>
                 </a:ext>
               </a:extLst>
             </p:cNvPr>
@@ -5159,7 +5190,7 @@
             <p:cNvPr id="50" name="TextBox 49">
               <a:extLst>
                 <a:ext uri="{FF2B5EF4-FFF2-40B4-BE49-F238E27FC236}">
-                  <a16:creationId xmlns:a16="http://schemas.microsoft.com/office/drawing/2014/main" id="{D74995E3-0E3A-F4D5-5708-366D42CA7711}"/>
+                  <a16:creationId xmlns:a16="http://schemas.microsoft.com/office/drawing/2014/main" id="{29E95DA2-7139-547F-4142-90CA7B9DEBA1}"/>
                 </a:ext>
               </a:extLst>
             </p:cNvPr>
@@ -5197,7 +5228,7 @@
             <p:cNvPr id="51" name="TextBox 50">
               <a:extLst>
                 <a:ext uri="{FF2B5EF4-FFF2-40B4-BE49-F238E27FC236}">
-                  <a16:creationId xmlns:a16="http://schemas.microsoft.com/office/drawing/2014/main" id="{56EA38EE-D402-1290-F174-82B4D80DE706}"/>
+                  <a16:creationId xmlns:a16="http://schemas.microsoft.com/office/drawing/2014/main" id="{D658E8F2-8EF8-7A58-5E98-48F16EA63EA1}"/>
                 </a:ext>
               </a:extLst>
             </p:cNvPr>
@@ -5236,7 +5267,7 @@
           <p:cNvPr id="62" name="TextBox 61">
             <a:extLst>
               <a:ext uri="{FF2B5EF4-FFF2-40B4-BE49-F238E27FC236}">
-                <a16:creationId xmlns:a16="http://schemas.microsoft.com/office/drawing/2014/main" id="{903F9A38-DC3E-1E35-35D9-16DE7EBC612D}"/>
+                <a16:creationId xmlns:a16="http://schemas.microsoft.com/office/drawing/2014/main" id="{AEA5AFE6-3EB5-D5DC-3D55-A8EE3D658241}"/>
               </a:ext>
             </a:extLst>
           </p:cNvPr>
@@ -5278,7 +5309,7 @@
           <p:cNvPr id="63" name="Triangle 62">
             <a:extLst>
               <a:ext uri="{FF2B5EF4-FFF2-40B4-BE49-F238E27FC236}">
-                <a16:creationId xmlns:a16="http://schemas.microsoft.com/office/drawing/2014/main" id="{A50C3F5F-0E3F-45BC-E27B-BDE599A86221}"/>
+                <a16:creationId xmlns:a16="http://schemas.microsoft.com/office/drawing/2014/main" id="{52D40838-7E16-1EAD-A58C-0713F8D3782C}"/>
               </a:ext>
             </a:extLst>
           </p:cNvPr>
@@ -5324,7 +5355,7 @@
           <p:cNvPr id="64" name="Triangle 63">
             <a:extLst>
               <a:ext uri="{FF2B5EF4-FFF2-40B4-BE49-F238E27FC236}">
-                <a16:creationId xmlns:a16="http://schemas.microsoft.com/office/drawing/2014/main" id="{393D8C70-6E1D-8983-E5BD-6A8524C56B9B}"/>
+                <a16:creationId xmlns:a16="http://schemas.microsoft.com/office/drawing/2014/main" id="{A96CAC5B-33A2-31AE-F0AD-CF1AB08A70C1}"/>
               </a:ext>
             </a:extLst>
           </p:cNvPr>
@@ -5370,7 +5401,7 @@
           <p:cNvPr id="65" name="Triangle 64">
             <a:extLst>
               <a:ext uri="{FF2B5EF4-FFF2-40B4-BE49-F238E27FC236}">
-                <a16:creationId xmlns:a16="http://schemas.microsoft.com/office/drawing/2014/main" id="{461CD3BF-3FA3-3140-1D74-323AB8CE4E65}"/>
+                <a16:creationId xmlns:a16="http://schemas.microsoft.com/office/drawing/2014/main" id="{A4654B33-A4CE-C7FE-1717-1D71880CE9D1}"/>
               </a:ext>
             </a:extLst>
           </p:cNvPr>
@@ -5416,7 +5447,7 @@
           <p:cNvPr id="66" name="Triangle 65">
             <a:extLst>
               <a:ext uri="{FF2B5EF4-FFF2-40B4-BE49-F238E27FC236}">
-                <a16:creationId xmlns:a16="http://schemas.microsoft.com/office/drawing/2014/main" id="{818D10D0-EE40-0F65-9424-E6C5F72BF1DD}"/>
+                <a16:creationId xmlns:a16="http://schemas.microsoft.com/office/drawing/2014/main" id="{F4F7A923-6302-D7BE-02ED-09488E31F1F4}"/>
               </a:ext>
             </a:extLst>
           </p:cNvPr>
@@ -5462,7 +5493,7 @@
           <p:cNvPr id="67" name="TextBox 66">
             <a:extLst>
               <a:ext uri="{FF2B5EF4-FFF2-40B4-BE49-F238E27FC236}">
-                <a16:creationId xmlns:a16="http://schemas.microsoft.com/office/drawing/2014/main" id="{E5E5789A-1C51-ED5A-09F9-C55CF7FB8532}"/>
+                <a16:creationId xmlns:a16="http://schemas.microsoft.com/office/drawing/2014/main" id="{F89F5E14-8633-E3FB-CD42-1CD44151A0CD}"/>
               </a:ext>
             </a:extLst>
           </p:cNvPr>
@@ -5504,7 +5535,7 @@
           <p:cNvPr id="68" name="TextBox 67">
             <a:extLst>
               <a:ext uri="{FF2B5EF4-FFF2-40B4-BE49-F238E27FC236}">
-                <a16:creationId xmlns:a16="http://schemas.microsoft.com/office/drawing/2014/main" id="{5B111A5E-ED0E-9F86-6B12-0F720BB9F583}"/>
+                <a16:creationId xmlns:a16="http://schemas.microsoft.com/office/drawing/2014/main" id="{CCFAFBE5-7D02-04B1-E1D9-A0A4CF1A4E9C}"/>
               </a:ext>
             </a:extLst>
           </p:cNvPr>
@@ -5542,7 +5573,7 @@
           <p:cNvPr id="69" name="TextBox 68">
             <a:extLst>
               <a:ext uri="{FF2B5EF4-FFF2-40B4-BE49-F238E27FC236}">
-                <a16:creationId xmlns:a16="http://schemas.microsoft.com/office/drawing/2014/main" id="{98F01883-B82F-C7DA-0DD5-3C83C4A532E6}"/>
+                <a16:creationId xmlns:a16="http://schemas.microsoft.com/office/drawing/2014/main" id="{AB9C825D-9F48-EAA6-C995-42A8BACE7B82}"/>
               </a:ext>
             </a:extLst>
           </p:cNvPr>
@@ -5575,10 +5606,107 @@
           </a:p>
         </p:txBody>
       </p:sp>
+      <p:sp>
+        <p:nvSpPr>
+          <p:cNvPr id="3" name="TextBox 2">
+            <a:extLst>
+              <a:ext uri="{FF2B5EF4-FFF2-40B4-BE49-F238E27FC236}">
+                <a16:creationId xmlns:a16="http://schemas.microsoft.com/office/drawing/2014/main" id="{1A465486-6CD3-C2B5-2BF6-2D86A30D0CDA}"/>
+              </a:ext>
+            </a:extLst>
+          </p:cNvPr>
+          <p:cNvSpPr txBox="1"/>
+          <p:nvPr/>
+        </p:nvSpPr>
+        <p:spPr>
+          <a:xfrm>
+            <a:off x="5105337" y="32763"/>
+            <a:ext cx="683200" cy="184666"/>
+          </a:xfrm>
+          <a:prstGeom prst="rect">
+            <a:avLst/>
+          </a:prstGeom>
+          <a:noFill/>
+        </p:spPr>
+        <p:txBody>
+          <a:bodyPr wrap="none" rtlCol="0">
+            <a:spAutoFit/>
+          </a:bodyPr>
+          <a:lstStyle/>
+          <a:p>
+            <a:r>
+              <a:rPr lang="en-US" sz="600" dirty="0">
+                <a:latin typeface="Arial" panose="020B0604020202020204" pitchFamily="34" charset="0"/>
+                <a:cs typeface="Arial" panose="020B0604020202020204" pitchFamily="34" charset="0"/>
+              </a:rPr>
+              <a:t>Stress = 0.192</a:t>
+            </a:r>
+          </a:p>
+        </p:txBody>
+      </p:sp>
     </p:spTree>
     <p:extLst>
       <p:ext uri="{BB962C8B-B14F-4D97-AF65-F5344CB8AC3E}">
-        <p14:creationId xmlns:p14="http://schemas.microsoft.com/office/powerpoint/2010/main" val="3985900938"/>
+        <p14:creationId xmlns:p14="http://schemas.microsoft.com/office/powerpoint/2010/main" val="3142779502"/>
+      </p:ext>
+    </p:extLst>
+  </p:cSld>
+  <p:clrMapOvr>
+    <a:masterClrMapping/>
+  </p:clrMapOvr>
+</p:sld>
+</file>
+
+<file path=ppt/slides/slide2.xml><?xml version="1.0" encoding="utf-8"?>
+<p:sld xmlns:a="http://schemas.openxmlformats.org/drawingml/2006/main" xmlns:r="http://schemas.openxmlformats.org/officeDocument/2006/relationships" xmlns:p="http://schemas.openxmlformats.org/presentationml/2006/main">
+  <p:cSld>
+    <p:spTree>
+      <p:nvGrpSpPr>
+        <p:cNvPr id="1" name=""/>
+        <p:cNvGrpSpPr/>
+        <p:nvPr/>
+      </p:nvGrpSpPr>
+      <p:grpSpPr>
+        <a:xfrm>
+          <a:off x="0" y="0"/>
+          <a:ext cx="0" cy="0"/>
+          <a:chOff x="0" y="0"/>
+          <a:chExt cx="0" cy="0"/>
+        </a:xfrm>
+      </p:grpSpPr>
+      <p:pic>
+        <p:nvPicPr>
+          <p:cNvPr id="5" name="Content Placeholder 4" descr="A screenshot of a computer screen&#10;&#10;AI-generated content may be incorrect.">
+            <a:extLst>
+              <a:ext uri="{FF2B5EF4-FFF2-40B4-BE49-F238E27FC236}">
+                <a16:creationId xmlns:a16="http://schemas.microsoft.com/office/drawing/2014/main" id="{286B4F01-2D9F-6A72-C1C8-ABDB5A72AACA}"/>
+              </a:ext>
+            </a:extLst>
+          </p:cNvPr>
+          <p:cNvPicPr>
+            <a:picLocks noGrp="1" noChangeAspect="1"/>
+          </p:cNvPicPr>
+          <p:nvPr>
+            <p:ph idx="1"/>
+          </p:nvPr>
+        </p:nvPicPr>
+        <p:blipFill>
+          <a:blip r:embed="rId2"/>
+          <a:stretch>
+            <a:fillRect/>
+          </a:stretch>
+        </p:blipFill>
+        <p:spPr>
+          <a:xfrm>
+            <a:off x="3162300" y="2680494"/>
+            <a:ext cx="5867400" cy="2641600"/>
+          </a:xfrm>
+        </p:spPr>
+      </p:pic>
+    </p:spTree>
+    <p:extLst>
+      <p:ext uri="{BB962C8B-B14F-4D97-AF65-F5344CB8AC3E}">
+        <p14:creationId xmlns:p14="http://schemas.microsoft.com/office/powerpoint/2010/main" val="4113966947"/>
       </p:ext>
     </p:extLst>
   </p:cSld>
